--- a/Census Inequality Project.pptx
+++ b/Census Inequality Project.pptx
@@ -15,9 +15,9 @@
     <p:sldId id="260" r:id="rId6"/>
     <p:sldId id="261" r:id="rId7"/>
     <p:sldId id="262" r:id="rId8"/>
-    <p:sldId id="263" r:id="rId9"/>
-    <p:sldId id="264" r:id="rId10"/>
-    <p:sldId id="265" r:id="rId11"/>
+    <p:sldId id="264" r:id="rId9"/>
+    <p:sldId id="265" r:id="rId10"/>
+    <p:sldId id="284" r:id="rId11"/>
     <p:sldId id="266" r:id="rId12"/>
     <p:sldId id="267" r:id="rId13"/>
     <p:sldId id="268" r:id="rId14"/>
@@ -949,6 +949,11 @@
         </p:txBody>
       </p:sp>
     </p:spTree>
+    <p:extLst>
+      <p:ext uri="{BB962C8B-B14F-4D97-AF65-F5344CB8AC3E}">
+        <p14:creationId xmlns:p14="http://schemas.microsoft.com/office/powerpoint/2010/main" val="138686272"/>
+      </p:ext>
+    </p:extLst>
   </p:cSld>
   <p:clrMapOvr>
     <a:masterClrMapping/>
@@ -3264,7 +3269,7 @@
   <p:cSld>
     <p:spTree>
       <p:nvGrpSpPr>
-        <p:cNvPr id="1" name="Shape 607"/>
+        <p:cNvPr id="1" name="Shape 616"/>
         <p:cNvGrpSpPr/>
         <p:nvPr/>
       </p:nvGrpSpPr>
@@ -3278,7 +3283,7 @@
       </p:grpSpPr>
       <p:sp>
         <p:nvSpPr>
-          <p:cNvPr id="608" name="Google Shape;608;g31c81004487_0_72:notes"/>
+          <p:cNvPr id="617" name="Google Shape;617;g31c81004487_0_97:notes"/>
           <p:cNvSpPr>
             <a:spLocks noGrp="1" noRot="1" noChangeAspect="1"/>
           </p:cNvSpPr>
@@ -3319,7 +3324,7 @@
       </p:sp>
       <p:sp>
         <p:nvSpPr>
-          <p:cNvPr id="609" name="Google Shape;609;g31c81004487_0_72:notes"/>
+          <p:cNvPr id="618" name="Google Shape;618;g31c81004487_0_97:notes"/>
           <p:cNvSpPr txBox="1">
             <a:spLocks noGrp="1"/>
           </p:cNvSpPr>
@@ -3368,7 +3373,7 @@
   <p:cSld>
     <p:spTree>
       <p:nvGrpSpPr>
-        <p:cNvPr id="1" name="Shape 616"/>
+        <p:cNvPr id="1" name="Shape 640"/>
         <p:cNvGrpSpPr/>
         <p:nvPr/>
       </p:nvGrpSpPr>
@@ -3382,7 +3387,7 @@
       </p:grpSpPr>
       <p:sp>
         <p:nvSpPr>
-          <p:cNvPr id="617" name="Google Shape;617;g31c81004487_0_97:notes"/>
+          <p:cNvPr id="641" name="Google Shape;641;g31d0bb9775a_0_21:notes"/>
           <p:cNvSpPr>
             <a:spLocks noGrp="1" noRot="1" noChangeAspect="1"/>
           </p:cNvSpPr>
@@ -3423,7 +3428,7 @@
       </p:sp>
       <p:sp>
         <p:nvSpPr>
-          <p:cNvPr id="618" name="Google Shape;618;g31c81004487_0_97:notes"/>
+          <p:cNvPr id="642" name="Google Shape;642;g31d0bb9775a_0_21:notes"/>
           <p:cNvSpPr txBox="1">
             <a:spLocks noGrp="1"/>
           </p:cNvSpPr>
@@ -13096,1189 +13101,6 @@
 </file>
 
 <file path=ppt/slideLayouts/slideLayout24.xml><?xml version="1.0" encoding="utf-8"?>
-<p:sldLayout xmlns:a="http://schemas.openxmlformats.org/drawingml/2006/main" xmlns:r="http://schemas.openxmlformats.org/officeDocument/2006/relationships" xmlns:p="http://schemas.openxmlformats.org/presentationml/2006/main" matchingName="Custom agenda" type="tx">
-  <p:cSld name="TITLE_AND_BODY">
-    <p:bg>
-      <p:bgPr>
-        <a:solidFill>
-          <a:schemeClr val="dk1"/>
-        </a:solidFill>
-        <a:effectLst/>
-      </p:bgPr>
-    </p:bg>
-    <p:spTree>
-      <p:nvGrpSpPr>
-        <p:cNvPr id="1" name="Shape 148"/>
-        <p:cNvGrpSpPr/>
-        <p:nvPr/>
-      </p:nvGrpSpPr>
-      <p:grpSpPr>
-        <a:xfrm>
-          <a:off x="0" y="0"/>
-          <a:ext cx="0" cy="0"/>
-          <a:chOff x="0" y="0"/>
-          <a:chExt cx="0" cy="0"/>
-        </a:xfrm>
-      </p:grpSpPr>
-      <p:sp>
-        <p:nvSpPr>
-          <p:cNvPr id="149" name="Google Shape;149;p25"/>
-          <p:cNvSpPr/>
-          <p:nvPr/>
-        </p:nvSpPr>
-        <p:spPr>
-          <a:xfrm rot="5400000">
-            <a:off x="4391175" y="560850"/>
-            <a:ext cx="321000" cy="8851800"/>
-          </a:xfrm>
-          <a:prstGeom prst="round2SameRect">
-            <a:avLst>
-              <a:gd name="adj1" fmla="val 50000"/>
-              <a:gd name="adj2" fmla="val 50000"/>
-            </a:avLst>
-          </a:prstGeom>
-          <a:noFill/>
-          <a:ln w="9525" cap="flat" cmpd="sng">
-            <a:solidFill>
-              <a:schemeClr val="lt1"/>
-            </a:solidFill>
-            <a:prstDash val="solid"/>
-            <a:round/>
-            <a:headEnd type="none" w="sm" len="sm"/>
-            <a:tailEnd type="none" w="sm" len="sm"/>
-          </a:ln>
-        </p:spPr>
-        <p:txBody>
-          <a:bodyPr spcFirstLastPara="1" wrap="square" lIns="91425" tIns="91425" rIns="91425" bIns="91425" anchor="ctr" anchorCtr="0">
-            <a:noAutofit/>
-          </a:bodyPr>
-          <a:lstStyle/>
-          <a:p>
-            <a:pPr marL="0" lvl="0" indent="0" algn="l" rtl="0">
-              <a:spcBef>
-                <a:spcPts val="0"/>
-              </a:spcBef>
-              <a:spcAft>
-                <a:spcPts val="0"/>
-              </a:spcAft>
-              <a:buNone/>
-            </a:pPr>
-            <a:endParaRPr>
-              <a:latin typeface="Roboto"/>
-              <a:ea typeface="Roboto"/>
-              <a:cs typeface="Roboto"/>
-              <a:sym typeface="Roboto"/>
-            </a:endParaRPr>
-          </a:p>
-        </p:txBody>
-      </p:sp>
-      <p:sp>
-        <p:nvSpPr>
-          <p:cNvPr id="150" name="Google Shape;150;p25"/>
-          <p:cNvSpPr/>
-          <p:nvPr/>
-        </p:nvSpPr>
-        <p:spPr>
-          <a:xfrm>
-            <a:off x="125700" y="125597"/>
-            <a:ext cx="3985500" cy="4575900"/>
-          </a:xfrm>
-          <a:prstGeom prst="roundRect">
-            <a:avLst>
-              <a:gd name="adj" fmla="val 16667"/>
-            </a:avLst>
-          </a:prstGeom>
-          <a:solidFill>
-            <a:schemeClr val="accent2"/>
-          </a:solidFill>
-          <a:ln>
-            <a:noFill/>
-          </a:ln>
-        </p:spPr>
-        <p:txBody>
-          <a:bodyPr spcFirstLastPara="1" wrap="square" lIns="91425" tIns="91425" rIns="91425" bIns="91425" anchor="ctr" anchorCtr="0">
-            <a:noAutofit/>
-          </a:bodyPr>
-          <a:lstStyle/>
-          <a:p>
-            <a:pPr marL="0" lvl="0" indent="0" algn="l" rtl="0">
-              <a:spcBef>
-                <a:spcPts val="0"/>
-              </a:spcBef>
-              <a:spcAft>
-                <a:spcPts val="0"/>
-              </a:spcAft>
-              <a:buNone/>
-            </a:pPr>
-            <a:endParaRPr/>
-          </a:p>
-        </p:txBody>
-      </p:sp>
-      <p:sp>
-        <p:nvSpPr>
-          <p:cNvPr id="151" name="Google Shape;151;p25"/>
-          <p:cNvSpPr/>
-          <p:nvPr/>
-        </p:nvSpPr>
-        <p:spPr>
-          <a:xfrm>
-            <a:off x="4236800" y="125550"/>
-            <a:ext cx="4782600" cy="4575900"/>
-          </a:xfrm>
-          <a:prstGeom prst="roundRect">
-            <a:avLst>
-              <a:gd name="adj" fmla="val 16667"/>
-            </a:avLst>
-          </a:prstGeom>
-          <a:noFill/>
-          <a:ln w="9525" cap="flat" cmpd="sng">
-            <a:solidFill>
-              <a:schemeClr val="lt1"/>
-            </a:solidFill>
-            <a:prstDash val="solid"/>
-            <a:round/>
-            <a:headEnd type="none" w="sm" len="sm"/>
-            <a:tailEnd type="none" w="sm" len="sm"/>
-          </a:ln>
-        </p:spPr>
-        <p:txBody>
-          <a:bodyPr spcFirstLastPara="1" wrap="square" lIns="91425" tIns="91425" rIns="91425" bIns="91425" anchor="ctr" anchorCtr="0">
-            <a:noAutofit/>
-          </a:bodyPr>
-          <a:lstStyle/>
-          <a:p>
-            <a:pPr marL="0" lvl="0" indent="0" algn="l" rtl="0">
-              <a:spcBef>
-                <a:spcPts val="0"/>
-              </a:spcBef>
-              <a:spcAft>
-                <a:spcPts val="0"/>
-              </a:spcAft>
-              <a:buNone/>
-            </a:pPr>
-            <a:endParaRPr/>
-          </a:p>
-        </p:txBody>
-      </p:sp>
-      <p:sp>
-        <p:nvSpPr>
-          <p:cNvPr id="152" name="Google Shape;152;p25"/>
-          <p:cNvSpPr txBox="1">
-            <a:spLocks noGrp="1"/>
-          </p:cNvSpPr>
-          <p:nvPr>
-            <p:ph type="title"/>
-          </p:nvPr>
-        </p:nvSpPr>
-        <p:spPr>
-          <a:xfrm>
-            <a:off x="4500950" y="349600"/>
-            <a:ext cx="4254300" cy="1467900"/>
-          </a:xfrm>
-          <a:prstGeom prst="rect">
-            <a:avLst/>
-          </a:prstGeom>
-        </p:spPr>
-        <p:txBody>
-          <a:bodyPr spcFirstLastPara="1" wrap="square" lIns="91425" tIns="91425" rIns="91425" bIns="91425" anchor="t" anchorCtr="0">
-            <a:noAutofit/>
-          </a:bodyPr>
-          <a:lstStyle>
-            <a:lvl1pPr lvl="0">
-              <a:spcBef>
-                <a:spcPts val="0"/>
-              </a:spcBef>
-              <a:spcAft>
-                <a:spcPts val="0"/>
-              </a:spcAft>
-              <a:buClr>
-                <a:schemeClr val="lt1"/>
-              </a:buClr>
-              <a:buSzPts val="7200"/>
-              <a:buNone/>
-              <a:defRPr sz="7200">
-                <a:solidFill>
-                  <a:schemeClr val="lt1"/>
-                </a:solidFill>
-              </a:defRPr>
-            </a:lvl1pPr>
-            <a:lvl2pPr lvl="1">
-              <a:spcBef>
-                <a:spcPts val="0"/>
-              </a:spcBef>
-              <a:spcAft>
-                <a:spcPts val="0"/>
-              </a:spcAft>
-              <a:buClr>
-                <a:schemeClr val="lt1"/>
-              </a:buClr>
-              <a:buSzPts val="7200"/>
-              <a:buFont typeface="Libre Baskerville"/>
-              <a:buNone/>
-              <a:defRPr sz="7200">
-                <a:solidFill>
-                  <a:schemeClr val="lt1"/>
-                </a:solidFill>
-              </a:defRPr>
-            </a:lvl2pPr>
-            <a:lvl3pPr lvl="2">
-              <a:spcBef>
-                <a:spcPts val="0"/>
-              </a:spcBef>
-              <a:spcAft>
-                <a:spcPts val="0"/>
-              </a:spcAft>
-              <a:buClr>
-                <a:schemeClr val="lt1"/>
-              </a:buClr>
-              <a:buSzPts val="7200"/>
-              <a:buFont typeface="Libre Baskerville"/>
-              <a:buNone/>
-              <a:defRPr sz="7200">
-                <a:solidFill>
-                  <a:schemeClr val="lt1"/>
-                </a:solidFill>
-              </a:defRPr>
-            </a:lvl3pPr>
-            <a:lvl4pPr lvl="3">
-              <a:spcBef>
-                <a:spcPts val="0"/>
-              </a:spcBef>
-              <a:spcAft>
-                <a:spcPts val="0"/>
-              </a:spcAft>
-              <a:buClr>
-                <a:schemeClr val="lt1"/>
-              </a:buClr>
-              <a:buSzPts val="7200"/>
-              <a:buFont typeface="Libre Baskerville"/>
-              <a:buNone/>
-              <a:defRPr sz="7200">
-                <a:solidFill>
-                  <a:schemeClr val="lt1"/>
-                </a:solidFill>
-              </a:defRPr>
-            </a:lvl4pPr>
-            <a:lvl5pPr lvl="4">
-              <a:spcBef>
-                <a:spcPts val="0"/>
-              </a:spcBef>
-              <a:spcAft>
-                <a:spcPts val="0"/>
-              </a:spcAft>
-              <a:buClr>
-                <a:schemeClr val="lt1"/>
-              </a:buClr>
-              <a:buSzPts val="7200"/>
-              <a:buFont typeface="Libre Baskerville"/>
-              <a:buNone/>
-              <a:defRPr sz="7200">
-                <a:solidFill>
-                  <a:schemeClr val="lt1"/>
-                </a:solidFill>
-              </a:defRPr>
-            </a:lvl5pPr>
-            <a:lvl6pPr lvl="5">
-              <a:spcBef>
-                <a:spcPts val="0"/>
-              </a:spcBef>
-              <a:spcAft>
-                <a:spcPts val="0"/>
-              </a:spcAft>
-              <a:buClr>
-                <a:schemeClr val="lt1"/>
-              </a:buClr>
-              <a:buSzPts val="7200"/>
-              <a:buFont typeface="Libre Baskerville"/>
-              <a:buNone/>
-              <a:defRPr sz="7200">
-                <a:solidFill>
-                  <a:schemeClr val="lt1"/>
-                </a:solidFill>
-              </a:defRPr>
-            </a:lvl6pPr>
-            <a:lvl7pPr lvl="6">
-              <a:spcBef>
-                <a:spcPts val="0"/>
-              </a:spcBef>
-              <a:spcAft>
-                <a:spcPts val="0"/>
-              </a:spcAft>
-              <a:buClr>
-                <a:schemeClr val="lt1"/>
-              </a:buClr>
-              <a:buSzPts val="7200"/>
-              <a:buFont typeface="Libre Baskerville"/>
-              <a:buNone/>
-              <a:defRPr sz="7200">
-                <a:solidFill>
-                  <a:schemeClr val="lt1"/>
-                </a:solidFill>
-              </a:defRPr>
-            </a:lvl7pPr>
-            <a:lvl8pPr lvl="7">
-              <a:spcBef>
-                <a:spcPts val="0"/>
-              </a:spcBef>
-              <a:spcAft>
-                <a:spcPts val="0"/>
-              </a:spcAft>
-              <a:buClr>
-                <a:schemeClr val="lt1"/>
-              </a:buClr>
-              <a:buSzPts val="7200"/>
-              <a:buFont typeface="Libre Baskerville"/>
-              <a:buNone/>
-              <a:defRPr sz="7200">
-                <a:solidFill>
-                  <a:schemeClr val="lt1"/>
-                </a:solidFill>
-              </a:defRPr>
-            </a:lvl8pPr>
-            <a:lvl9pPr lvl="8">
-              <a:spcBef>
-                <a:spcPts val="0"/>
-              </a:spcBef>
-              <a:spcAft>
-                <a:spcPts val="0"/>
-              </a:spcAft>
-              <a:buClr>
-                <a:schemeClr val="lt1"/>
-              </a:buClr>
-              <a:buSzPts val="7200"/>
-              <a:buFont typeface="Libre Baskerville"/>
-              <a:buNone/>
-              <a:defRPr sz="7200">
-                <a:solidFill>
-                  <a:schemeClr val="lt1"/>
-                </a:solidFill>
-              </a:defRPr>
-            </a:lvl9pPr>
-          </a:lstStyle>
-          <a:p>
-            <a:endParaRPr/>
-          </a:p>
-        </p:txBody>
-      </p:sp>
-      <p:sp>
-        <p:nvSpPr>
-          <p:cNvPr id="153" name="Google Shape;153;p25"/>
-          <p:cNvSpPr txBox="1">
-            <a:spLocks noGrp="1"/>
-          </p:cNvSpPr>
-          <p:nvPr>
-            <p:ph type="body" idx="1"/>
-          </p:nvPr>
-        </p:nvSpPr>
-        <p:spPr>
-          <a:xfrm>
-            <a:off x="4543850" y="1752125"/>
-            <a:ext cx="4168500" cy="2692800"/>
-          </a:xfrm>
-          <a:prstGeom prst="rect">
-            <a:avLst/>
-          </a:prstGeom>
-        </p:spPr>
-        <p:txBody>
-          <a:bodyPr spcFirstLastPara="1" wrap="square" lIns="91425" tIns="91425" rIns="91425" bIns="91425" anchor="t" anchorCtr="0">
-            <a:noAutofit/>
-          </a:bodyPr>
-          <a:lstStyle>
-            <a:lvl1pPr marL="457200" lvl="0" indent="-406400">
-              <a:spcBef>
-                <a:spcPts val="0"/>
-              </a:spcBef>
-              <a:spcAft>
-                <a:spcPts val="0"/>
-              </a:spcAft>
-              <a:buClr>
-                <a:schemeClr val="lt1"/>
-              </a:buClr>
-              <a:buSzPts val="2800"/>
-              <a:buFont typeface="Libre Baskerville"/>
-              <a:buChar char="●"/>
-              <a:defRPr sz="2800">
-                <a:solidFill>
-                  <a:schemeClr val="lt1"/>
-                </a:solidFill>
-                <a:latin typeface="Libre Baskerville"/>
-                <a:ea typeface="Libre Baskerville"/>
-                <a:cs typeface="Libre Baskerville"/>
-                <a:sym typeface="Libre Baskerville"/>
-              </a:defRPr>
-            </a:lvl1pPr>
-            <a:lvl2pPr marL="914400" lvl="1" indent="-406400">
-              <a:spcBef>
-                <a:spcPts val="0"/>
-              </a:spcBef>
-              <a:spcAft>
-                <a:spcPts val="0"/>
-              </a:spcAft>
-              <a:buClr>
-                <a:schemeClr val="lt1"/>
-              </a:buClr>
-              <a:buSzPts val="2800"/>
-              <a:buFont typeface="Libre Baskerville"/>
-              <a:buChar char="○"/>
-              <a:defRPr sz="2800">
-                <a:solidFill>
-                  <a:schemeClr val="lt1"/>
-                </a:solidFill>
-                <a:latin typeface="Libre Baskerville"/>
-                <a:ea typeface="Libre Baskerville"/>
-                <a:cs typeface="Libre Baskerville"/>
-                <a:sym typeface="Libre Baskerville"/>
-              </a:defRPr>
-            </a:lvl2pPr>
-            <a:lvl3pPr marL="1371600" lvl="2" indent="-406400">
-              <a:spcBef>
-                <a:spcPts val="0"/>
-              </a:spcBef>
-              <a:spcAft>
-                <a:spcPts val="0"/>
-              </a:spcAft>
-              <a:buClr>
-                <a:schemeClr val="lt1"/>
-              </a:buClr>
-              <a:buSzPts val="2800"/>
-              <a:buFont typeface="Libre Baskerville"/>
-              <a:buChar char="■"/>
-              <a:defRPr sz="2800">
-                <a:solidFill>
-                  <a:schemeClr val="lt1"/>
-                </a:solidFill>
-                <a:latin typeface="Libre Baskerville"/>
-                <a:ea typeface="Libre Baskerville"/>
-                <a:cs typeface="Libre Baskerville"/>
-                <a:sym typeface="Libre Baskerville"/>
-              </a:defRPr>
-            </a:lvl3pPr>
-            <a:lvl4pPr marL="1828800" lvl="3" indent="-406400">
-              <a:spcBef>
-                <a:spcPts val="0"/>
-              </a:spcBef>
-              <a:spcAft>
-                <a:spcPts val="0"/>
-              </a:spcAft>
-              <a:buClr>
-                <a:schemeClr val="lt1"/>
-              </a:buClr>
-              <a:buSzPts val="2800"/>
-              <a:buFont typeface="Libre Baskerville"/>
-              <a:buChar char="●"/>
-              <a:defRPr sz="2800">
-                <a:solidFill>
-                  <a:schemeClr val="lt1"/>
-                </a:solidFill>
-                <a:latin typeface="Libre Baskerville"/>
-                <a:ea typeface="Libre Baskerville"/>
-                <a:cs typeface="Libre Baskerville"/>
-                <a:sym typeface="Libre Baskerville"/>
-              </a:defRPr>
-            </a:lvl4pPr>
-            <a:lvl5pPr marL="2286000" lvl="4" indent="-406400">
-              <a:spcBef>
-                <a:spcPts val="0"/>
-              </a:spcBef>
-              <a:spcAft>
-                <a:spcPts val="0"/>
-              </a:spcAft>
-              <a:buClr>
-                <a:schemeClr val="lt1"/>
-              </a:buClr>
-              <a:buSzPts val="2800"/>
-              <a:buFont typeface="Libre Baskerville"/>
-              <a:buChar char="○"/>
-              <a:defRPr sz="2800">
-                <a:solidFill>
-                  <a:schemeClr val="lt1"/>
-                </a:solidFill>
-                <a:latin typeface="Libre Baskerville"/>
-                <a:ea typeface="Libre Baskerville"/>
-                <a:cs typeface="Libre Baskerville"/>
-                <a:sym typeface="Libre Baskerville"/>
-              </a:defRPr>
-            </a:lvl5pPr>
-            <a:lvl6pPr marL="2743200" lvl="5" indent="-406400">
-              <a:spcBef>
-                <a:spcPts val="0"/>
-              </a:spcBef>
-              <a:spcAft>
-                <a:spcPts val="0"/>
-              </a:spcAft>
-              <a:buClr>
-                <a:schemeClr val="lt1"/>
-              </a:buClr>
-              <a:buSzPts val="2800"/>
-              <a:buFont typeface="Libre Baskerville"/>
-              <a:buChar char="■"/>
-              <a:defRPr sz="2800">
-                <a:solidFill>
-                  <a:schemeClr val="lt1"/>
-                </a:solidFill>
-                <a:latin typeface="Libre Baskerville"/>
-                <a:ea typeface="Libre Baskerville"/>
-                <a:cs typeface="Libre Baskerville"/>
-                <a:sym typeface="Libre Baskerville"/>
-              </a:defRPr>
-            </a:lvl6pPr>
-            <a:lvl7pPr marL="3200400" lvl="6" indent="-406400">
-              <a:spcBef>
-                <a:spcPts val="0"/>
-              </a:spcBef>
-              <a:spcAft>
-                <a:spcPts val="0"/>
-              </a:spcAft>
-              <a:buClr>
-                <a:schemeClr val="lt1"/>
-              </a:buClr>
-              <a:buSzPts val="2800"/>
-              <a:buFont typeface="Libre Baskerville"/>
-              <a:buChar char="●"/>
-              <a:defRPr sz="2800">
-                <a:solidFill>
-                  <a:schemeClr val="lt1"/>
-                </a:solidFill>
-                <a:latin typeface="Libre Baskerville"/>
-                <a:ea typeface="Libre Baskerville"/>
-                <a:cs typeface="Libre Baskerville"/>
-                <a:sym typeface="Libre Baskerville"/>
-              </a:defRPr>
-            </a:lvl7pPr>
-            <a:lvl8pPr marL="3657600" lvl="7" indent="-406400">
-              <a:spcBef>
-                <a:spcPts val="0"/>
-              </a:spcBef>
-              <a:spcAft>
-                <a:spcPts val="0"/>
-              </a:spcAft>
-              <a:buClr>
-                <a:schemeClr val="lt1"/>
-              </a:buClr>
-              <a:buSzPts val="2800"/>
-              <a:buFont typeface="Libre Baskerville"/>
-              <a:buChar char="○"/>
-              <a:defRPr sz="2800">
-                <a:solidFill>
-                  <a:schemeClr val="lt1"/>
-                </a:solidFill>
-                <a:latin typeface="Libre Baskerville"/>
-                <a:ea typeface="Libre Baskerville"/>
-                <a:cs typeface="Libre Baskerville"/>
-                <a:sym typeface="Libre Baskerville"/>
-              </a:defRPr>
-            </a:lvl8pPr>
-            <a:lvl9pPr marL="4114800" lvl="8" indent="-406400">
-              <a:spcBef>
-                <a:spcPts val="0"/>
-              </a:spcBef>
-              <a:spcAft>
-                <a:spcPts val="0"/>
-              </a:spcAft>
-              <a:buClr>
-                <a:schemeClr val="lt1"/>
-              </a:buClr>
-              <a:buSzPts val="2800"/>
-              <a:buFont typeface="Libre Baskerville"/>
-              <a:buChar char="■"/>
-              <a:defRPr sz="2800">
-                <a:solidFill>
-                  <a:schemeClr val="lt1"/>
-                </a:solidFill>
-                <a:latin typeface="Libre Baskerville"/>
-                <a:ea typeface="Libre Baskerville"/>
-                <a:cs typeface="Libre Baskerville"/>
-                <a:sym typeface="Libre Baskerville"/>
-              </a:defRPr>
-            </a:lvl9pPr>
-          </a:lstStyle>
-          <a:p>
-            <a:endParaRPr/>
-          </a:p>
-        </p:txBody>
-      </p:sp>
-      <p:cxnSp>
-        <p:nvCxnSpPr>
-          <p:cNvPr id="154" name="Google Shape;154;p25"/>
-          <p:cNvCxnSpPr/>
-          <p:nvPr/>
-        </p:nvCxnSpPr>
-        <p:spPr>
-          <a:xfrm>
-            <a:off x="2762250" y="4827750"/>
-            <a:ext cx="0" cy="316500"/>
-          </a:xfrm>
-          <a:prstGeom prst="straightConnector1">
-            <a:avLst/>
-          </a:prstGeom>
-          <a:noFill/>
-          <a:ln w="9525" cap="flat" cmpd="sng">
-            <a:solidFill>
-              <a:schemeClr val="lt1"/>
-            </a:solidFill>
-            <a:prstDash val="solid"/>
-            <a:round/>
-            <a:headEnd type="none" w="med" len="med"/>
-            <a:tailEnd type="none" w="med" len="med"/>
-          </a:ln>
-        </p:spPr>
-      </p:cxnSp>
-      <p:sp>
-        <p:nvSpPr>
-          <p:cNvPr id="155" name="Google Shape;155;p25"/>
-          <p:cNvSpPr txBox="1">
-            <a:spLocks noGrp="1"/>
-          </p:cNvSpPr>
-          <p:nvPr>
-            <p:ph type="subTitle" idx="2"/>
-          </p:nvPr>
-        </p:nvSpPr>
-        <p:spPr>
-          <a:xfrm>
-            <a:off x="251400" y="4827075"/>
-            <a:ext cx="2205900" cy="314100"/>
-          </a:xfrm>
-          <a:prstGeom prst="rect">
-            <a:avLst/>
-          </a:prstGeom>
-        </p:spPr>
-        <p:txBody>
-          <a:bodyPr spcFirstLastPara="1" wrap="square" lIns="91425" tIns="91425" rIns="91425" bIns="91425" anchor="t" anchorCtr="0">
-            <a:noAutofit/>
-          </a:bodyPr>
-          <a:lstStyle>
-            <a:lvl1pPr lvl="0">
-              <a:spcBef>
-                <a:spcPts val="0"/>
-              </a:spcBef>
-              <a:spcAft>
-                <a:spcPts val="0"/>
-              </a:spcAft>
-              <a:buClr>
-                <a:schemeClr val="lt1"/>
-              </a:buClr>
-              <a:buSzPts val="800"/>
-              <a:buNone/>
-              <a:defRPr sz="800">
-                <a:solidFill>
-                  <a:schemeClr val="lt1"/>
-                </a:solidFill>
-              </a:defRPr>
-            </a:lvl1pPr>
-            <a:lvl2pPr lvl="1">
-              <a:spcBef>
-                <a:spcPts val="0"/>
-              </a:spcBef>
-              <a:spcAft>
-                <a:spcPts val="0"/>
-              </a:spcAft>
-              <a:buClr>
-                <a:schemeClr val="lt1"/>
-              </a:buClr>
-              <a:buSzPts val="1000"/>
-              <a:buNone/>
-              <a:defRPr>
-                <a:solidFill>
-                  <a:schemeClr val="lt1"/>
-                </a:solidFill>
-              </a:defRPr>
-            </a:lvl2pPr>
-            <a:lvl3pPr lvl="2">
-              <a:spcBef>
-                <a:spcPts val="0"/>
-              </a:spcBef>
-              <a:spcAft>
-                <a:spcPts val="0"/>
-              </a:spcAft>
-              <a:buClr>
-                <a:schemeClr val="lt1"/>
-              </a:buClr>
-              <a:buSzPts val="1000"/>
-              <a:buNone/>
-              <a:defRPr>
-                <a:solidFill>
-                  <a:schemeClr val="lt1"/>
-                </a:solidFill>
-              </a:defRPr>
-            </a:lvl3pPr>
-            <a:lvl4pPr lvl="3">
-              <a:spcBef>
-                <a:spcPts val="0"/>
-              </a:spcBef>
-              <a:spcAft>
-                <a:spcPts val="0"/>
-              </a:spcAft>
-              <a:buClr>
-                <a:schemeClr val="lt1"/>
-              </a:buClr>
-              <a:buSzPts val="1000"/>
-              <a:buNone/>
-              <a:defRPr>
-                <a:solidFill>
-                  <a:schemeClr val="lt1"/>
-                </a:solidFill>
-              </a:defRPr>
-            </a:lvl4pPr>
-            <a:lvl5pPr lvl="4">
-              <a:spcBef>
-                <a:spcPts val="0"/>
-              </a:spcBef>
-              <a:spcAft>
-                <a:spcPts val="0"/>
-              </a:spcAft>
-              <a:buClr>
-                <a:schemeClr val="lt1"/>
-              </a:buClr>
-              <a:buSzPts val="1000"/>
-              <a:buNone/>
-              <a:defRPr>
-                <a:solidFill>
-                  <a:schemeClr val="lt1"/>
-                </a:solidFill>
-              </a:defRPr>
-            </a:lvl5pPr>
-            <a:lvl6pPr lvl="5">
-              <a:spcBef>
-                <a:spcPts val="0"/>
-              </a:spcBef>
-              <a:spcAft>
-                <a:spcPts val="0"/>
-              </a:spcAft>
-              <a:buClr>
-                <a:schemeClr val="lt1"/>
-              </a:buClr>
-              <a:buSzPts val="1000"/>
-              <a:buNone/>
-              <a:defRPr>
-                <a:solidFill>
-                  <a:schemeClr val="lt1"/>
-                </a:solidFill>
-              </a:defRPr>
-            </a:lvl6pPr>
-            <a:lvl7pPr lvl="6">
-              <a:spcBef>
-                <a:spcPts val="0"/>
-              </a:spcBef>
-              <a:spcAft>
-                <a:spcPts val="0"/>
-              </a:spcAft>
-              <a:buClr>
-                <a:schemeClr val="lt1"/>
-              </a:buClr>
-              <a:buSzPts val="1000"/>
-              <a:buNone/>
-              <a:defRPr>
-                <a:solidFill>
-                  <a:schemeClr val="lt1"/>
-                </a:solidFill>
-              </a:defRPr>
-            </a:lvl7pPr>
-            <a:lvl8pPr lvl="7">
-              <a:spcBef>
-                <a:spcPts val="0"/>
-              </a:spcBef>
-              <a:spcAft>
-                <a:spcPts val="0"/>
-              </a:spcAft>
-              <a:buClr>
-                <a:schemeClr val="lt1"/>
-              </a:buClr>
-              <a:buSzPts val="1000"/>
-              <a:buNone/>
-              <a:defRPr>
-                <a:solidFill>
-                  <a:schemeClr val="lt1"/>
-                </a:solidFill>
-              </a:defRPr>
-            </a:lvl8pPr>
-            <a:lvl9pPr lvl="8">
-              <a:spcBef>
-                <a:spcPts val="0"/>
-              </a:spcBef>
-              <a:spcAft>
-                <a:spcPts val="0"/>
-              </a:spcAft>
-              <a:buClr>
-                <a:schemeClr val="lt1"/>
-              </a:buClr>
-              <a:buSzPts val="1000"/>
-              <a:buNone/>
-              <a:defRPr>
-                <a:solidFill>
-                  <a:schemeClr val="lt1"/>
-                </a:solidFill>
-              </a:defRPr>
-            </a:lvl9pPr>
-          </a:lstStyle>
-          <a:p>
-            <a:endParaRPr/>
-          </a:p>
-        </p:txBody>
-      </p:sp>
-      <p:sp>
-        <p:nvSpPr>
-          <p:cNvPr id="156" name="Google Shape;156;p25"/>
-          <p:cNvSpPr txBox="1">
-            <a:spLocks noGrp="1"/>
-          </p:cNvSpPr>
-          <p:nvPr>
-            <p:ph type="subTitle" idx="3"/>
-          </p:nvPr>
-        </p:nvSpPr>
-        <p:spPr>
-          <a:xfrm>
-            <a:off x="3545100" y="4829700"/>
-            <a:ext cx="2053800" cy="314100"/>
-          </a:xfrm>
-          <a:prstGeom prst="rect">
-            <a:avLst/>
-          </a:prstGeom>
-        </p:spPr>
-        <p:txBody>
-          <a:bodyPr spcFirstLastPara="1" wrap="square" lIns="91425" tIns="91425" rIns="91425" bIns="91425" anchor="t" anchorCtr="0">
-            <a:noAutofit/>
-          </a:bodyPr>
-          <a:lstStyle>
-            <a:lvl1pPr lvl="0" algn="ctr">
-              <a:spcBef>
-                <a:spcPts val="0"/>
-              </a:spcBef>
-              <a:spcAft>
-                <a:spcPts val="0"/>
-              </a:spcAft>
-              <a:buClr>
-                <a:schemeClr val="lt1"/>
-              </a:buClr>
-              <a:buSzPts val="800"/>
-              <a:buNone/>
-              <a:defRPr sz="800">
-                <a:solidFill>
-                  <a:schemeClr val="lt1"/>
-                </a:solidFill>
-              </a:defRPr>
-            </a:lvl1pPr>
-            <a:lvl2pPr lvl="1" algn="ctr">
-              <a:spcBef>
-                <a:spcPts val="0"/>
-              </a:spcBef>
-              <a:spcAft>
-                <a:spcPts val="0"/>
-              </a:spcAft>
-              <a:buClr>
-                <a:schemeClr val="lt1"/>
-              </a:buClr>
-              <a:buSzPts val="1000"/>
-              <a:buNone/>
-              <a:defRPr>
-                <a:solidFill>
-                  <a:schemeClr val="lt1"/>
-                </a:solidFill>
-              </a:defRPr>
-            </a:lvl2pPr>
-            <a:lvl3pPr lvl="2" algn="ctr">
-              <a:spcBef>
-                <a:spcPts val="0"/>
-              </a:spcBef>
-              <a:spcAft>
-                <a:spcPts val="0"/>
-              </a:spcAft>
-              <a:buClr>
-                <a:schemeClr val="lt1"/>
-              </a:buClr>
-              <a:buSzPts val="1000"/>
-              <a:buNone/>
-              <a:defRPr>
-                <a:solidFill>
-                  <a:schemeClr val="lt1"/>
-                </a:solidFill>
-              </a:defRPr>
-            </a:lvl3pPr>
-            <a:lvl4pPr lvl="3" algn="ctr">
-              <a:spcBef>
-                <a:spcPts val="0"/>
-              </a:spcBef>
-              <a:spcAft>
-                <a:spcPts val="0"/>
-              </a:spcAft>
-              <a:buClr>
-                <a:schemeClr val="lt1"/>
-              </a:buClr>
-              <a:buSzPts val="1000"/>
-              <a:buNone/>
-              <a:defRPr>
-                <a:solidFill>
-                  <a:schemeClr val="lt1"/>
-                </a:solidFill>
-              </a:defRPr>
-            </a:lvl4pPr>
-            <a:lvl5pPr lvl="4" algn="ctr">
-              <a:spcBef>
-                <a:spcPts val="0"/>
-              </a:spcBef>
-              <a:spcAft>
-                <a:spcPts val="0"/>
-              </a:spcAft>
-              <a:buClr>
-                <a:schemeClr val="lt1"/>
-              </a:buClr>
-              <a:buSzPts val="1000"/>
-              <a:buNone/>
-              <a:defRPr>
-                <a:solidFill>
-                  <a:schemeClr val="lt1"/>
-                </a:solidFill>
-              </a:defRPr>
-            </a:lvl5pPr>
-            <a:lvl6pPr lvl="5" algn="ctr">
-              <a:spcBef>
-                <a:spcPts val="0"/>
-              </a:spcBef>
-              <a:spcAft>
-                <a:spcPts val="0"/>
-              </a:spcAft>
-              <a:buClr>
-                <a:schemeClr val="lt1"/>
-              </a:buClr>
-              <a:buSzPts val="1000"/>
-              <a:buNone/>
-              <a:defRPr>
-                <a:solidFill>
-                  <a:schemeClr val="lt1"/>
-                </a:solidFill>
-              </a:defRPr>
-            </a:lvl6pPr>
-            <a:lvl7pPr lvl="6" algn="ctr">
-              <a:spcBef>
-                <a:spcPts val="0"/>
-              </a:spcBef>
-              <a:spcAft>
-                <a:spcPts val="0"/>
-              </a:spcAft>
-              <a:buClr>
-                <a:schemeClr val="lt1"/>
-              </a:buClr>
-              <a:buSzPts val="1000"/>
-              <a:buNone/>
-              <a:defRPr>
-                <a:solidFill>
-                  <a:schemeClr val="lt1"/>
-                </a:solidFill>
-              </a:defRPr>
-            </a:lvl7pPr>
-            <a:lvl8pPr lvl="7" algn="ctr">
-              <a:spcBef>
-                <a:spcPts val="0"/>
-              </a:spcBef>
-              <a:spcAft>
-                <a:spcPts val="0"/>
-              </a:spcAft>
-              <a:buClr>
-                <a:schemeClr val="lt1"/>
-              </a:buClr>
-              <a:buSzPts val="1000"/>
-              <a:buNone/>
-              <a:defRPr>
-                <a:solidFill>
-                  <a:schemeClr val="lt1"/>
-                </a:solidFill>
-              </a:defRPr>
-            </a:lvl8pPr>
-            <a:lvl9pPr lvl="8" algn="ctr">
-              <a:spcBef>
-                <a:spcPts val="0"/>
-              </a:spcBef>
-              <a:spcAft>
-                <a:spcPts val="0"/>
-              </a:spcAft>
-              <a:buClr>
-                <a:schemeClr val="lt1"/>
-              </a:buClr>
-              <a:buSzPts val="1000"/>
-              <a:buNone/>
-              <a:defRPr>
-                <a:solidFill>
-                  <a:schemeClr val="lt1"/>
-                </a:solidFill>
-              </a:defRPr>
-            </a:lvl9pPr>
-          </a:lstStyle>
-          <a:p>
-            <a:endParaRPr/>
-          </a:p>
-        </p:txBody>
-      </p:sp>
-      <p:sp>
-        <p:nvSpPr>
-          <p:cNvPr id="157" name="Google Shape;157;p25"/>
-          <p:cNvSpPr/>
-          <p:nvPr/>
-        </p:nvSpPr>
-        <p:spPr>
-          <a:xfrm rot="5400000">
-            <a:off x="8611250" y="4735800"/>
-            <a:ext cx="321000" cy="494100"/>
-          </a:xfrm>
-          <a:prstGeom prst="round2SameRect">
-            <a:avLst>
-              <a:gd name="adj1" fmla="val 50000"/>
-              <a:gd name="adj2" fmla="val 0"/>
-            </a:avLst>
-          </a:prstGeom>
-          <a:solidFill>
-            <a:schemeClr val="lt1"/>
-          </a:solidFill>
-          <a:ln>
-            <a:noFill/>
-          </a:ln>
-        </p:spPr>
-        <p:txBody>
-          <a:bodyPr spcFirstLastPara="1" wrap="square" lIns="91425" tIns="91425" rIns="91425" bIns="91425" anchor="ctr" anchorCtr="0">
-            <a:noAutofit/>
-          </a:bodyPr>
-          <a:lstStyle/>
-          <a:p>
-            <a:pPr marL="0" lvl="0" indent="0" algn="ctr" rtl="0">
-              <a:spcBef>
-                <a:spcPts val="0"/>
-              </a:spcBef>
-              <a:spcAft>
-                <a:spcPts val="0"/>
-              </a:spcAft>
-              <a:buNone/>
-            </a:pPr>
-            <a:endParaRPr>
-              <a:latin typeface="Roboto"/>
-              <a:ea typeface="Roboto"/>
-              <a:cs typeface="Roboto"/>
-              <a:sym typeface="Roboto"/>
-            </a:endParaRPr>
-          </a:p>
-        </p:txBody>
-      </p:sp>
-      <p:sp>
-        <p:nvSpPr>
-          <p:cNvPr id="158" name="Google Shape;158;p25"/>
-          <p:cNvSpPr txBox="1">
-            <a:spLocks noGrp="1"/>
-          </p:cNvSpPr>
-          <p:nvPr>
-            <p:ph type="sldNum" idx="12"/>
-          </p:nvPr>
-        </p:nvSpPr>
-        <p:spPr>
-          <a:xfrm>
-            <a:off x="8526500" y="4822375"/>
-            <a:ext cx="490500" cy="321000"/>
-          </a:xfrm>
-          <a:prstGeom prst="rect">
-            <a:avLst/>
-          </a:prstGeom>
-        </p:spPr>
-        <p:txBody>
-          <a:bodyPr spcFirstLastPara="1" wrap="square" lIns="91425" tIns="91425" rIns="91425" bIns="91425" anchor="t" anchorCtr="0">
-            <a:noAutofit/>
-          </a:bodyPr>
-          <a:lstStyle>
-            <a:lvl1pPr lvl="0" rtl="0">
-              <a:buNone/>
-              <a:defRPr>
-                <a:solidFill>
-                  <a:schemeClr val="dk1"/>
-                </a:solidFill>
-              </a:defRPr>
-            </a:lvl1pPr>
-            <a:lvl2pPr lvl="1" rtl="0">
-              <a:buNone/>
-              <a:defRPr>
-                <a:solidFill>
-                  <a:schemeClr val="dk1"/>
-                </a:solidFill>
-              </a:defRPr>
-            </a:lvl2pPr>
-            <a:lvl3pPr lvl="2" rtl="0">
-              <a:buNone/>
-              <a:defRPr>
-                <a:solidFill>
-                  <a:schemeClr val="dk1"/>
-                </a:solidFill>
-              </a:defRPr>
-            </a:lvl3pPr>
-            <a:lvl4pPr lvl="3" rtl="0">
-              <a:buNone/>
-              <a:defRPr>
-                <a:solidFill>
-                  <a:schemeClr val="dk1"/>
-                </a:solidFill>
-              </a:defRPr>
-            </a:lvl4pPr>
-            <a:lvl5pPr lvl="4" rtl="0">
-              <a:buNone/>
-              <a:defRPr>
-                <a:solidFill>
-                  <a:schemeClr val="dk1"/>
-                </a:solidFill>
-              </a:defRPr>
-            </a:lvl5pPr>
-            <a:lvl6pPr lvl="5" rtl="0">
-              <a:buNone/>
-              <a:defRPr>
-                <a:solidFill>
-                  <a:schemeClr val="dk1"/>
-                </a:solidFill>
-              </a:defRPr>
-            </a:lvl6pPr>
-            <a:lvl7pPr lvl="6" rtl="0">
-              <a:buNone/>
-              <a:defRPr>
-                <a:solidFill>
-                  <a:schemeClr val="dk1"/>
-                </a:solidFill>
-              </a:defRPr>
-            </a:lvl7pPr>
-            <a:lvl8pPr lvl="7" rtl="0">
-              <a:buNone/>
-              <a:defRPr>
-                <a:solidFill>
-                  <a:schemeClr val="dk1"/>
-                </a:solidFill>
-              </a:defRPr>
-            </a:lvl8pPr>
-            <a:lvl9pPr lvl="8" rtl="0">
-              <a:buNone/>
-              <a:defRPr>
-                <a:solidFill>
-                  <a:schemeClr val="dk1"/>
-                </a:solidFill>
-              </a:defRPr>
-            </a:lvl9pPr>
-          </a:lstStyle>
-          <a:p>
-            <a:pPr marL="0" lvl="0" indent="0" algn="ctr" rtl="0">
-              <a:spcBef>
-                <a:spcPts val="0"/>
-              </a:spcBef>
-              <a:spcAft>
-                <a:spcPts val="0"/>
-              </a:spcAft>
-              <a:buNone/>
-            </a:pPr>
-            <a:fld id="{00000000-1234-1234-1234-123412341234}" type="slidenum">
-              <a:rPr lang="en"/>
-              <a:t>‹#›</a:t>
-            </a:fld>
-            <a:endParaRPr/>
-          </a:p>
-        </p:txBody>
-      </p:sp>
-    </p:spTree>
-  </p:cSld>
-  <p:clrMapOvr>
-    <a:masterClrMapping/>
-  </p:clrMapOvr>
-</p:sldLayout>
-</file>
-
-<file path=ppt/slideLayouts/slideLayout25.xml><?xml version="1.0" encoding="utf-8"?>
 <p:sldLayout xmlns:a="http://schemas.openxmlformats.org/drawingml/2006/main" xmlns:r="http://schemas.openxmlformats.org/officeDocument/2006/relationships" xmlns:p="http://schemas.openxmlformats.org/presentationml/2006/main" matchingName="Background">
   <p:cSld name="TITLE_AND_TWO_COLUMNS_1">
     <p:spTree>
@@ -16363,7 +15185,7 @@
 </p:sldLayout>
 </file>
 
-<file path=ppt/slideLayouts/slideLayout26.xml><?xml version="1.0" encoding="utf-8"?>
+<file path=ppt/slideLayouts/slideLayout25.xml><?xml version="1.0" encoding="utf-8"?>
 <p:sldLayout xmlns:a="http://schemas.openxmlformats.org/drawingml/2006/main" xmlns:r="http://schemas.openxmlformats.org/officeDocument/2006/relationships" xmlns:p="http://schemas.openxmlformats.org/presentationml/2006/main" matchingName="Discussion">
   <p:cSld name="TITLE_ONLY_1_1">
     <p:spTree>
@@ -17549,7 +16371,7 @@
 </p:sldLayout>
 </file>
 
-<file path=ppt/slideLayouts/slideLayout27.xml><?xml version="1.0" encoding="utf-8"?>
+<file path=ppt/slideLayouts/slideLayout26.xml><?xml version="1.0" encoding="utf-8"?>
 <p:sldLayout xmlns:a="http://schemas.openxmlformats.org/drawingml/2006/main" xmlns:r="http://schemas.openxmlformats.org/officeDocument/2006/relationships" xmlns:p="http://schemas.openxmlformats.org/presentationml/2006/main" matchingName="Capture Input">
   <p:cSld name="ONE_COLUMN_TEXT">
     <p:bg>
@@ -19697,7 +18519,7 @@
 </p:sldLayout>
 </file>
 
-<file path=ppt/slideLayouts/slideLayout28.xml><?xml version="1.0" encoding="utf-8"?>
+<file path=ppt/slideLayouts/slideLayout27.xml><?xml version="1.0" encoding="utf-8"?>
 <p:sldLayout xmlns:a="http://schemas.openxmlformats.org/drawingml/2006/main" xmlns:r="http://schemas.openxmlformats.org/officeDocument/2006/relationships" xmlns:p="http://schemas.openxmlformats.org/presentationml/2006/main" matchingName="Start Stop Continue">
   <p:cSld name="ONE_COLUMN_TEXT_1_1">
     <p:bg>
@@ -20706,7 +19528,7 @@
 </p:sldLayout>
 </file>
 
-<file path=ppt/slideLayouts/slideLayout29.xml><?xml version="1.0" encoding="utf-8"?>
+<file path=ppt/slideLayouts/slideLayout28.xml><?xml version="1.0" encoding="utf-8"?>
 <p:sldLayout xmlns:a="http://schemas.openxmlformats.org/drawingml/2006/main" xmlns:r="http://schemas.openxmlformats.org/officeDocument/2006/relationships" xmlns:p="http://schemas.openxmlformats.org/presentationml/2006/main" matchingName="Steps">
   <p:cSld name="ONE_COLUMN_TEXT_1_1_1">
     <p:bg>
@@ -22721,6 +21543,321 @@
               <a:rPr lang="en"/>
               <a:t>‹#›</a:t>
             </a:fld>
+            <a:endParaRPr/>
+          </a:p>
+        </p:txBody>
+      </p:sp>
+    </p:spTree>
+  </p:cSld>
+  <p:clrMapOvr>
+    <a:masterClrMapping/>
+  </p:clrMapOvr>
+</p:sldLayout>
+</file>
+
+<file path=ppt/slideLayouts/slideLayout29.xml><?xml version="1.0" encoding="utf-8"?>
+<p:sldLayout xmlns:a="http://schemas.openxmlformats.org/drawingml/2006/main" xmlns:r="http://schemas.openxmlformats.org/officeDocument/2006/relationships" xmlns:p="http://schemas.openxmlformats.org/presentationml/2006/main" matchingName="Project Summary">
+  <p:cSld name="CUSTOM_7">
+    <p:spTree>
+      <p:nvGrpSpPr>
+        <p:cNvPr id="1" name="Shape 266"/>
+        <p:cNvGrpSpPr/>
+        <p:nvPr/>
+      </p:nvGrpSpPr>
+      <p:grpSpPr>
+        <a:xfrm>
+          <a:off x="0" y="0"/>
+          <a:ext cx="0" cy="0"/>
+          <a:chOff x="0" y="0"/>
+          <a:chExt cx="0" cy="0"/>
+        </a:xfrm>
+      </p:grpSpPr>
+      <p:sp>
+        <p:nvSpPr>
+          <p:cNvPr id="267" name="Google Shape;267;p32"/>
+          <p:cNvSpPr>
+            <a:spLocks noGrp="1"/>
+          </p:cNvSpPr>
+          <p:nvPr>
+            <p:ph type="pic" idx="2"/>
+          </p:nvPr>
+        </p:nvSpPr>
+        <p:spPr>
+          <a:xfrm>
+            <a:off x="3822106" y="0"/>
+            <a:ext cx="5322000" cy="5143500"/>
+          </a:xfrm>
+          <a:prstGeom prst="rect">
+            <a:avLst/>
+          </a:prstGeom>
+          <a:noFill/>
+          <a:ln>
+            <a:noFill/>
+          </a:ln>
+        </p:spPr>
+      </p:sp>
+      <p:sp>
+        <p:nvSpPr>
+          <p:cNvPr id="268" name="Google Shape;268;p32"/>
+          <p:cNvSpPr txBox="1">
+            <a:spLocks noGrp="1"/>
+          </p:cNvSpPr>
+          <p:nvPr>
+            <p:ph type="title"/>
+          </p:nvPr>
+        </p:nvSpPr>
+        <p:spPr>
+          <a:xfrm>
+            <a:off x="125700" y="134475"/>
+            <a:ext cx="4111200" cy="1737000"/>
+          </a:xfrm>
+          <a:prstGeom prst="rect">
+            <a:avLst/>
+          </a:prstGeom>
+        </p:spPr>
+        <p:txBody>
+          <a:bodyPr spcFirstLastPara="1" wrap="square" lIns="91425" tIns="91425" rIns="91425" bIns="91425" anchor="t" anchorCtr="0">
+            <a:noAutofit/>
+          </a:bodyPr>
+          <a:lstStyle>
+            <a:lvl1pPr lvl="0">
+              <a:spcBef>
+                <a:spcPts val="0"/>
+              </a:spcBef>
+              <a:spcAft>
+                <a:spcPts val="0"/>
+              </a:spcAft>
+              <a:buSzPts val="5600"/>
+              <a:buNone/>
+              <a:defRPr/>
+            </a:lvl1pPr>
+            <a:lvl2pPr lvl="1">
+              <a:spcBef>
+                <a:spcPts val="0"/>
+              </a:spcBef>
+              <a:spcAft>
+                <a:spcPts val="0"/>
+              </a:spcAft>
+              <a:buSzPts val="5600"/>
+              <a:buFont typeface="Libre Baskerville"/>
+              <a:buNone/>
+              <a:defRPr sz="5600"/>
+            </a:lvl2pPr>
+            <a:lvl3pPr lvl="2">
+              <a:spcBef>
+                <a:spcPts val="0"/>
+              </a:spcBef>
+              <a:spcAft>
+                <a:spcPts val="0"/>
+              </a:spcAft>
+              <a:buSzPts val="5600"/>
+              <a:buFont typeface="Libre Baskerville"/>
+              <a:buNone/>
+              <a:defRPr sz="5600"/>
+            </a:lvl3pPr>
+            <a:lvl4pPr lvl="3">
+              <a:spcBef>
+                <a:spcPts val="0"/>
+              </a:spcBef>
+              <a:spcAft>
+                <a:spcPts val="0"/>
+              </a:spcAft>
+              <a:buSzPts val="5600"/>
+              <a:buFont typeface="Libre Baskerville"/>
+              <a:buNone/>
+              <a:defRPr sz="5600"/>
+            </a:lvl4pPr>
+            <a:lvl5pPr lvl="4">
+              <a:spcBef>
+                <a:spcPts val="0"/>
+              </a:spcBef>
+              <a:spcAft>
+                <a:spcPts val="0"/>
+              </a:spcAft>
+              <a:buSzPts val="5600"/>
+              <a:buFont typeface="Libre Baskerville"/>
+              <a:buNone/>
+              <a:defRPr sz="5600"/>
+            </a:lvl5pPr>
+            <a:lvl6pPr lvl="5">
+              <a:spcBef>
+                <a:spcPts val="0"/>
+              </a:spcBef>
+              <a:spcAft>
+                <a:spcPts val="0"/>
+              </a:spcAft>
+              <a:buSzPts val="5600"/>
+              <a:buFont typeface="Libre Baskerville"/>
+              <a:buNone/>
+              <a:defRPr sz="5600"/>
+            </a:lvl6pPr>
+            <a:lvl7pPr lvl="6">
+              <a:spcBef>
+                <a:spcPts val="0"/>
+              </a:spcBef>
+              <a:spcAft>
+                <a:spcPts val="0"/>
+              </a:spcAft>
+              <a:buSzPts val="5600"/>
+              <a:buFont typeface="Libre Baskerville"/>
+              <a:buNone/>
+              <a:defRPr sz="5600"/>
+            </a:lvl7pPr>
+            <a:lvl8pPr lvl="7">
+              <a:spcBef>
+                <a:spcPts val="0"/>
+              </a:spcBef>
+              <a:spcAft>
+                <a:spcPts val="0"/>
+              </a:spcAft>
+              <a:buSzPts val="5600"/>
+              <a:buFont typeface="Libre Baskerville"/>
+              <a:buNone/>
+              <a:defRPr sz="5600"/>
+            </a:lvl8pPr>
+            <a:lvl9pPr lvl="8">
+              <a:spcBef>
+                <a:spcPts val="0"/>
+              </a:spcBef>
+              <a:spcAft>
+                <a:spcPts val="0"/>
+              </a:spcAft>
+              <a:buSzPts val="5600"/>
+              <a:buFont typeface="Libre Baskerville"/>
+              <a:buNone/>
+              <a:defRPr sz="5600"/>
+            </a:lvl9pPr>
+          </a:lstStyle>
+          <a:p>
+            <a:endParaRPr/>
+          </a:p>
+        </p:txBody>
+      </p:sp>
+      <p:sp>
+        <p:nvSpPr>
+          <p:cNvPr id="269" name="Google Shape;269;p32"/>
+          <p:cNvSpPr txBox="1">
+            <a:spLocks noGrp="1"/>
+          </p:cNvSpPr>
+          <p:nvPr>
+            <p:ph type="body" idx="1"/>
+          </p:nvPr>
+        </p:nvSpPr>
+        <p:spPr>
+          <a:xfrm>
+            <a:off x="251400" y="2985775"/>
+            <a:ext cx="3570900" cy="1541400"/>
+          </a:xfrm>
+          <a:prstGeom prst="rect">
+            <a:avLst/>
+          </a:prstGeom>
+        </p:spPr>
+        <p:txBody>
+          <a:bodyPr spcFirstLastPara="1" wrap="square" lIns="91425" tIns="91425" rIns="91425" bIns="91425" anchor="b" anchorCtr="0">
+            <a:noAutofit/>
+          </a:bodyPr>
+          <a:lstStyle>
+            <a:lvl1pPr marL="457200" lvl="0" indent="-317500">
+              <a:spcBef>
+                <a:spcPts val="0"/>
+              </a:spcBef>
+              <a:spcAft>
+                <a:spcPts val="0"/>
+              </a:spcAft>
+              <a:buSzPts val="1400"/>
+              <a:buChar char="●"/>
+              <a:defRPr/>
+            </a:lvl1pPr>
+            <a:lvl2pPr marL="914400" lvl="1" indent="-317500">
+              <a:spcBef>
+                <a:spcPts val="0"/>
+              </a:spcBef>
+              <a:spcAft>
+                <a:spcPts val="0"/>
+              </a:spcAft>
+              <a:buSzPts val="1400"/>
+              <a:buChar char="○"/>
+              <a:defRPr/>
+            </a:lvl2pPr>
+            <a:lvl3pPr marL="1371600" lvl="2" indent="-317500">
+              <a:spcBef>
+                <a:spcPts val="0"/>
+              </a:spcBef>
+              <a:spcAft>
+                <a:spcPts val="0"/>
+              </a:spcAft>
+              <a:buSzPts val="1400"/>
+              <a:buChar char="■"/>
+              <a:defRPr/>
+            </a:lvl3pPr>
+            <a:lvl4pPr marL="1828800" lvl="3" indent="-317500">
+              <a:spcBef>
+                <a:spcPts val="0"/>
+              </a:spcBef>
+              <a:spcAft>
+                <a:spcPts val="0"/>
+              </a:spcAft>
+              <a:buSzPts val="1400"/>
+              <a:buChar char="●"/>
+              <a:defRPr/>
+            </a:lvl4pPr>
+            <a:lvl5pPr marL="2286000" lvl="4" indent="-317500">
+              <a:spcBef>
+                <a:spcPts val="0"/>
+              </a:spcBef>
+              <a:spcAft>
+                <a:spcPts val="0"/>
+              </a:spcAft>
+              <a:buSzPts val="1400"/>
+              <a:buChar char="○"/>
+              <a:defRPr/>
+            </a:lvl5pPr>
+            <a:lvl6pPr marL="2743200" lvl="5" indent="-317500">
+              <a:spcBef>
+                <a:spcPts val="0"/>
+              </a:spcBef>
+              <a:spcAft>
+                <a:spcPts val="0"/>
+              </a:spcAft>
+              <a:buSzPts val="1400"/>
+              <a:buChar char="■"/>
+              <a:defRPr/>
+            </a:lvl6pPr>
+            <a:lvl7pPr marL="3200400" lvl="6" indent="-317500">
+              <a:spcBef>
+                <a:spcPts val="0"/>
+              </a:spcBef>
+              <a:spcAft>
+                <a:spcPts val="0"/>
+              </a:spcAft>
+              <a:buSzPts val="1400"/>
+              <a:buChar char="●"/>
+              <a:defRPr/>
+            </a:lvl7pPr>
+            <a:lvl8pPr marL="3657600" lvl="7" indent="-317500">
+              <a:spcBef>
+                <a:spcPts val="0"/>
+              </a:spcBef>
+              <a:spcAft>
+                <a:spcPts val="0"/>
+              </a:spcAft>
+              <a:buSzPts val="1400"/>
+              <a:buChar char="○"/>
+              <a:defRPr/>
+            </a:lvl8pPr>
+            <a:lvl9pPr marL="4114800" lvl="8" indent="-317500">
+              <a:spcBef>
+                <a:spcPts val="0"/>
+              </a:spcBef>
+              <a:spcAft>
+                <a:spcPts val="0"/>
+              </a:spcAft>
+              <a:buSzPts val="1400"/>
+              <a:buChar char="■"/>
+              <a:defRPr/>
+            </a:lvl9pPr>
+          </a:lstStyle>
+          <a:p>
             <a:endParaRPr/>
           </a:p>
         </p:txBody>
@@ -23096,321 +22233,6 @@
 </file>
 
 <file path=ppt/slideLayouts/slideLayout30.xml><?xml version="1.0" encoding="utf-8"?>
-<p:sldLayout xmlns:a="http://schemas.openxmlformats.org/drawingml/2006/main" xmlns:r="http://schemas.openxmlformats.org/officeDocument/2006/relationships" xmlns:p="http://schemas.openxmlformats.org/presentationml/2006/main" matchingName="Project Summary">
-  <p:cSld name="CUSTOM_7">
-    <p:spTree>
-      <p:nvGrpSpPr>
-        <p:cNvPr id="1" name="Shape 266"/>
-        <p:cNvGrpSpPr/>
-        <p:nvPr/>
-      </p:nvGrpSpPr>
-      <p:grpSpPr>
-        <a:xfrm>
-          <a:off x="0" y="0"/>
-          <a:ext cx="0" cy="0"/>
-          <a:chOff x="0" y="0"/>
-          <a:chExt cx="0" cy="0"/>
-        </a:xfrm>
-      </p:grpSpPr>
-      <p:sp>
-        <p:nvSpPr>
-          <p:cNvPr id="267" name="Google Shape;267;p32"/>
-          <p:cNvSpPr>
-            <a:spLocks noGrp="1"/>
-          </p:cNvSpPr>
-          <p:nvPr>
-            <p:ph type="pic" idx="2"/>
-          </p:nvPr>
-        </p:nvSpPr>
-        <p:spPr>
-          <a:xfrm>
-            <a:off x="3822106" y="0"/>
-            <a:ext cx="5322000" cy="5143500"/>
-          </a:xfrm>
-          <a:prstGeom prst="rect">
-            <a:avLst/>
-          </a:prstGeom>
-          <a:noFill/>
-          <a:ln>
-            <a:noFill/>
-          </a:ln>
-        </p:spPr>
-      </p:sp>
-      <p:sp>
-        <p:nvSpPr>
-          <p:cNvPr id="268" name="Google Shape;268;p32"/>
-          <p:cNvSpPr txBox="1">
-            <a:spLocks noGrp="1"/>
-          </p:cNvSpPr>
-          <p:nvPr>
-            <p:ph type="title"/>
-          </p:nvPr>
-        </p:nvSpPr>
-        <p:spPr>
-          <a:xfrm>
-            <a:off x="125700" y="134475"/>
-            <a:ext cx="4111200" cy="1737000"/>
-          </a:xfrm>
-          <a:prstGeom prst="rect">
-            <a:avLst/>
-          </a:prstGeom>
-        </p:spPr>
-        <p:txBody>
-          <a:bodyPr spcFirstLastPara="1" wrap="square" lIns="91425" tIns="91425" rIns="91425" bIns="91425" anchor="t" anchorCtr="0">
-            <a:noAutofit/>
-          </a:bodyPr>
-          <a:lstStyle>
-            <a:lvl1pPr lvl="0">
-              <a:spcBef>
-                <a:spcPts val="0"/>
-              </a:spcBef>
-              <a:spcAft>
-                <a:spcPts val="0"/>
-              </a:spcAft>
-              <a:buSzPts val="5600"/>
-              <a:buNone/>
-              <a:defRPr/>
-            </a:lvl1pPr>
-            <a:lvl2pPr lvl="1">
-              <a:spcBef>
-                <a:spcPts val="0"/>
-              </a:spcBef>
-              <a:spcAft>
-                <a:spcPts val="0"/>
-              </a:spcAft>
-              <a:buSzPts val="5600"/>
-              <a:buFont typeface="Libre Baskerville"/>
-              <a:buNone/>
-              <a:defRPr sz="5600"/>
-            </a:lvl2pPr>
-            <a:lvl3pPr lvl="2">
-              <a:spcBef>
-                <a:spcPts val="0"/>
-              </a:spcBef>
-              <a:spcAft>
-                <a:spcPts val="0"/>
-              </a:spcAft>
-              <a:buSzPts val="5600"/>
-              <a:buFont typeface="Libre Baskerville"/>
-              <a:buNone/>
-              <a:defRPr sz="5600"/>
-            </a:lvl3pPr>
-            <a:lvl4pPr lvl="3">
-              <a:spcBef>
-                <a:spcPts val="0"/>
-              </a:spcBef>
-              <a:spcAft>
-                <a:spcPts val="0"/>
-              </a:spcAft>
-              <a:buSzPts val="5600"/>
-              <a:buFont typeface="Libre Baskerville"/>
-              <a:buNone/>
-              <a:defRPr sz="5600"/>
-            </a:lvl4pPr>
-            <a:lvl5pPr lvl="4">
-              <a:spcBef>
-                <a:spcPts val="0"/>
-              </a:spcBef>
-              <a:spcAft>
-                <a:spcPts val="0"/>
-              </a:spcAft>
-              <a:buSzPts val="5600"/>
-              <a:buFont typeface="Libre Baskerville"/>
-              <a:buNone/>
-              <a:defRPr sz="5600"/>
-            </a:lvl5pPr>
-            <a:lvl6pPr lvl="5">
-              <a:spcBef>
-                <a:spcPts val="0"/>
-              </a:spcBef>
-              <a:spcAft>
-                <a:spcPts val="0"/>
-              </a:spcAft>
-              <a:buSzPts val="5600"/>
-              <a:buFont typeface="Libre Baskerville"/>
-              <a:buNone/>
-              <a:defRPr sz="5600"/>
-            </a:lvl6pPr>
-            <a:lvl7pPr lvl="6">
-              <a:spcBef>
-                <a:spcPts val="0"/>
-              </a:spcBef>
-              <a:spcAft>
-                <a:spcPts val="0"/>
-              </a:spcAft>
-              <a:buSzPts val="5600"/>
-              <a:buFont typeface="Libre Baskerville"/>
-              <a:buNone/>
-              <a:defRPr sz="5600"/>
-            </a:lvl7pPr>
-            <a:lvl8pPr lvl="7">
-              <a:spcBef>
-                <a:spcPts val="0"/>
-              </a:spcBef>
-              <a:spcAft>
-                <a:spcPts val="0"/>
-              </a:spcAft>
-              <a:buSzPts val="5600"/>
-              <a:buFont typeface="Libre Baskerville"/>
-              <a:buNone/>
-              <a:defRPr sz="5600"/>
-            </a:lvl8pPr>
-            <a:lvl9pPr lvl="8">
-              <a:spcBef>
-                <a:spcPts val="0"/>
-              </a:spcBef>
-              <a:spcAft>
-                <a:spcPts val="0"/>
-              </a:spcAft>
-              <a:buSzPts val="5600"/>
-              <a:buFont typeface="Libre Baskerville"/>
-              <a:buNone/>
-              <a:defRPr sz="5600"/>
-            </a:lvl9pPr>
-          </a:lstStyle>
-          <a:p>
-            <a:endParaRPr/>
-          </a:p>
-        </p:txBody>
-      </p:sp>
-      <p:sp>
-        <p:nvSpPr>
-          <p:cNvPr id="269" name="Google Shape;269;p32"/>
-          <p:cNvSpPr txBox="1">
-            <a:spLocks noGrp="1"/>
-          </p:cNvSpPr>
-          <p:nvPr>
-            <p:ph type="body" idx="1"/>
-          </p:nvPr>
-        </p:nvSpPr>
-        <p:spPr>
-          <a:xfrm>
-            <a:off x="251400" y="2985775"/>
-            <a:ext cx="3570900" cy="1541400"/>
-          </a:xfrm>
-          <a:prstGeom prst="rect">
-            <a:avLst/>
-          </a:prstGeom>
-        </p:spPr>
-        <p:txBody>
-          <a:bodyPr spcFirstLastPara="1" wrap="square" lIns="91425" tIns="91425" rIns="91425" bIns="91425" anchor="b" anchorCtr="0">
-            <a:noAutofit/>
-          </a:bodyPr>
-          <a:lstStyle>
-            <a:lvl1pPr marL="457200" lvl="0" indent="-317500">
-              <a:spcBef>
-                <a:spcPts val="0"/>
-              </a:spcBef>
-              <a:spcAft>
-                <a:spcPts val="0"/>
-              </a:spcAft>
-              <a:buSzPts val="1400"/>
-              <a:buChar char="●"/>
-              <a:defRPr/>
-            </a:lvl1pPr>
-            <a:lvl2pPr marL="914400" lvl="1" indent="-317500">
-              <a:spcBef>
-                <a:spcPts val="0"/>
-              </a:spcBef>
-              <a:spcAft>
-                <a:spcPts val="0"/>
-              </a:spcAft>
-              <a:buSzPts val="1400"/>
-              <a:buChar char="○"/>
-              <a:defRPr/>
-            </a:lvl2pPr>
-            <a:lvl3pPr marL="1371600" lvl="2" indent="-317500">
-              <a:spcBef>
-                <a:spcPts val="0"/>
-              </a:spcBef>
-              <a:spcAft>
-                <a:spcPts val="0"/>
-              </a:spcAft>
-              <a:buSzPts val="1400"/>
-              <a:buChar char="■"/>
-              <a:defRPr/>
-            </a:lvl3pPr>
-            <a:lvl4pPr marL="1828800" lvl="3" indent="-317500">
-              <a:spcBef>
-                <a:spcPts val="0"/>
-              </a:spcBef>
-              <a:spcAft>
-                <a:spcPts val="0"/>
-              </a:spcAft>
-              <a:buSzPts val="1400"/>
-              <a:buChar char="●"/>
-              <a:defRPr/>
-            </a:lvl4pPr>
-            <a:lvl5pPr marL="2286000" lvl="4" indent="-317500">
-              <a:spcBef>
-                <a:spcPts val="0"/>
-              </a:spcBef>
-              <a:spcAft>
-                <a:spcPts val="0"/>
-              </a:spcAft>
-              <a:buSzPts val="1400"/>
-              <a:buChar char="○"/>
-              <a:defRPr/>
-            </a:lvl5pPr>
-            <a:lvl6pPr marL="2743200" lvl="5" indent="-317500">
-              <a:spcBef>
-                <a:spcPts val="0"/>
-              </a:spcBef>
-              <a:spcAft>
-                <a:spcPts val="0"/>
-              </a:spcAft>
-              <a:buSzPts val="1400"/>
-              <a:buChar char="■"/>
-              <a:defRPr/>
-            </a:lvl6pPr>
-            <a:lvl7pPr marL="3200400" lvl="6" indent="-317500">
-              <a:spcBef>
-                <a:spcPts val="0"/>
-              </a:spcBef>
-              <a:spcAft>
-                <a:spcPts val="0"/>
-              </a:spcAft>
-              <a:buSzPts val="1400"/>
-              <a:buChar char="●"/>
-              <a:defRPr/>
-            </a:lvl7pPr>
-            <a:lvl8pPr marL="3657600" lvl="7" indent="-317500">
-              <a:spcBef>
-                <a:spcPts val="0"/>
-              </a:spcBef>
-              <a:spcAft>
-                <a:spcPts val="0"/>
-              </a:spcAft>
-              <a:buSzPts val="1400"/>
-              <a:buChar char="○"/>
-              <a:defRPr/>
-            </a:lvl8pPr>
-            <a:lvl9pPr marL="4114800" lvl="8" indent="-317500">
-              <a:spcBef>
-                <a:spcPts val="0"/>
-              </a:spcBef>
-              <a:spcAft>
-                <a:spcPts val="0"/>
-              </a:spcAft>
-              <a:buSzPts val="1400"/>
-              <a:buChar char="■"/>
-              <a:defRPr/>
-            </a:lvl9pPr>
-          </a:lstStyle>
-          <a:p>
-            <a:endParaRPr/>
-          </a:p>
-        </p:txBody>
-      </p:sp>
-    </p:spTree>
-  </p:cSld>
-  <p:clrMapOvr>
-    <a:masterClrMapping/>
-  </p:clrMapOvr>
-</p:sldLayout>
-</file>
-
-<file path=ppt/slideLayouts/slideLayout31.xml><?xml version="1.0" encoding="utf-8"?>
 <p:sldLayout xmlns:a="http://schemas.openxmlformats.org/drawingml/2006/main" xmlns:r="http://schemas.openxmlformats.org/officeDocument/2006/relationships" xmlns:p="http://schemas.openxmlformats.org/presentationml/2006/main" matchingName="Line Graph">
   <p:cSld name="CUSTOM_5">
     <p:spTree>
@@ -24293,7 +23115,7 @@
 </p:sldLayout>
 </file>
 
-<file path=ppt/slideLayouts/slideLayout32.xml><?xml version="1.0" encoding="utf-8"?>
+<file path=ppt/slideLayouts/slideLayout31.xml><?xml version="1.0" encoding="utf-8"?>
 <p:sldLayout xmlns:a="http://schemas.openxmlformats.org/drawingml/2006/main" xmlns:r="http://schemas.openxmlformats.org/officeDocument/2006/relationships" xmlns:p="http://schemas.openxmlformats.org/presentationml/2006/main" matchingName="Project &amp; Photo">
   <p:cSld name="CUSTOM_3">
     <p:bg>
@@ -25505,7 +24327,7 @@
 </p:sldLayout>
 </file>
 
-<file path=ppt/slideLayouts/slideLayout33.xml><?xml version="1.0" encoding="utf-8"?>
+<file path=ppt/slideLayouts/slideLayout32.xml><?xml version="1.0" encoding="utf-8"?>
 <p:sldLayout xmlns:a="http://schemas.openxmlformats.org/drawingml/2006/main" xmlns:r="http://schemas.openxmlformats.org/officeDocument/2006/relationships" xmlns:p="http://schemas.openxmlformats.org/presentationml/2006/main" matchingName="Project &amp; Photo">
   <p:cSld name="CUSTOM_3_1">
     <p:bg>
@@ -26565,7 +25387,7 @@
 </p:sldLayout>
 </file>
 
-<file path=ppt/slideLayouts/slideLayout34.xml><?xml version="1.0" encoding="utf-8"?>
+<file path=ppt/slideLayouts/slideLayout33.xml><?xml version="1.0" encoding="utf-8"?>
 <p:sldLayout xmlns:a="http://schemas.openxmlformats.org/drawingml/2006/main" xmlns:r="http://schemas.openxmlformats.org/officeDocument/2006/relationships" xmlns:p="http://schemas.openxmlformats.org/presentationml/2006/main" matchingName="Bar Chart">
   <p:cSld name="BIG_NUMBER">
     <p:spTree>
@@ -27190,7 +26012,7 @@
 </p:sldLayout>
 </file>
 
-<file path=ppt/slideLayouts/slideLayout35.xml><?xml version="1.0" encoding="utf-8"?>
+<file path=ppt/slideLayouts/slideLayout34.xml><?xml version="1.0" encoding="utf-8"?>
 <p:sldLayout xmlns:a="http://schemas.openxmlformats.org/drawingml/2006/main" xmlns:r="http://schemas.openxmlformats.org/officeDocument/2006/relationships" xmlns:p="http://schemas.openxmlformats.org/presentationml/2006/main" matchingName="Task Timeline">
   <p:cSld name="BIG_NUMBER_4">
     <p:spTree>
@@ -30083,7 +28905,7 @@
 </p:sldLayout>
 </file>
 
-<file path=ppt/slideLayouts/slideLayout36.xml><?xml version="1.0" encoding="utf-8"?>
+<file path=ppt/slideLayouts/slideLayout35.xml><?xml version="1.0" encoding="utf-8"?>
 <p:sldLayout xmlns:a="http://schemas.openxmlformats.org/drawingml/2006/main" xmlns:r="http://schemas.openxmlformats.org/officeDocument/2006/relationships" xmlns:p="http://schemas.openxmlformats.org/presentationml/2006/main" matchingName="Scope">
   <p:cSld name="BIG_NUMBER_3">
     <p:spTree>
@@ -31815,7 +30637,7 @@
 </p:sldLayout>
 </file>
 
-<file path=ppt/slideLayouts/slideLayout37.xml><?xml version="1.0" encoding="utf-8"?>
+<file path=ppt/slideLayouts/slideLayout36.xml><?xml version="1.0" encoding="utf-8"?>
 <p:sldLayout xmlns:a="http://schemas.openxmlformats.org/drawingml/2006/main" xmlns:r="http://schemas.openxmlformats.org/officeDocument/2006/relationships" xmlns:p="http://schemas.openxmlformats.org/presentationml/2006/main" matchingName="Assignments">
   <p:cSld name="BIG_NUMBER_2">
     <p:spTree>
@@ -33990,7 +32812,7 @@
 </p:sldLayout>
 </file>
 
-<file path=ppt/slideLayouts/slideLayout38.xml><?xml version="1.0" encoding="utf-8"?>
+<file path=ppt/slideLayouts/slideLayout37.xml><?xml version="1.0" encoding="utf-8"?>
 <p:sldLayout xmlns:a="http://schemas.openxmlformats.org/drawingml/2006/main" xmlns:r="http://schemas.openxmlformats.org/officeDocument/2006/relationships" xmlns:p="http://schemas.openxmlformats.org/presentationml/2006/main" matchingName="Input">
   <p:cSld name="BIG_NUMBER_1">
     <p:spTree>
@@ -36035,7 +34857,7 @@
 </p:sldLayout>
 </file>
 
-<file path=ppt/slideLayouts/slideLayout39.xml><?xml version="1.0" encoding="utf-8"?>
+<file path=ppt/slideLayouts/slideLayout38.xml><?xml version="1.0" encoding="utf-8"?>
 <p:sldLayout xmlns:a="http://schemas.openxmlformats.org/drawingml/2006/main" xmlns:r="http://schemas.openxmlformats.org/officeDocument/2006/relationships" xmlns:p="http://schemas.openxmlformats.org/presentationml/2006/main" matchingName="What Went Well">
   <p:cSld name="CUSTOM">
     <p:spTree>
@@ -37016,6 +35838,1071 @@
       <p:sp>
         <p:nvSpPr>
           <p:cNvPr id="446" name="Google Shape;446;p42"/>
+          <p:cNvSpPr txBox="1">
+            <a:spLocks noGrp="1"/>
+          </p:cNvSpPr>
+          <p:nvPr>
+            <p:ph type="sldNum" idx="12"/>
+          </p:nvPr>
+        </p:nvSpPr>
+        <p:spPr>
+          <a:xfrm>
+            <a:off x="8526500" y="4822375"/>
+            <a:ext cx="490500" cy="321000"/>
+          </a:xfrm>
+          <a:prstGeom prst="rect">
+            <a:avLst/>
+          </a:prstGeom>
+        </p:spPr>
+        <p:txBody>
+          <a:bodyPr spcFirstLastPara="1" wrap="square" lIns="91425" tIns="91425" rIns="91425" bIns="91425" anchor="t" anchorCtr="0">
+            <a:noAutofit/>
+          </a:bodyPr>
+          <a:lstStyle>
+            <a:lvl1pPr lvl="0" rtl="0">
+              <a:buNone/>
+              <a:defRPr/>
+            </a:lvl1pPr>
+            <a:lvl2pPr lvl="1" rtl="0">
+              <a:buNone/>
+              <a:defRPr/>
+            </a:lvl2pPr>
+            <a:lvl3pPr lvl="2" rtl="0">
+              <a:buNone/>
+              <a:defRPr/>
+            </a:lvl3pPr>
+            <a:lvl4pPr lvl="3" rtl="0">
+              <a:buNone/>
+              <a:defRPr/>
+            </a:lvl4pPr>
+            <a:lvl5pPr lvl="4" rtl="0">
+              <a:buNone/>
+              <a:defRPr/>
+            </a:lvl5pPr>
+            <a:lvl6pPr lvl="5" rtl="0">
+              <a:buNone/>
+              <a:defRPr/>
+            </a:lvl6pPr>
+            <a:lvl7pPr lvl="6" rtl="0">
+              <a:buNone/>
+              <a:defRPr/>
+            </a:lvl7pPr>
+            <a:lvl8pPr lvl="7" rtl="0">
+              <a:buNone/>
+              <a:defRPr/>
+            </a:lvl8pPr>
+            <a:lvl9pPr lvl="8" rtl="0">
+              <a:buNone/>
+              <a:defRPr/>
+            </a:lvl9pPr>
+          </a:lstStyle>
+          <a:p>
+            <a:pPr marL="0" lvl="0" indent="0" algn="ctr" rtl="0">
+              <a:spcBef>
+                <a:spcPts val="0"/>
+              </a:spcBef>
+              <a:spcAft>
+                <a:spcPts val="0"/>
+              </a:spcAft>
+              <a:buNone/>
+            </a:pPr>
+            <a:fld id="{00000000-1234-1234-1234-123412341234}" type="slidenum">
+              <a:rPr lang="en"/>
+              <a:t>‹#›</a:t>
+            </a:fld>
+            <a:endParaRPr/>
+          </a:p>
+        </p:txBody>
+      </p:sp>
+    </p:spTree>
+  </p:cSld>
+  <p:clrMapOvr>
+    <a:masterClrMapping/>
+  </p:clrMapOvr>
+</p:sldLayout>
+</file>
+
+<file path=ppt/slideLayouts/slideLayout39.xml><?xml version="1.0" encoding="utf-8"?>
+<p:sldLayout xmlns:a="http://schemas.openxmlformats.org/drawingml/2006/main" xmlns:r="http://schemas.openxmlformats.org/officeDocument/2006/relationships" xmlns:p="http://schemas.openxmlformats.org/presentationml/2006/main" matchingName="What Could Be Better">
+  <p:cSld name="CUSTOM_11">
+    <p:spTree>
+      <p:nvGrpSpPr>
+        <p:cNvPr id="1" name="Shape 447"/>
+        <p:cNvGrpSpPr/>
+        <p:nvPr/>
+      </p:nvGrpSpPr>
+      <p:grpSpPr>
+        <a:xfrm>
+          <a:off x="0" y="0"/>
+          <a:ext cx="0" cy="0"/>
+          <a:chOff x="0" y="0"/>
+          <a:chExt cx="0" cy="0"/>
+        </a:xfrm>
+      </p:grpSpPr>
+      <p:sp>
+        <p:nvSpPr>
+          <p:cNvPr id="448" name="Google Shape;448;p43"/>
+          <p:cNvSpPr/>
+          <p:nvPr/>
+        </p:nvSpPr>
+        <p:spPr>
+          <a:xfrm rot="5400000">
+            <a:off x="4391175" y="560850"/>
+            <a:ext cx="321000" cy="8851800"/>
+          </a:xfrm>
+          <a:prstGeom prst="round2SameRect">
+            <a:avLst>
+              <a:gd name="adj1" fmla="val 50000"/>
+              <a:gd name="adj2" fmla="val 50000"/>
+            </a:avLst>
+          </a:prstGeom>
+          <a:noFill/>
+          <a:ln w="9525" cap="flat" cmpd="sng">
+            <a:solidFill>
+              <a:schemeClr val="dk1"/>
+            </a:solidFill>
+            <a:prstDash val="solid"/>
+            <a:round/>
+            <a:headEnd type="none" w="sm" len="sm"/>
+            <a:tailEnd type="none" w="sm" len="sm"/>
+          </a:ln>
+        </p:spPr>
+        <p:txBody>
+          <a:bodyPr spcFirstLastPara="1" wrap="square" lIns="91425" tIns="91425" rIns="91425" bIns="91425" anchor="ctr" anchorCtr="0">
+            <a:noAutofit/>
+          </a:bodyPr>
+          <a:lstStyle/>
+          <a:p>
+            <a:pPr marL="0" lvl="0" indent="0" algn="l" rtl="0">
+              <a:spcBef>
+                <a:spcPts val="0"/>
+              </a:spcBef>
+              <a:spcAft>
+                <a:spcPts val="0"/>
+              </a:spcAft>
+              <a:buNone/>
+            </a:pPr>
+            <a:endParaRPr>
+              <a:latin typeface="Roboto"/>
+              <a:ea typeface="Roboto"/>
+              <a:cs typeface="Roboto"/>
+              <a:sym typeface="Roboto"/>
+            </a:endParaRPr>
+          </a:p>
+        </p:txBody>
+      </p:sp>
+      <p:sp>
+        <p:nvSpPr>
+          <p:cNvPr id="449" name="Google Shape;449;p43"/>
+          <p:cNvSpPr/>
+          <p:nvPr/>
+        </p:nvSpPr>
+        <p:spPr>
+          <a:xfrm>
+            <a:off x="4907100" y="125600"/>
+            <a:ext cx="4111200" cy="4575900"/>
+          </a:xfrm>
+          <a:prstGeom prst="roundRect">
+            <a:avLst>
+              <a:gd name="adj" fmla="val 16667"/>
+            </a:avLst>
+          </a:prstGeom>
+          <a:solidFill>
+            <a:schemeClr val="accent1"/>
+          </a:solidFill>
+          <a:ln>
+            <a:noFill/>
+          </a:ln>
+        </p:spPr>
+        <p:txBody>
+          <a:bodyPr spcFirstLastPara="1" wrap="square" lIns="91425" tIns="91425" rIns="91425" bIns="91425" anchor="ctr" anchorCtr="0">
+            <a:noAutofit/>
+          </a:bodyPr>
+          <a:lstStyle/>
+          <a:p>
+            <a:pPr marL="0" lvl="0" indent="0" algn="l" rtl="0">
+              <a:spcBef>
+                <a:spcPts val="0"/>
+              </a:spcBef>
+              <a:spcAft>
+                <a:spcPts val="0"/>
+              </a:spcAft>
+              <a:buNone/>
+            </a:pPr>
+            <a:endParaRPr/>
+          </a:p>
+        </p:txBody>
+      </p:sp>
+      <p:sp>
+        <p:nvSpPr>
+          <p:cNvPr id="450" name="Google Shape;450;p43"/>
+          <p:cNvSpPr txBox="1">
+            <a:spLocks noGrp="1"/>
+          </p:cNvSpPr>
+          <p:nvPr>
+            <p:ph type="title"/>
+          </p:nvPr>
+        </p:nvSpPr>
+        <p:spPr>
+          <a:xfrm>
+            <a:off x="125700" y="125600"/>
+            <a:ext cx="4580100" cy="1685100"/>
+          </a:xfrm>
+          <a:prstGeom prst="rect">
+            <a:avLst/>
+          </a:prstGeom>
+        </p:spPr>
+        <p:txBody>
+          <a:bodyPr spcFirstLastPara="1" wrap="square" lIns="91425" tIns="91425" rIns="91425" bIns="91425" anchor="t" anchorCtr="0">
+            <a:noAutofit/>
+          </a:bodyPr>
+          <a:lstStyle>
+            <a:lvl1pPr lvl="0">
+              <a:spcBef>
+                <a:spcPts val="0"/>
+              </a:spcBef>
+              <a:spcAft>
+                <a:spcPts val="0"/>
+              </a:spcAft>
+              <a:buSzPts val="5600"/>
+              <a:buNone/>
+              <a:defRPr/>
+            </a:lvl1pPr>
+            <a:lvl2pPr lvl="1">
+              <a:spcBef>
+                <a:spcPts val="0"/>
+              </a:spcBef>
+              <a:spcAft>
+                <a:spcPts val="0"/>
+              </a:spcAft>
+              <a:buSzPts val="1400"/>
+              <a:buNone/>
+              <a:defRPr>
+                <a:latin typeface="Roboto"/>
+                <a:ea typeface="Roboto"/>
+                <a:cs typeface="Roboto"/>
+                <a:sym typeface="Roboto"/>
+              </a:defRPr>
+            </a:lvl2pPr>
+            <a:lvl3pPr lvl="2">
+              <a:spcBef>
+                <a:spcPts val="0"/>
+              </a:spcBef>
+              <a:spcAft>
+                <a:spcPts val="0"/>
+              </a:spcAft>
+              <a:buSzPts val="1400"/>
+              <a:buNone/>
+              <a:defRPr>
+                <a:latin typeface="Roboto"/>
+                <a:ea typeface="Roboto"/>
+                <a:cs typeface="Roboto"/>
+                <a:sym typeface="Roboto"/>
+              </a:defRPr>
+            </a:lvl3pPr>
+            <a:lvl4pPr lvl="3">
+              <a:spcBef>
+                <a:spcPts val="0"/>
+              </a:spcBef>
+              <a:spcAft>
+                <a:spcPts val="0"/>
+              </a:spcAft>
+              <a:buSzPts val="1400"/>
+              <a:buNone/>
+              <a:defRPr>
+                <a:latin typeface="Roboto"/>
+                <a:ea typeface="Roboto"/>
+                <a:cs typeface="Roboto"/>
+                <a:sym typeface="Roboto"/>
+              </a:defRPr>
+            </a:lvl4pPr>
+            <a:lvl5pPr lvl="4">
+              <a:spcBef>
+                <a:spcPts val="0"/>
+              </a:spcBef>
+              <a:spcAft>
+                <a:spcPts val="0"/>
+              </a:spcAft>
+              <a:buSzPts val="1400"/>
+              <a:buNone/>
+              <a:defRPr>
+                <a:latin typeface="Roboto"/>
+                <a:ea typeface="Roboto"/>
+                <a:cs typeface="Roboto"/>
+                <a:sym typeface="Roboto"/>
+              </a:defRPr>
+            </a:lvl5pPr>
+            <a:lvl6pPr lvl="5">
+              <a:spcBef>
+                <a:spcPts val="0"/>
+              </a:spcBef>
+              <a:spcAft>
+                <a:spcPts val="0"/>
+              </a:spcAft>
+              <a:buSzPts val="1400"/>
+              <a:buNone/>
+              <a:defRPr>
+                <a:latin typeface="Roboto"/>
+                <a:ea typeface="Roboto"/>
+                <a:cs typeface="Roboto"/>
+                <a:sym typeface="Roboto"/>
+              </a:defRPr>
+            </a:lvl6pPr>
+            <a:lvl7pPr lvl="6">
+              <a:spcBef>
+                <a:spcPts val="0"/>
+              </a:spcBef>
+              <a:spcAft>
+                <a:spcPts val="0"/>
+              </a:spcAft>
+              <a:buSzPts val="1400"/>
+              <a:buNone/>
+              <a:defRPr>
+                <a:latin typeface="Roboto"/>
+                <a:ea typeface="Roboto"/>
+                <a:cs typeface="Roboto"/>
+                <a:sym typeface="Roboto"/>
+              </a:defRPr>
+            </a:lvl7pPr>
+            <a:lvl8pPr lvl="7">
+              <a:spcBef>
+                <a:spcPts val="0"/>
+              </a:spcBef>
+              <a:spcAft>
+                <a:spcPts val="0"/>
+              </a:spcAft>
+              <a:buSzPts val="1400"/>
+              <a:buNone/>
+              <a:defRPr>
+                <a:latin typeface="Roboto"/>
+                <a:ea typeface="Roboto"/>
+                <a:cs typeface="Roboto"/>
+                <a:sym typeface="Roboto"/>
+              </a:defRPr>
+            </a:lvl8pPr>
+            <a:lvl9pPr lvl="8">
+              <a:spcBef>
+                <a:spcPts val="0"/>
+              </a:spcBef>
+              <a:spcAft>
+                <a:spcPts val="0"/>
+              </a:spcAft>
+              <a:buSzPts val="1400"/>
+              <a:buNone/>
+              <a:defRPr>
+                <a:latin typeface="Roboto"/>
+                <a:ea typeface="Roboto"/>
+                <a:cs typeface="Roboto"/>
+                <a:sym typeface="Roboto"/>
+              </a:defRPr>
+            </a:lvl9pPr>
+          </a:lstStyle>
+          <a:p>
+            <a:endParaRPr/>
+          </a:p>
+        </p:txBody>
+      </p:sp>
+      <p:cxnSp>
+        <p:nvCxnSpPr>
+          <p:cNvPr id="451" name="Google Shape;451;p43"/>
+          <p:cNvCxnSpPr/>
+          <p:nvPr/>
+        </p:nvCxnSpPr>
+        <p:spPr>
+          <a:xfrm>
+            <a:off x="2762250" y="4827350"/>
+            <a:ext cx="0" cy="316800"/>
+          </a:xfrm>
+          <a:prstGeom prst="straightConnector1">
+            <a:avLst/>
+          </a:prstGeom>
+          <a:noFill/>
+          <a:ln w="9525" cap="flat" cmpd="sng">
+            <a:solidFill>
+              <a:schemeClr val="dk1"/>
+            </a:solidFill>
+            <a:prstDash val="solid"/>
+            <a:round/>
+            <a:headEnd type="none" w="med" len="med"/>
+            <a:tailEnd type="none" w="med" len="med"/>
+          </a:ln>
+        </p:spPr>
+      </p:cxnSp>
+      <p:sp>
+        <p:nvSpPr>
+          <p:cNvPr id="452" name="Google Shape;452;p43"/>
+          <p:cNvSpPr txBox="1">
+            <a:spLocks noGrp="1"/>
+          </p:cNvSpPr>
+          <p:nvPr>
+            <p:ph type="subTitle" idx="1"/>
+          </p:nvPr>
+        </p:nvSpPr>
+        <p:spPr>
+          <a:xfrm>
+            <a:off x="251400" y="4827075"/>
+            <a:ext cx="2205900" cy="314100"/>
+          </a:xfrm>
+          <a:prstGeom prst="rect">
+            <a:avLst/>
+          </a:prstGeom>
+        </p:spPr>
+        <p:txBody>
+          <a:bodyPr spcFirstLastPara="1" wrap="square" lIns="91425" tIns="91425" rIns="91425" bIns="91425" anchor="t" anchorCtr="0">
+            <a:noAutofit/>
+          </a:bodyPr>
+          <a:lstStyle>
+            <a:lvl1pPr lvl="0">
+              <a:spcBef>
+                <a:spcPts val="0"/>
+              </a:spcBef>
+              <a:spcAft>
+                <a:spcPts val="0"/>
+              </a:spcAft>
+              <a:buSzPts val="800"/>
+              <a:buNone/>
+              <a:defRPr sz="800"/>
+            </a:lvl1pPr>
+            <a:lvl2pPr lvl="1">
+              <a:spcBef>
+                <a:spcPts val="0"/>
+              </a:spcBef>
+              <a:spcAft>
+                <a:spcPts val="0"/>
+              </a:spcAft>
+              <a:buSzPts val="1000"/>
+              <a:buNone/>
+              <a:defRPr/>
+            </a:lvl2pPr>
+            <a:lvl3pPr lvl="2">
+              <a:spcBef>
+                <a:spcPts val="0"/>
+              </a:spcBef>
+              <a:spcAft>
+                <a:spcPts val="0"/>
+              </a:spcAft>
+              <a:buSzPts val="1000"/>
+              <a:buNone/>
+              <a:defRPr/>
+            </a:lvl3pPr>
+            <a:lvl4pPr lvl="3">
+              <a:spcBef>
+                <a:spcPts val="0"/>
+              </a:spcBef>
+              <a:spcAft>
+                <a:spcPts val="0"/>
+              </a:spcAft>
+              <a:buSzPts val="1000"/>
+              <a:buNone/>
+              <a:defRPr/>
+            </a:lvl4pPr>
+            <a:lvl5pPr lvl="4">
+              <a:spcBef>
+                <a:spcPts val="0"/>
+              </a:spcBef>
+              <a:spcAft>
+                <a:spcPts val="0"/>
+              </a:spcAft>
+              <a:buSzPts val="1000"/>
+              <a:buNone/>
+              <a:defRPr/>
+            </a:lvl5pPr>
+            <a:lvl6pPr lvl="5">
+              <a:spcBef>
+                <a:spcPts val="0"/>
+              </a:spcBef>
+              <a:spcAft>
+                <a:spcPts val="0"/>
+              </a:spcAft>
+              <a:buSzPts val="1000"/>
+              <a:buNone/>
+              <a:defRPr/>
+            </a:lvl6pPr>
+            <a:lvl7pPr lvl="6">
+              <a:spcBef>
+                <a:spcPts val="0"/>
+              </a:spcBef>
+              <a:spcAft>
+                <a:spcPts val="0"/>
+              </a:spcAft>
+              <a:buSzPts val="1000"/>
+              <a:buNone/>
+              <a:defRPr/>
+            </a:lvl7pPr>
+            <a:lvl8pPr lvl="7">
+              <a:spcBef>
+                <a:spcPts val="0"/>
+              </a:spcBef>
+              <a:spcAft>
+                <a:spcPts val="0"/>
+              </a:spcAft>
+              <a:buSzPts val="1000"/>
+              <a:buNone/>
+              <a:defRPr/>
+            </a:lvl8pPr>
+            <a:lvl9pPr lvl="8">
+              <a:spcBef>
+                <a:spcPts val="0"/>
+              </a:spcBef>
+              <a:spcAft>
+                <a:spcPts val="0"/>
+              </a:spcAft>
+              <a:buSzPts val="1000"/>
+              <a:buNone/>
+              <a:defRPr/>
+            </a:lvl9pPr>
+          </a:lstStyle>
+          <a:p>
+            <a:endParaRPr/>
+          </a:p>
+        </p:txBody>
+      </p:sp>
+      <p:sp>
+        <p:nvSpPr>
+          <p:cNvPr id="453" name="Google Shape;453;p43"/>
+          <p:cNvSpPr txBox="1">
+            <a:spLocks noGrp="1"/>
+          </p:cNvSpPr>
+          <p:nvPr>
+            <p:ph type="subTitle" idx="2"/>
+          </p:nvPr>
+        </p:nvSpPr>
+        <p:spPr>
+          <a:xfrm>
+            <a:off x="3545100" y="4829700"/>
+            <a:ext cx="2053800" cy="314100"/>
+          </a:xfrm>
+          <a:prstGeom prst="rect">
+            <a:avLst/>
+          </a:prstGeom>
+        </p:spPr>
+        <p:txBody>
+          <a:bodyPr spcFirstLastPara="1" wrap="square" lIns="91425" tIns="91425" rIns="91425" bIns="91425" anchor="t" anchorCtr="0">
+            <a:noAutofit/>
+          </a:bodyPr>
+          <a:lstStyle>
+            <a:lvl1pPr lvl="0" algn="ctr">
+              <a:spcBef>
+                <a:spcPts val="0"/>
+              </a:spcBef>
+              <a:spcAft>
+                <a:spcPts val="0"/>
+              </a:spcAft>
+              <a:buSzPts val="800"/>
+              <a:buNone/>
+              <a:defRPr sz="800"/>
+            </a:lvl1pPr>
+            <a:lvl2pPr lvl="1" algn="ctr">
+              <a:spcBef>
+                <a:spcPts val="0"/>
+              </a:spcBef>
+              <a:spcAft>
+                <a:spcPts val="0"/>
+              </a:spcAft>
+              <a:buSzPts val="1000"/>
+              <a:buNone/>
+              <a:defRPr/>
+            </a:lvl2pPr>
+            <a:lvl3pPr lvl="2" algn="ctr">
+              <a:spcBef>
+                <a:spcPts val="0"/>
+              </a:spcBef>
+              <a:spcAft>
+                <a:spcPts val="0"/>
+              </a:spcAft>
+              <a:buSzPts val="1000"/>
+              <a:buNone/>
+              <a:defRPr/>
+            </a:lvl3pPr>
+            <a:lvl4pPr lvl="3" algn="ctr">
+              <a:spcBef>
+                <a:spcPts val="0"/>
+              </a:spcBef>
+              <a:spcAft>
+                <a:spcPts val="0"/>
+              </a:spcAft>
+              <a:buSzPts val="1000"/>
+              <a:buNone/>
+              <a:defRPr/>
+            </a:lvl4pPr>
+            <a:lvl5pPr lvl="4" algn="ctr">
+              <a:spcBef>
+                <a:spcPts val="0"/>
+              </a:spcBef>
+              <a:spcAft>
+                <a:spcPts val="0"/>
+              </a:spcAft>
+              <a:buSzPts val="1000"/>
+              <a:buNone/>
+              <a:defRPr/>
+            </a:lvl5pPr>
+            <a:lvl6pPr lvl="5" algn="ctr">
+              <a:spcBef>
+                <a:spcPts val="0"/>
+              </a:spcBef>
+              <a:spcAft>
+                <a:spcPts val="0"/>
+              </a:spcAft>
+              <a:buSzPts val="1000"/>
+              <a:buNone/>
+              <a:defRPr/>
+            </a:lvl6pPr>
+            <a:lvl7pPr lvl="6" algn="ctr">
+              <a:spcBef>
+                <a:spcPts val="0"/>
+              </a:spcBef>
+              <a:spcAft>
+                <a:spcPts val="0"/>
+              </a:spcAft>
+              <a:buSzPts val="1000"/>
+              <a:buNone/>
+              <a:defRPr/>
+            </a:lvl7pPr>
+            <a:lvl8pPr lvl="7" algn="ctr">
+              <a:spcBef>
+                <a:spcPts val="0"/>
+              </a:spcBef>
+              <a:spcAft>
+                <a:spcPts val="0"/>
+              </a:spcAft>
+              <a:buSzPts val="1000"/>
+              <a:buNone/>
+              <a:defRPr/>
+            </a:lvl8pPr>
+            <a:lvl9pPr lvl="8" algn="ctr">
+              <a:spcBef>
+                <a:spcPts val="0"/>
+              </a:spcBef>
+              <a:spcAft>
+                <a:spcPts val="0"/>
+              </a:spcAft>
+              <a:buSzPts val="1000"/>
+              <a:buNone/>
+              <a:defRPr/>
+            </a:lvl9pPr>
+          </a:lstStyle>
+          <a:p>
+            <a:endParaRPr/>
+          </a:p>
+        </p:txBody>
+      </p:sp>
+      <p:sp>
+        <p:nvSpPr>
+          <p:cNvPr id="454" name="Google Shape;454;p43"/>
+          <p:cNvSpPr/>
+          <p:nvPr/>
+        </p:nvSpPr>
+        <p:spPr>
+          <a:xfrm rot="-124589">
+            <a:off x="2143221" y="3214879"/>
+            <a:ext cx="1809270" cy="602983"/>
+          </a:xfrm>
+          <a:prstGeom prst="flowChartTerminator">
+            <a:avLst/>
+          </a:prstGeom>
+          <a:solidFill>
+            <a:schemeClr val="accent2"/>
+          </a:solidFill>
+          <a:ln>
+            <a:noFill/>
+          </a:ln>
+        </p:spPr>
+        <p:txBody>
+          <a:bodyPr spcFirstLastPara="1" wrap="square" lIns="91425" tIns="91425" rIns="91425" bIns="91425" anchor="ctr" anchorCtr="0">
+            <a:noAutofit/>
+          </a:bodyPr>
+          <a:lstStyle/>
+          <a:p>
+            <a:pPr marL="0" lvl="0" indent="0" algn="ctr" rtl="0">
+              <a:spcBef>
+                <a:spcPts val="0"/>
+              </a:spcBef>
+              <a:spcAft>
+                <a:spcPts val="0"/>
+              </a:spcAft>
+              <a:buNone/>
+            </a:pPr>
+            <a:endParaRPr sz="2100">
+              <a:latin typeface="Roboto"/>
+              <a:ea typeface="Roboto"/>
+              <a:cs typeface="Roboto"/>
+              <a:sym typeface="Roboto"/>
+            </a:endParaRPr>
+          </a:p>
+        </p:txBody>
+      </p:sp>
+      <p:sp>
+        <p:nvSpPr>
+          <p:cNvPr id="455" name="Google Shape;455;p43"/>
+          <p:cNvSpPr/>
+          <p:nvPr/>
+        </p:nvSpPr>
+        <p:spPr>
+          <a:xfrm rot="1146885">
+            <a:off x="2750590" y="4014983"/>
+            <a:ext cx="1809173" cy="603007"/>
+          </a:xfrm>
+          <a:prstGeom prst="flowChartTerminator">
+            <a:avLst/>
+          </a:prstGeom>
+          <a:solidFill>
+            <a:schemeClr val="accent1"/>
+          </a:solidFill>
+          <a:ln>
+            <a:noFill/>
+          </a:ln>
+        </p:spPr>
+        <p:txBody>
+          <a:bodyPr spcFirstLastPara="1" wrap="square" lIns="91425" tIns="91425" rIns="91425" bIns="91425" anchor="ctr" anchorCtr="0">
+            <a:noAutofit/>
+          </a:bodyPr>
+          <a:lstStyle/>
+          <a:p>
+            <a:pPr marL="0" lvl="0" indent="0" algn="ctr" rtl="0">
+              <a:spcBef>
+                <a:spcPts val="0"/>
+              </a:spcBef>
+              <a:spcAft>
+                <a:spcPts val="0"/>
+              </a:spcAft>
+              <a:buNone/>
+            </a:pPr>
+            <a:endParaRPr sz="2100">
+              <a:latin typeface="Roboto"/>
+              <a:ea typeface="Roboto"/>
+              <a:cs typeface="Roboto"/>
+              <a:sym typeface="Roboto"/>
+            </a:endParaRPr>
+          </a:p>
+        </p:txBody>
+      </p:sp>
+      <p:sp>
+        <p:nvSpPr>
+          <p:cNvPr id="456" name="Google Shape;456;p43"/>
+          <p:cNvSpPr/>
+          <p:nvPr/>
+        </p:nvSpPr>
+        <p:spPr>
+          <a:xfrm rot="103">
+            <a:off x="222869" y="4218901"/>
+            <a:ext cx="1809162" cy="603018"/>
+          </a:xfrm>
+          <a:prstGeom prst="flowChartTerminator">
+            <a:avLst/>
+          </a:prstGeom>
+          <a:solidFill>
+            <a:schemeClr val="lt2"/>
+          </a:solidFill>
+          <a:ln>
+            <a:noFill/>
+          </a:ln>
+        </p:spPr>
+        <p:txBody>
+          <a:bodyPr spcFirstLastPara="1" wrap="square" lIns="91425" tIns="91425" rIns="91425" bIns="91425" anchor="ctr" anchorCtr="0">
+            <a:noAutofit/>
+          </a:bodyPr>
+          <a:lstStyle/>
+          <a:p>
+            <a:pPr marL="0" lvl="0" indent="0" algn="ctr" rtl="0">
+              <a:spcBef>
+                <a:spcPts val="0"/>
+              </a:spcBef>
+              <a:spcAft>
+                <a:spcPts val="0"/>
+              </a:spcAft>
+              <a:buNone/>
+            </a:pPr>
+            <a:endParaRPr sz="2100">
+              <a:solidFill>
+                <a:srgbClr val="FFFFFF"/>
+              </a:solidFill>
+              <a:latin typeface="Roboto"/>
+              <a:ea typeface="Roboto"/>
+              <a:cs typeface="Roboto"/>
+              <a:sym typeface="Roboto"/>
+            </a:endParaRPr>
+          </a:p>
+        </p:txBody>
+      </p:sp>
+      <p:sp>
+        <p:nvSpPr>
+          <p:cNvPr id="457" name="Google Shape;457;p43"/>
+          <p:cNvSpPr/>
+          <p:nvPr/>
+        </p:nvSpPr>
+        <p:spPr>
+          <a:xfrm rot="2535455">
+            <a:off x="1277300" y="3812669"/>
+            <a:ext cx="1809195" cy="603002"/>
+          </a:xfrm>
+          <a:prstGeom prst="flowChartTerminator">
+            <a:avLst/>
+          </a:prstGeom>
+          <a:solidFill>
+            <a:schemeClr val="dk2"/>
+          </a:solidFill>
+          <a:ln>
+            <a:noFill/>
+          </a:ln>
+        </p:spPr>
+        <p:txBody>
+          <a:bodyPr spcFirstLastPara="1" wrap="square" lIns="91425" tIns="91425" rIns="91425" bIns="91425" anchor="ctr" anchorCtr="0">
+            <a:noAutofit/>
+          </a:bodyPr>
+          <a:lstStyle/>
+          <a:p>
+            <a:pPr marL="0" lvl="0" indent="0" algn="ctr" rtl="0">
+              <a:spcBef>
+                <a:spcPts val="0"/>
+              </a:spcBef>
+              <a:spcAft>
+                <a:spcPts val="0"/>
+              </a:spcAft>
+              <a:buNone/>
+            </a:pPr>
+            <a:endParaRPr sz="2100">
+              <a:latin typeface="Roboto"/>
+              <a:ea typeface="Roboto"/>
+              <a:cs typeface="Roboto"/>
+              <a:sym typeface="Roboto"/>
+            </a:endParaRPr>
+          </a:p>
+        </p:txBody>
+      </p:sp>
+      <p:sp>
+        <p:nvSpPr>
+          <p:cNvPr id="458" name="Google Shape;458;p43"/>
+          <p:cNvSpPr txBox="1">
+            <a:spLocks noGrp="1"/>
+          </p:cNvSpPr>
+          <p:nvPr>
+            <p:ph type="body" idx="3"/>
+          </p:nvPr>
+        </p:nvSpPr>
+        <p:spPr>
+          <a:xfrm>
+            <a:off x="5218050" y="1222400"/>
+            <a:ext cx="3489300" cy="2382300"/>
+          </a:xfrm>
+          <a:prstGeom prst="rect">
+            <a:avLst/>
+          </a:prstGeom>
+        </p:spPr>
+        <p:txBody>
+          <a:bodyPr spcFirstLastPara="1" wrap="square" lIns="91425" tIns="91425" rIns="91425" bIns="91425" anchor="ctr" anchorCtr="0">
+            <a:noAutofit/>
+          </a:bodyPr>
+          <a:lstStyle>
+            <a:lvl1pPr marL="457200" lvl="0" indent="-317500">
+              <a:spcBef>
+                <a:spcPts val="0"/>
+              </a:spcBef>
+              <a:spcAft>
+                <a:spcPts val="0"/>
+              </a:spcAft>
+              <a:buSzPts val="1400"/>
+              <a:buFont typeface="Libre Baskerville"/>
+              <a:buChar char="●"/>
+              <a:defRPr>
+                <a:latin typeface="Libre Baskerville"/>
+                <a:ea typeface="Libre Baskerville"/>
+                <a:cs typeface="Libre Baskerville"/>
+                <a:sym typeface="Libre Baskerville"/>
+              </a:defRPr>
+            </a:lvl1pPr>
+            <a:lvl2pPr marL="914400" lvl="1" indent="-317500">
+              <a:spcBef>
+                <a:spcPts val="0"/>
+              </a:spcBef>
+              <a:spcAft>
+                <a:spcPts val="0"/>
+              </a:spcAft>
+              <a:buSzPts val="1400"/>
+              <a:buFont typeface="Libre Baskerville"/>
+              <a:buChar char="○"/>
+              <a:defRPr>
+                <a:latin typeface="Libre Baskerville"/>
+                <a:ea typeface="Libre Baskerville"/>
+                <a:cs typeface="Libre Baskerville"/>
+                <a:sym typeface="Libre Baskerville"/>
+              </a:defRPr>
+            </a:lvl2pPr>
+            <a:lvl3pPr marL="1371600" lvl="2" indent="-317500">
+              <a:spcBef>
+                <a:spcPts val="0"/>
+              </a:spcBef>
+              <a:spcAft>
+                <a:spcPts val="0"/>
+              </a:spcAft>
+              <a:buSzPts val="1400"/>
+              <a:buFont typeface="Libre Baskerville"/>
+              <a:buChar char="■"/>
+              <a:defRPr>
+                <a:latin typeface="Libre Baskerville"/>
+                <a:ea typeface="Libre Baskerville"/>
+                <a:cs typeface="Libre Baskerville"/>
+                <a:sym typeface="Libre Baskerville"/>
+              </a:defRPr>
+            </a:lvl3pPr>
+            <a:lvl4pPr marL="1828800" lvl="3" indent="-317500">
+              <a:spcBef>
+                <a:spcPts val="0"/>
+              </a:spcBef>
+              <a:spcAft>
+                <a:spcPts val="0"/>
+              </a:spcAft>
+              <a:buSzPts val="1400"/>
+              <a:buFont typeface="Libre Baskerville"/>
+              <a:buChar char="●"/>
+              <a:defRPr>
+                <a:latin typeface="Libre Baskerville"/>
+                <a:ea typeface="Libre Baskerville"/>
+                <a:cs typeface="Libre Baskerville"/>
+                <a:sym typeface="Libre Baskerville"/>
+              </a:defRPr>
+            </a:lvl4pPr>
+            <a:lvl5pPr marL="2286000" lvl="4" indent="-317500">
+              <a:spcBef>
+                <a:spcPts val="0"/>
+              </a:spcBef>
+              <a:spcAft>
+                <a:spcPts val="0"/>
+              </a:spcAft>
+              <a:buSzPts val="1400"/>
+              <a:buFont typeface="Libre Baskerville"/>
+              <a:buChar char="○"/>
+              <a:defRPr>
+                <a:latin typeface="Libre Baskerville"/>
+                <a:ea typeface="Libre Baskerville"/>
+                <a:cs typeface="Libre Baskerville"/>
+                <a:sym typeface="Libre Baskerville"/>
+              </a:defRPr>
+            </a:lvl5pPr>
+            <a:lvl6pPr marL="2743200" lvl="5" indent="-317500">
+              <a:spcBef>
+                <a:spcPts val="0"/>
+              </a:spcBef>
+              <a:spcAft>
+                <a:spcPts val="0"/>
+              </a:spcAft>
+              <a:buSzPts val="1400"/>
+              <a:buFont typeface="Libre Baskerville"/>
+              <a:buChar char="■"/>
+              <a:defRPr>
+                <a:latin typeface="Libre Baskerville"/>
+                <a:ea typeface="Libre Baskerville"/>
+                <a:cs typeface="Libre Baskerville"/>
+                <a:sym typeface="Libre Baskerville"/>
+              </a:defRPr>
+            </a:lvl6pPr>
+            <a:lvl7pPr marL="3200400" lvl="6" indent="-317500">
+              <a:spcBef>
+                <a:spcPts val="0"/>
+              </a:spcBef>
+              <a:spcAft>
+                <a:spcPts val="0"/>
+              </a:spcAft>
+              <a:buSzPts val="1400"/>
+              <a:buFont typeface="Libre Baskerville"/>
+              <a:buChar char="●"/>
+              <a:defRPr>
+                <a:latin typeface="Libre Baskerville"/>
+                <a:ea typeface="Libre Baskerville"/>
+                <a:cs typeface="Libre Baskerville"/>
+                <a:sym typeface="Libre Baskerville"/>
+              </a:defRPr>
+            </a:lvl7pPr>
+            <a:lvl8pPr marL="3657600" lvl="7" indent="-317500">
+              <a:spcBef>
+                <a:spcPts val="0"/>
+              </a:spcBef>
+              <a:spcAft>
+                <a:spcPts val="0"/>
+              </a:spcAft>
+              <a:buSzPts val="1400"/>
+              <a:buFont typeface="Libre Baskerville"/>
+              <a:buChar char="○"/>
+              <a:defRPr>
+                <a:latin typeface="Libre Baskerville"/>
+                <a:ea typeface="Libre Baskerville"/>
+                <a:cs typeface="Libre Baskerville"/>
+                <a:sym typeface="Libre Baskerville"/>
+              </a:defRPr>
+            </a:lvl8pPr>
+            <a:lvl9pPr marL="4114800" lvl="8" indent="-317500">
+              <a:spcBef>
+                <a:spcPts val="0"/>
+              </a:spcBef>
+              <a:spcAft>
+                <a:spcPts val="0"/>
+              </a:spcAft>
+              <a:buSzPts val="1400"/>
+              <a:buFont typeface="Libre Baskerville"/>
+              <a:buChar char="■"/>
+              <a:defRPr>
+                <a:latin typeface="Libre Baskerville"/>
+                <a:ea typeface="Libre Baskerville"/>
+                <a:cs typeface="Libre Baskerville"/>
+                <a:sym typeface="Libre Baskerville"/>
+              </a:defRPr>
+            </a:lvl9pPr>
+          </a:lstStyle>
+          <a:p>
+            <a:endParaRPr/>
+          </a:p>
+        </p:txBody>
+      </p:sp>
+      <p:sp>
+        <p:nvSpPr>
+          <p:cNvPr id="459" name="Google Shape;459;p43"/>
+          <p:cNvSpPr/>
+          <p:nvPr/>
+        </p:nvSpPr>
+        <p:spPr>
+          <a:xfrm rot="5400000">
+            <a:off x="8611250" y="4735800"/>
+            <a:ext cx="321000" cy="494100"/>
+          </a:xfrm>
+          <a:prstGeom prst="round2SameRect">
+            <a:avLst>
+              <a:gd name="adj1" fmla="val 50000"/>
+              <a:gd name="adj2" fmla="val 0"/>
+            </a:avLst>
+          </a:prstGeom>
+          <a:solidFill>
+            <a:schemeClr val="dk1"/>
+          </a:solidFill>
+          <a:ln>
+            <a:noFill/>
+          </a:ln>
+        </p:spPr>
+        <p:txBody>
+          <a:bodyPr spcFirstLastPara="1" wrap="square" lIns="91425" tIns="91425" rIns="91425" bIns="91425" anchor="ctr" anchorCtr="0">
+            <a:noAutofit/>
+          </a:bodyPr>
+          <a:lstStyle/>
+          <a:p>
+            <a:pPr marL="0" lvl="0" indent="0" algn="ctr" rtl="0">
+              <a:spcBef>
+                <a:spcPts val="0"/>
+              </a:spcBef>
+              <a:spcAft>
+                <a:spcPts val="0"/>
+              </a:spcAft>
+              <a:buNone/>
+            </a:pPr>
+            <a:endParaRPr>
+              <a:latin typeface="Roboto"/>
+              <a:ea typeface="Roboto"/>
+              <a:cs typeface="Roboto"/>
+              <a:sym typeface="Roboto"/>
+            </a:endParaRPr>
+          </a:p>
+        </p:txBody>
+      </p:sp>
+      <p:sp>
+        <p:nvSpPr>
+          <p:cNvPr id="460" name="Google Shape;460;p43"/>
           <p:cNvSpPr txBox="1">
             <a:spLocks noGrp="1"/>
           </p:cNvSpPr>
@@ -37592,1071 +37479,6 @@
 </file>
 
 <file path=ppt/slideLayouts/slideLayout40.xml><?xml version="1.0" encoding="utf-8"?>
-<p:sldLayout xmlns:a="http://schemas.openxmlformats.org/drawingml/2006/main" xmlns:r="http://schemas.openxmlformats.org/officeDocument/2006/relationships" xmlns:p="http://schemas.openxmlformats.org/presentationml/2006/main" matchingName="What Could Be Better">
-  <p:cSld name="CUSTOM_11">
-    <p:spTree>
-      <p:nvGrpSpPr>
-        <p:cNvPr id="1" name="Shape 447"/>
-        <p:cNvGrpSpPr/>
-        <p:nvPr/>
-      </p:nvGrpSpPr>
-      <p:grpSpPr>
-        <a:xfrm>
-          <a:off x="0" y="0"/>
-          <a:ext cx="0" cy="0"/>
-          <a:chOff x="0" y="0"/>
-          <a:chExt cx="0" cy="0"/>
-        </a:xfrm>
-      </p:grpSpPr>
-      <p:sp>
-        <p:nvSpPr>
-          <p:cNvPr id="448" name="Google Shape;448;p43"/>
-          <p:cNvSpPr/>
-          <p:nvPr/>
-        </p:nvSpPr>
-        <p:spPr>
-          <a:xfrm rot="5400000">
-            <a:off x="4391175" y="560850"/>
-            <a:ext cx="321000" cy="8851800"/>
-          </a:xfrm>
-          <a:prstGeom prst="round2SameRect">
-            <a:avLst>
-              <a:gd name="adj1" fmla="val 50000"/>
-              <a:gd name="adj2" fmla="val 50000"/>
-            </a:avLst>
-          </a:prstGeom>
-          <a:noFill/>
-          <a:ln w="9525" cap="flat" cmpd="sng">
-            <a:solidFill>
-              <a:schemeClr val="dk1"/>
-            </a:solidFill>
-            <a:prstDash val="solid"/>
-            <a:round/>
-            <a:headEnd type="none" w="sm" len="sm"/>
-            <a:tailEnd type="none" w="sm" len="sm"/>
-          </a:ln>
-        </p:spPr>
-        <p:txBody>
-          <a:bodyPr spcFirstLastPara="1" wrap="square" lIns="91425" tIns="91425" rIns="91425" bIns="91425" anchor="ctr" anchorCtr="0">
-            <a:noAutofit/>
-          </a:bodyPr>
-          <a:lstStyle/>
-          <a:p>
-            <a:pPr marL="0" lvl="0" indent="0" algn="l" rtl="0">
-              <a:spcBef>
-                <a:spcPts val="0"/>
-              </a:spcBef>
-              <a:spcAft>
-                <a:spcPts val="0"/>
-              </a:spcAft>
-              <a:buNone/>
-            </a:pPr>
-            <a:endParaRPr>
-              <a:latin typeface="Roboto"/>
-              <a:ea typeface="Roboto"/>
-              <a:cs typeface="Roboto"/>
-              <a:sym typeface="Roboto"/>
-            </a:endParaRPr>
-          </a:p>
-        </p:txBody>
-      </p:sp>
-      <p:sp>
-        <p:nvSpPr>
-          <p:cNvPr id="449" name="Google Shape;449;p43"/>
-          <p:cNvSpPr/>
-          <p:nvPr/>
-        </p:nvSpPr>
-        <p:spPr>
-          <a:xfrm>
-            <a:off x="4907100" y="125600"/>
-            <a:ext cx="4111200" cy="4575900"/>
-          </a:xfrm>
-          <a:prstGeom prst="roundRect">
-            <a:avLst>
-              <a:gd name="adj" fmla="val 16667"/>
-            </a:avLst>
-          </a:prstGeom>
-          <a:solidFill>
-            <a:schemeClr val="accent1"/>
-          </a:solidFill>
-          <a:ln>
-            <a:noFill/>
-          </a:ln>
-        </p:spPr>
-        <p:txBody>
-          <a:bodyPr spcFirstLastPara="1" wrap="square" lIns="91425" tIns="91425" rIns="91425" bIns="91425" anchor="ctr" anchorCtr="0">
-            <a:noAutofit/>
-          </a:bodyPr>
-          <a:lstStyle/>
-          <a:p>
-            <a:pPr marL="0" lvl="0" indent="0" algn="l" rtl="0">
-              <a:spcBef>
-                <a:spcPts val="0"/>
-              </a:spcBef>
-              <a:spcAft>
-                <a:spcPts val="0"/>
-              </a:spcAft>
-              <a:buNone/>
-            </a:pPr>
-            <a:endParaRPr/>
-          </a:p>
-        </p:txBody>
-      </p:sp>
-      <p:sp>
-        <p:nvSpPr>
-          <p:cNvPr id="450" name="Google Shape;450;p43"/>
-          <p:cNvSpPr txBox="1">
-            <a:spLocks noGrp="1"/>
-          </p:cNvSpPr>
-          <p:nvPr>
-            <p:ph type="title"/>
-          </p:nvPr>
-        </p:nvSpPr>
-        <p:spPr>
-          <a:xfrm>
-            <a:off x="125700" y="125600"/>
-            <a:ext cx="4580100" cy="1685100"/>
-          </a:xfrm>
-          <a:prstGeom prst="rect">
-            <a:avLst/>
-          </a:prstGeom>
-        </p:spPr>
-        <p:txBody>
-          <a:bodyPr spcFirstLastPara="1" wrap="square" lIns="91425" tIns="91425" rIns="91425" bIns="91425" anchor="t" anchorCtr="0">
-            <a:noAutofit/>
-          </a:bodyPr>
-          <a:lstStyle>
-            <a:lvl1pPr lvl="0">
-              <a:spcBef>
-                <a:spcPts val="0"/>
-              </a:spcBef>
-              <a:spcAft>
-                <a:spcPts val="0"/>
-              </a:spcAft>
-              <a:buSzPts val="5600"/>
-              <a:buNone/>
-              <a:defRPr/>
-            </a:lvl1pPr>
-            <a:lvl2pPr lvl="1">
-              <a:spcBef>
-                <a:spcPts val="0"/>
-              </a:spcBef>
-              <a:spcAft>
-                <a:spcPts val="0"/>
-              </a:spcAft>
-              <a:buSzPts val="1400"/>
-              <a:buNone/>
-              <a:defRPr>
-                <a:latin typeface="Roboto"/>
-                <a:ea typeface="Roboto"/>
-                <a:cs typeface="Roboto"/>
-                <a:sym typeface="Roboto"/>
-              </a:defRPr>
-            </a:lvl2pPr>
-            <a:lvl3pPr lvl="2">
-              <a:spcBef>
-                <a:spcPts val="0"/>
-              </a:spcBef>
-              <a:spcAft>
-                <a:spcPts val="0"/>
-              </a:spcAft>
-              <a:buSzPts val="1400"/>
-              <a:buNone/>
-              <a:defRPr>
-                <a:latin typeface="Roboto"/>
-                <a:ea typeface="Roboto"/>
-                <a:cs typeface="Roboto"/>
-                <a:sym typeface="Roboto"/>
-              </a:defRPr>
-            </a:lvl3pPr>
-            <a:lvl4pPr lvl="3">
-              <a:spcBef>
-                <a:spcPts val="0"/>
-              </a:spcBef>
-              <a:spcAft>
-                <a:spcPts val="0"/>
-              </a:spcAft>
-              <a:buSzPts val="1400"/>
-              <a:buNone/>
-              <a:defRPr>
-                <a:latin typeface="Roboto"/>
-                <a:ea typeface="Roboto"/>
-                <a:cs typeface="Roboto"/>
-                <a:sym typeface="Roboto"/>
-              </a:defRPr>
-            </a:lvl4pPr>
-            <a:lvl5pPr lvl="4">
-              <a:spcBef>
-                <a:spcPts val="0"/>
-              </a:spcBef>
-              <a:spcAft>
-                <a:spcPts val="0"/>
-              </a:spcAft>
-              <a:buSzPts val="1400"/>
-              <a:buNone/>
-              <a:defRPr>
-                <a:latin typeface="Roboto"/>
-                <a:ea typeface="Roboto"/>
-                <a:cs typeface="Roboto"/>
-                <a:sym typeface="Roboto"/>
-              </a:defRPr>
-            </a:lvl5pPr>
-            <a:lvl6pPr lvl="5">
-              <a:spcBef>
-                <a:spcPts val="0"/>
-              </a:spcBef>
-              <a:spcAft>
-                <a:spcPts val="0"/>
-              </a:spcAft>
-              <a:buSzPts val="1400"/>
-              <a:buNone/>
-              <a:defRPr>
-                <a:latin typeface="Roboto"/>
-                <a:ea typeface="Roboto"/>
-                <a:cs typeface="Roboto"/>
-                <a:sym typeface="Roboto"/>
-              </a:defRPr>
-            </a:lvl6pPr>
-            <a:lvl7pPr lvl="6">
-              <a:spcBef>
-                <a:spcPts val="0"/>
-              </a:spcBef>
-              <a:spcAft>
-                <a:spcPts val="0"/>
-              </a:spcAft>
-              <a:buSzPts val="1400"/>
-              <a:buNone/>
-              <a:defRPr>
-                <a:latin typeface="Roboto"/>
-                <a:ea typeface="Roboto"/>
-                <a:cs typeface="Roboto"/>
-                <a:sym typeface="Roboto"/>
-              </a:defRPr>
-            </a:lvl7pPr>
-            <a:lvl8pPr lvl="7">
-              <a:spcBef>
-                <a:spcPts val="0"/>
-              </a:spcBef>
-              <a:spcAft>
-                <a:spcPts val="0"/>
-              </a:spcAft>
-              <a:buSzPts val="1400"/>
-              <a:buNone/>
-              <a:defRPr>
-                <a:latin typeface="Roboto"/>
-                <a:ea typeface="Roboto"/>
-                <a:cs typeface="Roboto"/>
-                <a:sym typeface="Roboto"/>
-              </a:defRPr>
-            </a:lvl8pPr>
-            <a:lvl9pPr lvl="8">
-              <a:spcBef>
-                <a:spcPts val="0"/>
-              </a:spcBef>
-              <a:spcAft>
-                <a:spcPts val="0"/>
-              </a:spcAft>
-              <a:buSzPts val="1400"/>
-              <a:buNone/>
-              <a:defRPr>
-                <a:latin typeface="Roboto"/>
-                <a:ea typeface="Roboto"/>
-                <a:cs typeface="Roboto"/>
-                <a:sym typeface="Roboto"/>
-              </a:defRPr>
-            </a:lvl9pPr>
-          </a:lstStyle>
-          <a:p>
-            <a:endParaRPr/>
-          </a:p>
-        </p:txBody>
-      </p:sp>
-      <p:cxnSp>
-        <p:nvCxnSpPr>
-          <p:cNvPr id="451" name="Google Shape;451;p43"/>
-          <p:cNvCxnSpPr/>
-          <p:nvPr/>
-        </p:nvCxnSpPr>
-        <p:spPr>
-          <a:xfrm>
-            <a:off x="2762250" y="4827350"/>
-            <a:ext cx="0" cy="316800"/>
-          </a:xfrm>
-          <a:prstGeom prst="straightConnector1">
-            <a:avLst/>
-          </a:prstGeom>
-          <a:noFill/>
-          <a:ln w="9525" cap="flat" cmpd="sng">
-            <a:solidFill>
-              <a:schemeClr val="dk1"/>
-            </a:solidFill>
-            <a:prstDash val="solid"/>
-            <a:round/>
-            <a:headEnd type="none" w="med" len="med"/>
-            <a:tailEnd type="none" w="med" len="med"/>
-          </a:ln>
-        </p:spPr>
-      </p:cxnSp>
-      <p:sp>
-        <p:nvSpPr>
-          <p:cNvPr id="452" name="Google Shape;452;p43"/>
-          <p:cNvSpPr txBox="1">
-            <a:spLocks noGrp="1"/>
-          </p:cNvSpPr>
-          <p:nvPr>
-            <p:ph type="subTitle" idx="1"/>
-          </p:nvPr>
-        </p:nvSpPr>
-        <p:spPr>
-          <a:xfrm>
-            <a:off x="251400" y="4827075"/>
-            <a:ext cx="2205900" cy="314100"/>
-          </a:xfrm>
-          <a:prstGeom prst="rect">
-            <a:avLst/>
-          </a:prstGeom>
-        </p:spPr>
-        <p:txBody>
-          <a:bodyPr spcFirstLastPara="1" wrap="square" lIns="91425" tIns="91425" rIns="91425" bIns="91425" anchor="t" anchorCtr="0">
-            <a:noAutofit/>
-          </a:bodyPr>
-          <a:lstStyle>
-            <a:lvl1pPr lvl="0">
-              <a:spcBef>
-                <a:spcPts val="0"/>
-              </a:spcBef>
-              <a:spcAft>
-                <a:spcPts val="0"/>
-              </a:spcAft>
-              <a:buSzPts val="800"/>
-              <a:buNone/>
-              <a:defRPr sz="800"/>
-            </a:lvl1pPr>
-            <a:lvl2pPr lvl="1">
-              <a:spcBef>
-                <a:spcPts val="0"/>
-              </a:spcBef>
-              <a:spcAft>
-                <a:spcPts val="0"/>
-              </a:spcAft>
-              <a:buSzPts val="1000"/>
-              <a:buNone/>
-              <a:defRPr/>
-            </a:lvl2pPr>
-            <a:lvl3pPr lvl="2">
-              <a:spcBef>
-                <a:spcPts val="0"/>
-              </a:spcBef>
-              <a:spcAft>
-                <a:spcPts val="0"/>
-              </a:spcAft>
-              <a:buSzPts val="1000"/>
-              <a:buNone/>
-              <a:defRPr/>
-            </a:lvl3pPr>
-            <a:lvl4pPr lvl="3">
-              <a:spcBef>
-                <a:spcPts val="0"/>
-              </a:spcBef>
-              <a:spcAft>
-                <a:spcPts val="0"/>
-              </a:spcAft>
-              <a:buSzPts val="1000"/>
-              <a:buNone/>
-              <a:defRPr/>
-            </a:lvl4pPr>
-            <a:lvl5pPr lvl="4">
-              <a:spcBef>
-                <a:spcPts val="0"/>
-              </a:spcBef>
-              <a:spcAft>
-                <a:spcPts val="0"/>
-              </a:spcAft>
-              <a:buSzPts val="1000"/>
-              <a:buNone/>
-              <a:defRPr/>
-            </a:lvl5pPr>
-            <a:lvl6pPr lvl="5">
-              <a:spcBef>
-                <a:spcPts val="0"/>
-              </a:spcBef>
-              <a:spcAft>
-                <a:spcPts val="0"/>
-              </a:spcAft>
-              <a:buSzPts val="1000"/>
-              <a:buNone/>
-              <a:defRPr/>
-            </a:lvl6pPr>
-            <a:lvl7pPr lvl="6">
-              <a:spcBef>
-                <a:spcPts val="0"/>
-              </a:spcBef>
-              <a:spcAft>
-                <a:spcPts val="0"/>
-              </a:spcAft>
-              <a:buSzPts val="1000"/>
-              <a:buNone/>
-              <a:defRPr/>
-            </a:lvl7pPr>
-            <a:lvl8pPr lvl="7">
-              <a:spcBef>
-                <a:spcPts val="0"/>
-              </a:spcBef>
-              <a:spcAft>
-                <a:spcPts val="0"/>
-              </a:spcAft>
-              <a:buSzPts val="1000"/>
-              <a:buNone/>
-              <a:defRPr/>
-            </a:lvl8pPr>
-            <a:lvl9pPr lvl="8">
-              <a:spcBef>
-                <a:spcPts val="0"/>
-              </a:spcBef>
-              <a:spcAft>
-                <a:spcPts val="0"/>
-              </a:spcAft>
-              <a:buSzPts val="1000"/>
-              <a:buNone/>
-              <a:defRPr/>
-            </a:lvl9pPr>
-          </a:lstStyle>
-          <a:p>
-            <a:endParaRPr/>
-          </a:p>
-        </p:txBody>
-      </p:sp>
-      <p:sp>
-        <p:nvSpPr>
-          <p:cNvPr id="453" name="Google Shape;453;p43"/>
-          <p:cNvSpPr txBox="1">
-            <a:spLocks noGrp="1"/>
-          </p:cNvSpPr>
-          <p:nvPr>
-            <p:ph type="subTitle" idx="2"/>
-          </p:nvPr>
-        </p:nvSpPr>
-        <p:spPr>
-          <a:xfrm>
-            <a:off x="3545100" y="4829700"/>
-            <a:ext cx="2053800" cy="314100"/>
-          </a:xfrm>
-          <a:prstGeom prst="rect">
-            <a:avLst/>
-          </a:prstGeom>
-        </p:spPr>
-        <p:txBody>
-          <a:bodyPr spcFirstLastPara="1" wrap="square" lIns="91425" tIns="91425" rIns="91425" bIns="91425" anchor="t" anchorCtr="0">
-            <a:noAutofit/>
-          </a:bodyPr>
-          <a:lstStyle>
-            <a:lvl1pPr lvl="0" algn="ctr">
-              <a:spcBef>
-                <a:spcPts val="0"/>
-              </a:spcBef>
-              <a:spcAft>
-                <a:spcPts val="0"/>
-              </a:spcAft>
-              <a:buSzPts val="800"/>
-              <a:buNone/>
-              <a:defRPr sz="800"/>
-            </a:lvl1pPr>
-            <a:lvl2pPr lvl="1" algn="ctr">
-              <a:spcBef>
-                <a:spcPts val="0"/>
-              </a:spcBef>
-              <a:spcAft>
-                <a:spcPts val="0"/>
-              </a:spcAft>
-              <a:buSzPts val="1000"/>
-              <a:buNone/>
-              <a:defRPr/>
-            </a:lvl2pPr>
-            <a:lvl3pPr lvl="2" algn="ctr">
-              <a:spcBef>
-                <a:spcPts val="0"/>
-              </a:spcBef>
-              <a:spcAft>
-                <a:spcPts val="0"/>
-              </a:spcAft>
-              <a:buSzPts val="1000"/>
-              <a:buNone/>
-              <a:defRPr/>
-            </a:lvl3pPr>
-            <a:lvl4pPr lvl="3" algn="ctr">
-              <a:spcBef>
-                <a:spcPts val="0"/>
-              </a:spcBef>
-              <a:spcAft>
-                <a:spcPts val="0"/>
-              </a:spcAft>
-              <a:buSzPts val="1000"/>
-              <a:buNone/>
-              <a:defRPr/>
-            </a:lvl4pPr>
-            <a:lvl5pPr lvl="4" algn="ctr">
-              <a:spcBef>
-                <a:spcPts val="0"/>
-              </a:spcBef>
-              <a:spcAft>
-                <a:spcPts val="0"/>
-              </a:spcAft>
-              <a:buSzPts val="1000"/>
-              <a:buNone/>
-              <a:defRPr/>
-            </a:lvl5pPr>
-            <a:lvl6pPr lvl="5" algn="ctr">
-              <a:spcBef>
-                <a:spcPts val="0"/>
-              </a:spcBef>
-              <a:spcAft>
-                <a:spcPts val="0"/>
-              </a:spcAft>
-              <a:buSzPts val="1000"/>
-              <a:buNone/>
-              <a:defRPr/>
-            </a:lvl6pPr>
-            <a:lvl7pPr lvl="6" algn="ctr">
-              <a:spcBef>
-                <a:spcPts val="0"/>
-              </a:spcBef>
-              <a:spcAft>
-                <a:spcPts val="0"/>
-              </a:spcAft>
-              <a:buSzPts val="1000"/>
-              <a:buNone/>
-              <a:defRPr/>
-            </a:lvl7pPr>
-            <a:lvl8pPr lvl="7" algn="ctr">
-              <a:spcBef>
-                <a:spcPts val="0"/>
-              </a:spcBef>
-              <a:spcAft>
-                <a:spcPts val="0"/>
-              </a:spcAft>
-              <a:buSzPts val="1000"/>
-              <a:buNone/>
-              <a:defRPr/>
-            </a:lvl8pPr>
-            <a:lvl9pPr lvl="8" algn="ctr">
-              <a:spcBef>
-                <a:spcPts val="0"/>
-              </a:spcBef>
-              <a:spcAft>
-                <a:spcPts val="0"/>
-              </a:spcAft>
-              <a:buSzPts val="1000"/>
-              <a:buNone/>
-              <a:defRPr/>
-            </a:lvl9pPr>
-          </a:lstStyle>
-          <a:p>
-            <a:endParaRPr/>
-          </a:p>
-        </p:txBody>
-      </p:sp>
-      <p:sp>
-        <p:nvSpPr>
-          <p:cNvPr id="454" name="Google Shape;454;p43"/>
-          <p:cNvSpPr/>
-          <p:nvPr/>
-        </p:nvSpPr>
-        <p:spPr>
-          <a:xfrm rot="-124589">
-            <a:off x="2143221" y="3214879"/>
-            <a:ext cx="1809270" cy="602983"/>
-          </a:xfrm>
-          <a:prstGeom prst="flowChartTerminator">
-            <a:avLst/>
-          </a:prstGeom>
-          <a:solidFill>
-            <a:schemeClr val="accent2"/>
-          </a:solidFill>
-          <a:ln>
-            <a:noFill/>
-          </a:ln>
-        </p:spPr>
-        <p:txBody>
-          <a:bodyPr spcFirstLastPara="1" wrap="square" lIns="91425" tIns="91425" rIns="91425" bIns="91425" anchor="ctr" anchorCtr="0">
-            <a:noAutofit/>
-          </a:bodyPr>
-          <a:lstStyle/>
-          <a:p>
-            <a:pPr marL="0" lvl="0" indent="0" algn="ctr" rtl="0">
-              <a:spcBef>
-                <a:spcPts val="0"/>
-              </a:spcBef>
-              <a:spcAft>
-                <a:spcPts val="0"/>
-              </a:spcAft>
-              <a:buNone/>
-            </a:pPr>
-            <a:endParaRPr sz="2100">
-              <a:latin typeface="Roboto"/>
-              <a:ea typeface="Roboto"/>
-              <a:cs typeface="Roboto"/>
-              <a:sym typeface="Roboto"/>
-            </a:endParaRPr>
-          </a:p>
-        </p:txBody>
-      </p:sp>
-      <p:sp>
-        <p:nvSpPr>
-          <p:cNvPr id="455" name="Google Shape;455;p43"/>
-          <p:cNvSpPr/>
-          <p:nvPr/>
-        </p:nvSpPr>
-        <p:spPr>
-          <a:xfrm rot="1146885">
-            <a:off x="2750590" y="4014983"/>
-            <a:ext cx="1809173" cy="603007"/>
-          </a:xfrm>
-          <a:prstGeom prst="flowChartTerminator">
-            <a:avLst/>
-          </a:prstGeom>
-          <a:solidFill>
-            <a:schemeClr val="accent1"/>
-          </a:solidFill>
-          <a:ln>
-            <a:noFill/>
-          </a:ln>
-        </p:spPr>
-        <p:txBody>
-          <a:bodyPr spcFirstLastPara="1" wrap="square" lIns="91425" tIns="91425" rIns="91425" bIns="91425" anchor="ctr" anchorCtr="0">
-            <a:noAutofit/>
-          </a:bodyPr>
-          <a:lstStyle/>
-          <a:p>
-            <a:pPr marL="0" lvl="0" indent="0" algn="ctr" rtl="0">
-              <a:spcBef>
-                <a:spcPts val="0"/>
-              </a:spcBef>
-              <a:spcAft>
-                <a:spcPts val="0"/>
-              </a:spcAft>
-              <a:buNone/>
-            </a:pPr>
-            <a:endParaRPr sz="2100">
-              <a:latin typeface="Roboto"/>
-              <a:ea typeface="Roboto"/>
-              <a:cs typeface="Roboto"/>
-              <a:sym typeface="Roboto"/>
-            </a:endParaRPr>
-          </a:p>
-        </p:txBody>
-      </p:sp>
-      <p:sp>
-        <p:nvSpPr>
-          <p:cNvPr id="456" name="Google Shape;456;p43"/>
-          <p:cNvSpPr/>
-          <p:nvPr/>
-        </p:nvSpPr>
-        <p:spPr>
-          <a:xfrm rot="103">
-            <a:off x="222869" y="4218901"/>
-            <a:ext cx="1809162" cy="603018"/>
-          </a:xfrm>
-          <a:prstGeom prst="flowChartTerminator">
-            <a:avLst/>
-          </a:prstGeom>
-          <a:solidFill>
-            <a:schemeClr val="lt2"/>
-          </a:solidFill>
-          <a:ln>
-            <a:noFill/>
-          </a:ln>
-        </p:spPr>
-        <p:txBody>
-          <a:bodyPr spcFirstLastPara="1" wrap="square" lIns="91425" tIns="91425" rIns="91425" bIns="91425" anchor="ctr" anchorCtr="0">
-            <a:noAutofit/>
-          </a:bodyPr>
-          <a:lstStyle/>
-          <a:p>
-            <a:pPr marL="0" lvl="0" indent="0" algn="ctr" rtl="0">
-              <a:spcBef>
-                <a:spcPts val="0"/>
-              </a:spcBef>
-              <a:spcAft>
-                <a:spcPts val="0"/>
-              </a:spcAft>
-              <a:buNone/>
-            </a:pPr>
-            <a:endParaRPr sz="2100">
-              <a:solidFill>
-                <a:srgbClr val="FFFFFF"/>
-              </a:solidFill>
-              <a:latin typeface="Roboto"/>
-              <a:ea typeface="Roboto"/>
-              <a:cs typeface="Roboto"/>
-              <a:sym typeface="Roboto"/>
-            </a:endParaRPr>
-          </a:p>
-        </p:txBody>
-      </p:sp>
-      <p:sp>
-        <p:nvSpPr>
-          <p:cNvPr id="457" name="Google Shape;457;p43"/>
-          <p:cNvSpPr/>
-          <p:nvPr/>
-        </p:nvSpPr>
-        <p:spPr>
-          <a:xfrm rot="2535455">
-            <a:off x="1277300" y="3812669"/>
-            <a:ext cx="1809195" cy="603002"/>
-          </a:xfrm>
-          <a:prstGeom prst="flowChartTerminator">
-            <a:avLst/>
-          </a:prstGeom>
-          <a:solidFill>
-            <a:schemeClr val="dk2"/>
-          </a:solidFill>
-          <a:ln>
-            <a:noFill/>
-          </a:ln>
-        </p:spPr>
-        <p:txBody>
-          <a:bodyPr spcFirstLastPara="1" wrap="square" lIns="91425" tIns="91425" rIns="91425" bIns="91425" anchor="ctr" anchorCtr="0">
-            <a:noAutofit/>
-          </a:bodyPr>
-          <a:lstStyle/>
-          <a:p>
-            <a:pPr marL="0" lvl="0" indent="0" algn="ctr" rtl="0">
-              <a:spcBef>
-                <a:spcPts val="0"/>
-              </a:spcBef>
-              <a:spcAft>
-                <a:spcPts val="0"/>
-              </a:spcAft>
-              <a:buNone/>
-            </a:pPr>
-            <a:endParaRPr sz="2100">
-              <a:latin typeface="Roboto"/>
-              <a:ea typeface="Roboto"/>
-              <a:cs typeface="Roboto"/>
-              <a:sym typeface="Roboto"/>
-            </a:endParaRPr>
-          </a:p>
-        </p:txBody>
-      </p:sp>
-      <p:sp>
-        <p:nvSpPr>
-          <p:cNvPr id="458" name="Google Shape;458;p43"/>
-          <p:cNvSpPr txBox="1">
-            <a:spLocks noGrp="1"/>
-          </p:cNvSpPr>
-          <p:nvPr>
-            <p:ph type="body" idx="3"/>
-          </p:nvPr>
-        </p:nvSpPr>
-        <p:spPr>
-          <a:xfrm>
-            <a:off x="5218050" y="1222400"/>
-            <a:ext cx="3489300" cy="2382300"/>
-          </a:xfrm>
-          <a:prstGeom prst="rect">
-            <a:avLst/>
-          </a:prstGeom>
-        </p:spPr>
-        <p:txBody>
-          <a:bodyPr spcFirstLastPara="1" wrap="square" lIns="91425" tIns="91425" rIns="91425" bIns="91425" anchor="ctr" anchorCtr="0">
-            <a:noAutofit/>
-          </a:bodyPr>
-          <a:lstStyle>
-            <a:lvl1pPr marL="457200" lvl="0" indent="-317500">
-              <a:spcBef>
-                <a:spcPts val="0"/>
-              </a:spcBef>
-              <a:spcAft>
-                <a:spcPts val="0"/>
-              </a:spcAft>
-              <a:buSzPts val="1400"/>
-              <a:buFont typeface="Libre Baskerville"/>
-              <a:buChar char="●"/>
-              <a:defRPr>
-                <a:latin typeface="Libre Baskerville"/>
-                <a:ea typeface="Libre Baskerville"/>
-                <a:cs typeface="Libre Baskerville"/>
-                <a:sym typeface="Libre Baskerville"/>
-              </a:defRPr>
-            </a:lvl1pPr>
-            <a:lvl2pPr marL="914400" lvl="1" indent="-317500">
-              <a:spcBef>
-                <a:spcPts val="0"/>
-              </a:spcBef>
-              <a:spcAft>
-                <a:spcPts val="0"/>
-              </a:spcAft>
-              <a:buSzPts val="1400"/>
-              <a:buFont typeface="Libre Baskerville"/>
-              <a:buChar char="○"/>
-              <a:defRPr>
-                <a:latin typeface="Libre Baskerville"/>
-                <a:ea typeface="Libre Baskerville"/>
-                <a:cs typeface="Libre Baskerville"/>
-                <a:sym typeface="Libre Baskerville"/>
-              </a:defRPr>
-            </a:lvl2pPr>
-            <a:lvl3pPr marL="1371600" lvl="2" indent="-317500">
-              <a:spcBef>
-                <a:spcPts val="0"/>
-              </a:spcBef>
-              <a:spcAft>
-                <a:spcPts val="0"/>
-              </a:spcAft>
-              <a:buSzPts val="1400"/>
-              <a:buFont typeface="Libre Baskerville"/>
-              <a:buChar char="■"/>
-              <a:defRPr>
-                <a:latin typeface="Libre Baskerville"/>
-                <a:ea typeface="Libre Baskerville"/>
-                <a:cs typeface="Libre Baskerville"/>
-                <a:sym typeface="Libre Baskerville"/>
-              </a:defRPr>
-            </a:lvl3pPr>
-            <a:lvl4pPr marL="1828800" lvl="3" indent="-317500">
-              <a:spcBef>
-                <a:spcPts val="0"/>
-              </a:spcBef>
-              <a:spcAft>
-                <a:spcPts val="0"/>
-              </a:spcAft>
-              <a:buSzPts val="1400"/>
-              <a:buFont typeface="Libre Baskerville"/>
-              <a:buChar char="●"/>
-              <a:defRPr>
-                <a:latin typeface="Libre Baskerville"/>
-                <a:ea typeface="Libre Baskerville"/>
-                <a:cs typeface="Libre Baskerville"/>
-                <a:sym typeface="Libre Baskerville"/>
-              </a:defRPr>
-            </a:lvl4pPr>
-            <a:lvl5pPr marL="2286000" lvl="4" indent="-317500">
-              <a:spcBef>
-                <a:spcPts val="0"/>
-              </a:spcBef>
-              <a:spcAft>
-                <a:spcPts val="0"/>
-              </a:spcAft>
-              <a:buSzPts val="1400"/>
-              <a:buFont typeface="Libre Baskerville"/>
-              <a:buChar char="○"/>
-              <a:defRPr>
-                <a:latin typeface="Libre Baskerville"/>
-                <a:ea typeface="Libre Baskerville"/>
-                <a:cs typeface="Libre Baskerville"/>
-                <a:sym typeface="Libre Baskerville"/>
-              </a:defRPr>
-            </a:lvl5pPr>
-            <a:lvl6pPr marL="2743200" lvl="5" indent="-317500">
-              <a:spcBef>
-                <a:spcPts val="0"/>
-              </a:spcBef>
-              <a:spcAft>
-                <a:spcPts val="0"/>
-              </a:spcAft>
-              <a:buSzPts val="1400"/>
-              <a:buFont typeface="Libre Baskerville"/>
-              <a:buChar char="■"/>
-              <a:defRPr>
-                <a:latin typeface="Libre Baskerville"/>
-                <a:ea typeface="Libre Baskerville"/>
-                <a:cs typeface="Libre Baskerville"/>
-                <a:sym typeface="Libre Baskerville"/>
-              </a:defRPr>
-            </a:lvl6pPr>
-            <a:lvl7pPr marL="3200400" lvl="6" indent="-317500">
-              <a:spcBef>
-                <a:spcPts val="0"/>
-              </a:spcBef>
-              <a:spcAft>
-                <a:spcPts val="0"/>
-              </a:spcAft>
-              <a:buSzPts val="1400"/>
-              <a:buFont typeface="Libre Baskerville"/>
-              <a:buChar char="●"/>
-              <a:defRPr>
-                <a:latin typeface="Libre Baskerville"/>
-                <a:ea typeface="Libre Baskerville"/>
-                <a:cs typeface="Libre Baskerville"/>
-                <a:sym typeface="Libre Baskerville"/>
-              </a:defRPr>
-            </a:lvl7pPr>
-            <a:lvl8pPr marL="3657600" lvl="7" indent="-317500">
-              <a:spcBef>
-                <a:spcPts val="0"/>
-              </a:spcBef>
-              <a:spcAft>
-                <a:spcPts val="0"/>
-              </a:spcAft>
-              <a:buSzPts val="1400"/>
-              <a:buFont typeface="Libre Baskerville"/>
-              <a:buChar char="○"/>
-              <a:defRPr>
-                <a:latin typeface="Libre Baskerville"/>
-                <a:ea typeface="Libre Baskerville"/>
-                <a:cs typeface="Libre Baskerville"/>
-                <a:sym typeface="Libre Baskerville"/>
-              </a:defRPr>
-            </a:lvl8pPr>
-            <a:lvl9pPr marL="4114800" lvl="8" indent="-317500">
-              <a:spcBef>
-                <a:spcPts val="0"/>
-              </a:spcBef>
-              <a:spcAft>
-                <a:spcPts val="0"/>
-              </a:spcAft>
-              <a:buSzPts val="1400"/>
-              <a:buFont typeface="Libre Baskerville"/>
-              <a:buChar char="■"/>
-              <a:defRPr>
-                <a:latin typeface="Libre Baskerville"/>
-                <a:ea typeface="Libre Baskerville"/>
-                <a:cs typeface="Libre Baskerville"/>
-                <a:sym typeface="Libre Baskerville"/>
-              </a:defRPr>
-            </a:lvl9pPr>
-          </a:lstStyle>
-          <a:p>
-            <a:endParaRPr/>
-          </a:p>
-        </p:txBody>
-      </p:sp>
-      <p:sp>
-        <p:nvSpPr>
-          <p:cNvPr id="459" name="Google Shape;459;p43"/>
-          <p:cNvSpPr/>
-          <p:nvPr/>
-        </p:nvSpPr>
-        <p:spPr>
-          <a:xfrm rot="5400000">
-            <a:off x="8611250" y="4735800"/>
-            <a:ext cx="321000" cy="494100"/>
-          </a:xfrm>
-          <a:prstGeom prst="round2SameRect">
-            <a:avLst>
-              <a:gd name="adj1" fmla="val 50000"/>
-              <a:gd name="adj2" fmla="val 0"/>
-            </a:avLst>
-          </a:prstGeom>
-          <a:solidFill>
-            <a:schemeClr val="dk1"/>
-          </a:solidFill>
-          <a:ln>
-            <a:noFill/>
-          </a:ln>
-        </p:spPr>
-        <p:txBody>
-          <a:bodyPr spcFirstLastPara="1" wrap="square" lIns="91425" tIns="91425" rIns="91425" bIns="91425" anchor="ctr" anchorCtr="0">
-            <a:noAutofit/>
-          </a:bodyPr>
-          <a:lstStyle/>
-          <a:p>
-            <a:pPr marL="0" lvl="0" indent="0" algn="ctr" rtl="0">
-              <a:spcBef>
-                <a:spcPts val="0"/>
-              </a:spcBef>
-              <a:spcAft>
-                <a:spcPts val="0"/>
-              </a:spcAft>
-              <a:buNone/>
-            </a:pPr>
-            <a:endParaRPr>
-              <a:latin typeface="Roboto"/>
-              <a:ea typeface="Roboto"/>
-              <a:cs typeface="Roboto"/>
-              <a:sym typeface="Roboto"/>
-            </a:endParaRPr>
-          </a:p>
-        </p:txBody>
-      </p:sp>
-      <p:sp>
-        <p:nvSpPr>
-          <p:cNvPr id="460" name="Google Shape;460;p43"/>
-          <p:cNvSpPr txBox="1">
-            <a:spLocks noGrp="1"/>
-          </p:cNvSpPr>
-          <p:nvPr>
-            <p:ph type="sldNum" idx="12"/>
-          </p:nvPr>
-        </p:nvSpPr>
-        <p:spPr>
-          <a:xfrm>
-            <a:off x="8526500" y="4822375"/>
-            <a:ext cx="490500" cy="321000"/>
-          </a:xfrm>
-          <a:prstGeom prst="rect">
-            <a:avLst/>
-          </a:prstGeom>
-        </p:spPr>
-        <p:txBody>
-          <a:bodyPr spcFirstLastPara="1" wrap="square" lIns="91425" tIns="91425" rIns="91425" bIns="91425" anchor="t" anchorCtr="0">
-            <a:noAutofit/>
-          </a:bodyPr>
-          <a:lstStyle>
-            <a:lvl1pPr lvl="0" rtl="0">
-              <a:buNone/>
-              <a:defRPr/>
-            </a:lvl1pPr>
-            <a:lvl2pPr lvl="1" rtl="0">
-              <a:buNone/>
-              <a:defRPr/>
-            </a:lvl2pPr>
-            <a:lvl3pPr lvl="2" rtl="0">
-              <a:buNone/>
-              <a:defRPr/>
-            </a:lvl3pPr>
-            <a:lvl4pPr lvl="3" rtl="0">
-              <a:buNone/>
-              <a:defRPr/>
-            </a:lvl4pPr>
-            <a:lvl5pPr lvl="4" rtl="0">
-              <a:buNone/>
-              <a:defRPr/>
-            </a:lvl5pPr>
-            <a:lvl6pPr lvl="5" rtl="0">
-              <a:buNone/>
-              <a:defRPr/>
-            </a:lvl6pPr>
-            <a:lvl7pPr lvl="6" rtl="0">
-              <a:buNone/>
-              <a:defRPr/>
-            </a:lvl7pPr>
-            <a:lvl8pPr lvl="7" rtl="0">
-              <a:buNone/>
-              <a:defRPr/>
-            </a:lvl8pPr>
-            <a:lvl9pPr lvl="8" rtl="0">
-              <a:buNone/>
-              <a:defRPr/>
-            </a:lvl9pPr>
-          </a:lstStyle>
-          <a:p>
-            <a:pPr marL="0" lvl="0" indent="0" algn="ctr" rtl="0">
-              <a:spcBef>
-                <a:spcPts val="0"/>
-              </a:spcBef>
-              <a:spcAft>
-                <a:spcPts val="0"/>
-              </a:spcAft>
-              <a:buNone/>
-            </a:pPr>
-            <a:fld id="{00000000-1234-1234-1234-123412341234}" type="slidenum">
-              <a:rPr lang="en"/>
-              <a:t>‹#›</a:t>
-            </a:fld>
-            <a:endParaRPr/>
-          </a:p>
-        </p:txBody>
-      </p:sp>
-    </p:spTree>
-  </p:cSld>
-  <p:clrMapOvr>
-    <a:masterClrMapping/>
-  </p:clrMapOvr>
-</p:sldLayout>
-</file>
-
-<file path=ppt/slideLayouts/slideLayout41.xml><?xml version="1.0" encoding="utf-8"?>
 <p:sldLayout xmlns:a="http://schemas.openxmlformats.org/drawingml/2006/main" xmlns:r="http://schemas.openxmlformats.org/officeDocument/2006/relationships" xmlns:p="http://schemas.openxmlformats.org/presentationml/2006/main" matchingName="Title and Text">
   <p:cSld name="CUSTOM_8">
     <p:bg>
@@ -39922,7 +38744,7 @@
 </p:sldLayout>
 </file>
 
-<file path=ppt/slideLayouts/slideLayout42.xml><?xml version="1.0" encoding="utf-8"?>
+<file path=ppt/slideLayouts/slideLayout41.xml><?xml version="1.0" encoding="utf-8"?>
 <p:sldLayout xmlns:a="http://schemas.openxmlformats.org/drawingml/2006/main" xmlns:r="http://schemas.openxmlformats.org/officeDocument/2006/relationships" xmlns:p="http://schemas.openxmlformats.org/presentationml/2006/main" matchingName="Quote">
   <p:cSld name="CUSTOM_2">
     <p:spTree>
@@ -40821,7 +39643,7 @@
 </p:sldLayout>
 </file>
 
-<file path=ppt/slideLayouts/slideLayout43.xml><?xml version="1.0" encoding="utf-8"?>
+<file path=ppt/slideLayouts/slideLayout42.xml><?xml version="1.0" encoding="utf-8"?>
 <p:sldLayout xmlns:a="http://schemas.openxmlformats.org/drawingml/2006/main" xmlns:r="http://schemas.openxmlformats.org/officeDocument/2006/relationships" xmlns:p="http://schemas.openxmlformats.org/presentationml/2006/main" matchingName="Thank You" type="blank">
   <p:cSld name="BLANK">
     <p:spTree>
@@ -41068,7 +39890,7 @@
 </p:sldLayout>
 </file>
 
-<file path=ppt/slideLayouts/slideLayout44.xml><?xml version="1.0" encoding="utf-8"?>
+<file path=ppt/slideLayouts/slideLayout43.xml><?xml version="1.0" encoding="utf-8"?>
 <p:sldLayout xmlns:a="http://schemas.openxmlformats.org/drawingml/2006/main" xmlns:r="http://schemas.openxmlformats.org/officeDocument/2006/relationships" xmlns:p="http://schemas.openxmlformats.org/presentationml/2006/main" matchingName="Scope">
   <p:cSld name="CUSTOM_9">
     <p:spTree>
@@ -42124,7 +40946,7 @@
 </p:sldLayout>
 </file>
 
-<file path=ppt/slideLayouts/slideLayout45.xml><?xml version="1.0" encoding="utf-8"?>
+<file path=ppt/slideLayouts/slideLayout44.xml><?xml version="1.0" encoding="utf-8"?>
 <p:sldLayout xmlns:a="http://schemas.openxmlformats.org/drawingml/2006/main" xmlns:r="http://schemas.openxmlformats.org/officeDocument/2006/relationships" xmlns:p="http://schemas.openxmlformats.org/presentationml/2006/main" matchingName="Action">
   <p:cSld name="CUSTOM_9_2">
     <p:bg>
@@ -44014,7 +42836,7 @@
 </p:sldLayout>
 </file>
 
-<file path=ppt/slideLayouts/slideLayout46.xml><?xml version="1.0" encoding="utf-8"?>
+<file path=ppt/slideLayouts/slideLayout45.xml><?xml version="1.0" encoding="utf-8"?>
 <p:sldLayout xmlns:a="http://schemas.openxmlformats.org/drawingml/2006/main" xmlns:r="http://schemas.openxmlformats.org/officeDocument/2006/relationships" xmlns:p="http://schemas.openxmlformats.org/presentationml/2006/main" matchingName="Tasks">
   <p:cSld name="CUSTOM_9_1_1">
     <p:spTree>
@@ -47509,29 +46331,28 @@
     <p:sldLayoutId id="2147483668" r:id="rId21"/>
     <p:sldLayoutId id="2147483669" r:id="rId22"/>
     <p:sldLayoutId id="2147483670" r:id="rId23"/>
-    <p:sldLayoutId id="2147483671" r:id="rId24"/>
-    <p:sldLayoutId id="2147483672" r:id="rId25"/>
-    <p:sldLayoutId id="2147483674" r:id="rId26"/>
-    <p:sldLayoutId id="2147483675" r:id="rId27"/>
-    <p:sldLayoutId id="2147483676" r:id="rId28"/>
-    <p:sldLayoutId id="2147483677" r:id="rId29"/>
-    <p:sldLayoutId id="2147483678" r:id="rId30"/>
-    <p:sldLayoutId id="2147483679" r:id="rId31"/>
-    <p:sldLayoutId id="2147483681" r:id="rId32"/>
-    <p:sldLayoutId id="2147483682" r:id="rId33"/>
-    <p:sldLayoutId id="2147483683" r:id="rId34"/>
-    <p:sldLayoutId id="2147483684" r:id="rId35"/>
-    <p:sldLayoutId id="2147483685" r:id="rId36"/>
-    <p:sldLayoutId id="2147483686" r:id="rId37"/>
-    <p:sldLayoutId id="2147483687" r:id="rId38"/>
-    <p:sldLayoutId id="2147483688" r:id="rId39"/>
-    <p:sldLayoutId id="2147483689" r:id="rId40"/>
-    <p:sldLayoutId id="2147483690" r:id="rId41"/>
-    <p:sldLayoutId id="2147483691" r:id="rId42"/>
-    <p:sldLayoutId id="2147483692" r:id="rId43"/>
-    <p:sldLayoutId id="2147483693" r:id="rId44"/>
-    <p:sldLayoutId id="2147483694" r:id="rId45"/>
-    <p:sldLayoutId id="2147483695" r:id="rId46"/>
+    <p:sldLayoutId id="2147483672" r:id="rId24"/>
+    <p:sldLayoutId id="2147483674" r:id="rId25"/>
+    <p:sldLayoutId id="2147483675" r:id="rId26"/>
+    <p:sldLayoutId id="2147483676" r:id="rId27"/>
+    <p:sldLayoutId id="2147483677" r:id="rId28"/>
+    <p:sldLayoutId id="2147483678" r:id="rId29"/>
+    <p:sldLayoutId id="2147483679" r:id="rId30"/>
+    <p:sldLayoutId id="2147483681" r:id="rId31"/>
+    <p:sldLayoutId id="2147483682" r:id="rId32"/>
+    <p:sldLayoutId id="2147483683" r:id="rId33"/>
+    <p:sldLayoutId id="2147483684" r:id="rId34"/>
+    <p:sldLayoutId id="2147483685" r:id="rId35"/>
+    <p:sldLayoutId id="2147483686" r:id="rId36"/>
+    <p:sldLayoutId id="2147483687" r:id="rId37"/>
+    <p:sldLayoutId id="2147483688" r:id="rId38"/>
+    <p:sldLayoutId id="2147483689" r:id="rId39"/>
+    <p:sldLayoutId id="2147483690" r:id="rId40"/>
+    <p:sldLayoutId id="2147483691" r:id="rId41"/>
+    <p:sldLayoutId id="2147483692" r:id="rId42"/>
+    <p:sldLayoutId id="2147483693" r:id="rId43"/>
+    <p:sldLayoutId id="2147483694" r:id="rId44"/>
+    <p:sldLayoutId id="2147483695" r:id="rId45"/>
   </p:sldLayoutIdLst>
   <p:hf sldNum="0" hdr="0" ftr="0" dt="0"/>
   <p:txStyles>
@@ -48446,15 +47267,15 @@
               <a:buNone/>
             </a:pPr>
             <a:r>
-              <a:rPr lang="en" sz="1800">
+              <a:rPr lang="en" sz="1800" dirty="0">
                 <a:latin typeface="Roboto"/>
                 <a:ea typeface="Roboto"/>
                 <a:cs typeface="Roboto"/>
                 <a:sym typeface="Roboto"/>
               </a:rPr>
-              <a:t>2020 Census Inequality:</a:t>
+              <a:t>Census Income Inequality</a:t>
             </a:r>
-            <a:endParaRPr sz="1800">
+            <a:endParaRPr sz="1800" dirty="0">
               <a:latin typeface="Roboto"/>
               <a:ea typeface="Roboto"/>
               <a:cs typeface="Roboto"/>
@@ -48474,7 +47295,7 @@
               </a:spcAft>
               <a:buNone/>
             </a:pPr>
-            <a:endParaRPr sz="1500">
+            <a:endParaRPr sz="1500" dirty="0">
               <a:latin typeface="Roboto"/>
               <a:ea typeface="Roboto"/>
               <a:cs typeface="Roboto"/>
@@ -49017,8 +47838,8 @@
         </p:nvSpPr>
         <p:spPr>
           <a:xfrm>
-            <a:off x="69338" y="2296925"/>
-            <a:ext cx="2108100" cy="314100"/>
+            <a:off x="1281610" y="1465651"/>
+            <a:ext cx="6075154" cy="2801549"/>
           </a:xfrm>
           <a:prstGeom prst="rect">
             <a:avLst/>
@@ -49034,7 +47855,7 @@
           </a:bodyPr>
           <a:lstStyle/>
           <a:p>
-            <a:pPr marL="0" lvl="0" indent="0" algn="ctr" rtl="0">
+            <a:pPr marL="0" lvl="0" indent="0" rtl="0">
               <a:spcBef>
                 <a:spcPts val="0"/>
               </a:spcBef>
@@ -49044,7 +47865,7 @@
               <a:buNone/>
             </a:pPr>
             <a:r>
-              <a:rPr lang="en" sz="800" b="1">
+              <a:rPr lang="en-US" sz="1800" b="1" dirty="0">
                 <a:solidFill>
                   <a:schemeClr val="dk1"/>
                 </a:solidFill>
@@ -49053,9 +47874,20 @@
                 <a:cs typeface="Roboto"/>
                 <a:sym typeface="Roboto"/>
               </a:rPr>
-              <a:t>income</a:t>
+              <a:t>Feature Changes:</a:t>
             </a:r>
-            <a:endParaRPr sz="800" b="1">
+          </a:p>
+          <a:p>
+            <a:pPr marL="0" lvl="0" indent="0" rtl="0">
+              <a:spcBef>
+                <a:spcPts val="0"/>
+              </a:spcBef>
+              <a:spcAft>
+                <a:spcPts val="0"/>
+              </a:spcAft>
+              <a:buNone/>
+            </a:pPr>
+            <a:endParaRPr lang="en-US" sz="1800" b="1" dirty="0">
               <a:solidFill>
                 <a:schemeClr val="dk1"/>
               </a:solidFill>
@@ -49066,7 +47898,7 @@
             </a:endParaRPr>
           </a:p>
           <a:p>
-            <a:pPr marL="0" lvl="0" indent="0" algn="ctr" rtl="0">
+            <a:pPr marL="0" lvl="0" indent="0" rtl="0">
               <a:spcBef>
                 <a:spcPts val="0"/>
               </a:spcBef>
@@ -49075,7 +47907,30 @@
               </a:spcAft>
               <a:buNone/>
             </a:pPr>
-            <a:endParaRPr>
+            <a:r>
+              <a:rPr lang="en-US" sz="1800" dirty="0">
+                <a:solidFill>
+                  <a:schemeClr val="dk1"/>
+                </a:solidFill>
+                <a:latin typeface="Roboto"/>
+                <a:ea typeface="Roboto"/>
+                <a:cs typeface="Roboto"/>
+                <a:sym typeface="Roboto"/>
+              </a:rPr>
+              <a:t>Dropped the following features from the dataset:</a:t>
+            </a:r>
+          </a:p>
+          <a:p>
+            <a:pPr marL="0" lvl="0" indent="0" rtl="0">
+              <a:spcBef>
+                <a:spcPts val="0"/>
+              </a:spcBef>
+              <a:spcAft>
+                <a:spcPts val="0"/>
+              </a:spcAft>
+              <a:buNone/>
+            </a:pPr>
+            <a:endParaRPr lang="en-US" sz="1800" b="1" dirty="0">
               <a:solidFill>
                 <a:schemeClr val="dk1"/>
               </a:solidFill>
@@ -49085,44 +47940,19 @@
               <a:sym typeface="Roboto"/>
             </a:endParaRPr>
           </a:p>
-        </p:txBody>
-      </p:sp>
-      <p:sp>
-        <p:nvSpPr>
-          <p:cNvPr id="648" name="Google Shape;648;p59"/>
-          <p:cNvSpPr txBox="1"/>
-          <p:nvPr/>
-        </p:nvSpPr>
-        <p:spPr>
-          <a:xfrm>
-            <a:off x="2307394" y="2296925"/>
-            <a:ext cx="2057400" cy="314100"/>
-          </a:xfrm>
-          <a:prstGeom prst="rect">
-            <a:avLst/>
-          </a:prstGeom>
-          <a:noFill/>
-          <a:ln>
-            <a:noFill/>
-          </a:ln>
-        </p:spPr>
-        <p:txBody>
-          <a:bodyPr spcFirstLastPara="1" wrap="square" lIns="91425" tIns="91425" rIns="91425" bIns="91425" anchor="t" anchorCtr="0">
-            <a:noAutofit/>
-          </a:bodyPr>
-          <a:lstStyle/>
-          <a:p>
-            <a:pPr marL="0" lvl="0" indent="0" algn="ctr" rtl="0">
-              <a:spcBef>
-                <a:spcPts val="0"/>
-              </a:spcBef>
-              <a:spcAft>
-                <a:spcPts val="0"/>
-              </a:spcAft>
-              <a:buNone/>
+          <a:p>
+            <a:pPr marL="171450" lvl="0" indent="-171450" rtl="0">
+              <a:spcBef>
+                <a:spcPts val="0"/>
+              </a:spcBef>
+              <a:spcAft>
+                <a:spcPts val="0"/>
+              </a:spcAft>
+              <a:buFont typeface="Arial" panose="020B0604020202020204" pitchFamily="34" charset="0"/>
+              <a:buChar char="•"/>
             </a:pPr>
             <a:r>
-              <a:rPr lang="en" sz="800" b="1">
+              <a:rPr lang="en-US" sz="1800" b="1" dirty="0">
                 <a:solidFill>
                   <a:schemeClr val="dk1"/>
                 </a:solidFill>
@@ -49131,9 +47961,92 @@
                 <a:cs typeface="Roboto"/>
                 <a:sym typeface="Roboto"/>
               </a:rPr>
-              <a:t>age</a:t>
+              <a:t>Native Country</a:t>
             </a:r>
-            <a:endParaRPr sz="800" b="1">
+          </a:p>
+          <a:p>
+            <a:pPr marL="171450" lvl="0" indent="-171450" rtl="0">
+              <a:spcBef>
+                <a:spcPts val="0"/>
+              </a:spcBef>
+              <a:spcAft>
+                <a:spcPts val="0"/>
+              </a:spcAft>
+              <a:buFont typeface="Arial" panose="020B0604020202020204" pitchFamily="34" charset="0"/>
+              <a:buChar char="•"/>
+            </a:pPr>
+            <a:r>
+              <a:rPr lang="en-US" sz="1800" b="1" dirty="0">
+                <a:solidFill>
+                  <a:schemeClr val="dk1"/>
+                </a:solidFill>
+                <a:latin typeface="Roboto"/>
+                <a:ea typeface="Roboto"/>
+                <a:cs typeface="Roboto"/>
+                <a:sym typeface="Roboto"/>
+              </a:rPr>
+              <a:t>Capital Gain</a:t>
+            </a:r>
+          </a:p>
+          <a:p>
+            <a:pPr marL="171450" lvl="0" indent="-171450" rtl="0">
+              <a:spcBef>
+                <a:spcPts val="0"/>
+              </a:spcBef>
+              <a:spcAft>
+                <a:spcPts val="0"/>
+              </a:spcAft>
+              <a:buFont typeface="Arial" panose="020B0604020202020204" pitchFamily="34" charset="0"/>
+              <a:buChar char="•"/>
+            </a:pPr>
+            <a:r>
+              <a:rPr lang="en-US" sz="1800" b="1" dirty="0">
+                <a:solidFill>
+                  <a:schemeClr val="dk1"/>
+                </a:solidFill>
+                <a:latin typeface="Roboto"/>
+                <a:ea typeface="Roboto"/>
+                <a:cs typeface="Roboto"/>
+                <a:sym typeface="Roboto"/>
+              </a:rPr>
+              <a:t>Capital Loss</a:t>
+            </a:r>
+          </a:p>
+          <a:p>
+            <a:pPr marL="171450" lvl="0" indent="-171450" rtl="0">
+              <a:spcBef>
+                <a:spcPts val="0"/>
+              </a:spcBef>
+              <a:spcAft>
+                <a:spcPts val="0"/>
+              </a:spcAft>
+              <a:buFont typeface="Arial" panose="020B0604020202020204" pitchFamily="34" charset="0"/>
+              <a:buChar char="•"/>
+            </a:pPr>
+            <a:r>
+              <a:rPr lang="en-US" sz="1800" b="1" dirty="0">
+                <a:solidFill>
+                  <a:schemeClr val="dk1"/>
+                </a:solidFill>
+                <a:latin typeface="Roboto"/>
+                <a:ea typeface="Roboto"/>
+                <a:cs typeface="Roboto"/>
+                <a:sym typeface="Roboto"/>
+              </a:rPr>
+              <a:t>Education</a:t>
+            </a:r>
+            <a:br>
+              <a:rPr lang="en-US" sz="1800" b="1" dirty="0">
+                <a:solidFill>
+                  <a:schemeClr val="dk1"/>
+                </a:solidFill>
+                <a:latin typeface="Roboto"/>
+                <a:ea typeface="Roboto"/>
+                <a:cs typeface="Roboto"/>
+                <a:sym typeface="Roboto"/>
+              </a:rPr>
+            </a:br>
+            <a:endParaRPr sz="1800" b="1" dirty="0">
               <a:solidFill>
                 <a:schemeClr val="dk1"/>
               </a:solidFill>
@@ -49153,7 +48066,7 @@
               </a:spcAft>
               <a:buNone/>
             </a:pPr>
-            <a:endParaRPr>
+            <a:endParaRPr dirty="0">
               <a:solidFill>
                 <a:schemeClr val="dk1"/>
               </a:solidFill>
@@ -49167,508 +48080,6 @@
       </p:sp>
       <p:sp>
         <p:nvSpPr>
-          <p:cNvPr id="649" name="Google Shape;649;p59"/>
-          <p:cNvSpPr txBox="1"/>
-          <p:nvPr/>
-        </p:nvSpPr>
-        <p:spPr>
-          <a:xfrm>
-            <a:off x="4540957" y="2296925"/>
-            <a:ext cx="2057400" cy="314100"/>
-          </a:xfrm>
-          <a:prstGeom prst="rect">
-            <a:avLst/>
-          </a:prstGeom>
-          <a:noFill/>
-          <a:ln>
-            <a:noFill/>
-          </a:ln>
-        </p:spPr>
-        <p:txBody>
-          <a:bodyPr spcFirstLastPara="1" wrap="square" lIns="91425" tIns="91425" rIns="91425" bIns="91425" anchor="t" anchorCtr="0">
-            <a:noAutofit/>
-          </a:bodyPr>
-          <a:lstStyle/>
-          <a:p>
-            <a:pPr marL="0" lvl="0" indent="0" algn="ctr" rtl="0">
-              <a:spcBef>
-                <a:spcPts val="0"/>
-              </a:spcBef>
-              <a:spcAft>
-                <a:spcPts val="0"/>
-              </a:spcAft>
-              <a:buNone/>
-            </a:pPr>
-            <a:r>
-              <a:rPr lang="en" sz="800" b="1">
-                <a:solidFill>
-                  <a:schemeClr val="dk1"/>
-                </a:solidFill>
-                <a:latin typeface="Roboto"/>
-                <a:ea typeface="Roboto"/>
-                <a:cs typeface="Roboto"/>
-                <a:sym typeface="Roboto"/>
-              </a:rPr>
-              <a:t>fnlwgt</a:t>
-            </a:r>
-            <a:endParaRPr sz="800" b="1">
-              <a:solidFill>
-                <a:schemeClr val="dk1"/>
-              </a:solidFill>
-              <a:latin typeface="Roboto"/>
-              <a:ea typeface="Roboto"/>
-              <a:cs typeface="Roboto"/>
-              <a:sym typeface="Roboto"/>
-            </a:endParaRPr>
-          </a:p>
-          <a:p>
-            <a:pPr marL="0" lvl="0" indent="0" algn="ctr" rtl="0">
-              <a:spcBef>
-                <a:spcPts val="0"/>
-              </a:spcBef>
-              <a:spcAft>
-                <a:spcPts val="0"/>
-              </a:spcAft>
-              <a:buNone/>
-            </a:pPr>
-            <a:endParaRPr>
-              <a:solidFill>
-                <a:schemeClr val="dk1"/>
-              </a:solidFill>
-              <a:latin typeface="Roboto"/>
-              <a:ea typeface="Roboto"/>
-              <a:cs typeface="Roboto"/>
-              <a:sym typeface="Roboto"/>
-            </a:endParaRPr>
-          </a:p>
-        </p:txBody>
-      </p:sp>
-      <p:sp>
-        <p:nvSpPr>
-          <p:cNvPr id="650" name="Google Shape;650;p59"/>
-          <p:cNvSpPr txBox="1"/>
-          <p:nvPr/>
-        </p:nvSpPr>
-        <p:spPr>
-          <a:xfrm>
-            <a:off x="6809069" y="2296925"/>
-            <a:ext cx="2057400" cy="314100"/>
-          </a:xfrm>
-          <a:prstGeom prst="rect">
-            <a:avLst/>
-          </a:prstGeom>
-          <a:noFill/>
-          <a:ln>
-            <a:noFill/>
-          </a:ln>
-        </p:spPr>
-        <p:txBody>
-          <a:bodyPr spcFirstLastPara="1" wrap="square" lIns="91425" tIns="91425" rIns="91425" bIns="91425" anchor="t" anchorCtr="0">
-            <a:noAutofit/>
-          </a:bodyPr>
-          <a:lstStyle/>
-          <a:p>
-            <a:pPr marL="0" lvl="0" indent="0" algn="ctr" rtl="0">
-              <a:spcBef>
-                <a:spcPts val="0"/>
-              </a:spcBef>
-              <a:spcAft>
-                <a:spcPts val="0"/>
-              </a:spcAft>
-              <a:buNone/>
-            </a:pPr>
-            <a:r>
-              <a:rPr lang="en" sz="800" b="1">
-                <a:solidFill>
-                  <a:schemeClr val="dk1"/>
-                </a:solidFill>
-                <a:latin typeface="Roboto"/>
-                <a:ea typeface="Roboto"/>
-                <a:cs typeface="Roboto"/>
-                <a:sym typeface="Roboto"/>
-              </a:rPr>
-              <a:t>education_num</a:t>
-            </a:r>
-            <a:endParaRPr sz="800" b="1">
-              <a:solidFill>
-                <a:schemeClr val="dk1"/>
-              </a:solidFill>
-              <a:latin typeface="Roboto"/>
-              <a:ea typeface="Roboto"/>
-              <a:cs typeface="Roboto"/>
-              <a:sym typeface="Roboto"/>
-            </a:endParaRPr>
-          </a:p>
-          <a:p>
-            <a:pPr marL="0" lvl="0" indent="0" algn="ctr" rtl="0">
-              <a:spcBef>
-                <a:spcPts val="0"/>
-              </a:spcBef>
-              <a:spcAft>
-                <a:spcPts val="0"/>
-              </a:spcAft>
-              <a:buNone/>
-            </a:pPr>
-            <a:endParaRPr>
-              <a:solidFill>
-                <a:schemeClr val="dk1"/>
-              </a:solidFill>
-              <a:latin typeface="Roboto"/>
-              <a:ea typeface="Roboto"/>
-              <a:cs typeface="Roboto"/>
-              <a:sym typeface="Roboto"/>
-            </a:endParaRPr>
-          </a:p>
-        </p:txBody>
-      </p:sp>
-      <p:sp>
-        <p:nvSpPr>
-          <p:cNvPr id="651" name="Google Shape;651;p59"/>
-          <p:cNvSpPr txBox="1"/>
-          <p:nvPr/>
-        </p:nvSpPr>
-        <p:spPr>
-          <a:xfrm>
-            <a:off x="69338" y="4422825"/>
-            <a:ext cx="2057400" cy="314100"/>
-          </a:xfrm>
-          <a:prstGeom prst="rect">
-            <a:avLst/>
-          </a:prstGeom>
-          <a:noFill/>
-          <a:ln>
-            <a:noFill/>
-          </a:ln>
-        </p:spPr>
-        <p:txBody>
-          <a:bodyPr spcFirstLastPara="1" wrap="square" lIns="91425" tIns="91425" rIns="91425" bIns="91425" anchor="t" anchorCtr="0">
-            <a:noAutofit/>
-          </a:bodyPr>
-          <a:lstStyle/>
-          <a:p>
-            <a:pPr marL="0" lvl="0" indent="0" algn="ctr" rtl="0">
-              <a:spcBef>
-                <a:spcPts val="0"/>
-              </a:spcBef>
-              <a:spcAft>
-                <a:spcPts val="0"/>
-              </a:spcAft>
-              <a:buNone/>
-            </a:pPr>
-            <a:r>
-              <a:rPr lang="en" sz="800" b="1">
-                <a:solidFill>
-                  <a:schemeClr val="dk1"/>
-                </a:solidFill>
-                <a:latin typeface="Roboto"/>
-                <a:ea typeface="Roboto"/>
-                <a:cs typeface="Roboto"/>
-                <a:sym typeface="Roboto"/>
-              </a:rPr>
-              <a:t>capital_gain</a:t>
-            </a:r>
-            <a:endParaRPr sz="800" b="1">
-              <a:solidFill>
-                <a:schemeClr val="dk1"/>
-              </a:solidFill>
-              <a:latin typeface="Roboto"/>
-              <a:ea typeface="Roboto"/>
-              <a:cs typeface="Roboto"/>
-              <a:sym typeface="Roboto"/>
-            </a:endParaRPr>
-          </a:p>
-          <a:p>
-            <a:pPr marL="0" lvl="0" indent="0" algn="ctr" rtl="0">
-              <a:spcBef>
-                <a:spcPts val="0"/>
-              </a:spcBef>
-              <a:spcAft>
-                <a:spcPts val="0"/>
-              </a:spcAft>
-              <a:buNone/>
-            </a:pPr>
-            <a:endParaRPr>
-              <a:solidFill>
-                <a:schemeClr val="dk1"/>
-              </a:solidFill>
-              <a:latin typeface="Roboto"/>
-              <a:ea typeface="Roboto"/>
-              <a:cs typeface="Roboto"/>
-              <a:sym typeface="Roboto"/>
-            </a:endParaRPr>
-          </a:p>
-        </p:txBody>
-      </p:sp>
-      <p:sp>
-        <p:nvSpPr>
-          <p:cNvPr id="652" name="Google Shape;652;p59"/>
-          <p:cNvSpPr txBox="1"/>
-          <p:nvPr/>
-        </p:nvSpPr>
-        <p:spPr>
-          <a:xfrm>
-            <a:off x="2307394" y="4422825"/>
-            <a:ext cx="2057400" cy="314100"/>
-          </a:xfrm>
-          <a:prstGeom prst="rect">
-            <a:avLst/>
-          </a:prstGeom>
-          <a:noFill/>
-          <a:ln>
-            <a:noFill/>
-          </a:ln>
-        </p:spPr>
-        <p:txBody>
-          <a:bodyPr spcFirstLastPara="1" wrap="square" lIns="91425" tIns="91425" rIns="91425" bIns="91425" anchor="t" anchorCtr="0">
-            <a:noAutofit/>
-          </a:bodyPr>
-          <a:lstStyle/>
-          <a:p>
-            <a:pPr marL="0" lvl="0" indent="0" algn="ctr" rtl="0">
-              <a:spcBef>
-                <a:spcPts val="0"/>
-              </a:spcBef>
-              <a:spcAft>
-                <a:spcPts val="0"/>
-              </a:spcAft>
-              <a:buNone/>
-            </a:pPr>
-            <a:r>
-              <a:rPr lang="en" sz="800" b="1">
-                <a:solidFill>
-                  <a:schemeClr val="dk1"/>
-                </a:solidFill>
-                <a:latin typeface="Roboto"/>
-                <a:ea typeface="Roboto"/>
-                <a:cs typeface="Roboto"/>
-                <a:sym typeface="Roboto"/>
-              </a:rPr>
-              <a:t>capital_loss</a:t>
-            </a:r>
-            <a:endParaRPr sz="800" b="1">
-              <a:solidFill>
-                <a:schemeClr val="dk1"/>
-              </a:solidFill>
-              <a:latin typeface="Roboto"/>
-              <a:ea typeface="Roboto"/>
-              <a:cs typeface="Roboto"/>
-              <a:sym typeface="Roboto"/>
-            </a:endParaRPr>
-          </a:p>
-          <a:p>
-            <a:pPr marL="0" lvl="0" indent="0" algn="ctr" rtl="0">
-              <a:spcBef>
-                <a:spcPts val="0"/>
-              </a:spcBef>
-              <a:spcAft>
-                <a:spcPts val="0"/>
-              </a:spcAft>
-              <a:buNone/>
-            </a:pPr>
-            <a:endParaRPr>
-              <a:solidFill>
-                <a:schemeClr val="dk1"/>
-              </a:solidFill>
-              <a:latin typeface="Roboto"/>
-              <a:ea typeface="Roboto"/>
-              <a:cs typeface="Roboto"/>
-              <a:sym typeface="Roboto"/>
-            </a:endParaRPr>
-          </a:p>
-        </p:txBody>
-      </p:sp>
-      <p:sp>
-        <p:nvSpPr>
-          <p:cNvPr id="653" name="Google Shape;653;p59"/>
-          <p:cNvSpPr txBox="1"/>
-          <p:nvPr/>
-        </p:nvSpPr>
-        <p:spPr>
-          <a:xfrm>
-            <a:off x="4540957" y="4422825"/>
-            <a:ext cx="2057400" cy="314100"/>
-          </a:xfrm>
-          <a:prstGeom prst="rect">
-            <a:avLst/>
-          </a:prstGeom>
-          <a:noFill/>
-          <a:ln>
-            <a:noFill/>
-          </a:ln>
-        </p:spPr>
-        <p:txBody>
-          <a:bodyPr spcFirstLastPara="1" wrap="square" lIns="91425" tIns="91425" rIns="91425" bIns="91425" anchor="t" anchorCtr="0">
-            <a:noAutofit/>
-          </a:bodyPr>
-          <a:lstStyle/>
-          <a:p>
-            <a:pPr marL="0" lvl="0" indent="0" algn="ctr" rtl="0">
-              <a:spcBef>
-                <a:spcPts val="0"/>
-              </a:spcBef>
-              <a:spcAft>
-                <a:spcPts val="0"/>
-              </a:spcAft>
-              <a:buNone/>
-            </a:pPr>
-            <a:r>
-              <a:rPr lang="en" sz="800" b="1">
-                <a:solidFill>
-                  <a:schemeClr val="dk1"/>
-                </a:solidFill>
-                <a:latin typeface="Roboto"/>
-                <a:ea typeface="Roboto"/>
-                <a:cs typeface="Roboto"/>
-                <a:sym typeface="Roboto"/>
-              </a:rPr>
-              <a:t>hours_per_week</a:t>
-            </a:r>
-            <a:endParaRPr sz="800" b="1">
-              <a:solidFill>
-                <a:schemeClr val="dk1"/>
-              </a:solidFill>
-              <a:latin typeface="Roboto"/>
-              <a:ea typeface="Roboto"/>
-              <a:cs typeface="Roboto"/>
-              <a:sym typeface="Roboto"/>
-            </a:endParaRPr>
-          </a:p>
-          <a:p>
-            <a:pPr marL="0" lvl="0" indent="0" algn="ctr" rtl="0">
-              <a:spcBef>
-                <a:spcPts val="0"/>
-              </a:spcBef>
-              <a:spcAft>
-                <a:spcPts val="0"/>
-              </a:spcAft>
-              <a:buNone/>
-            </a:pPr>
-            <a:endParaRPr>
-              <a:solidFill>
-                <a:schemeClr val="dk1"/>
-              </a:solidFill>
-              <a:latin typeface="Roboto"/>
-              <a:ea typeface="Roboto"/>
-              <a:cs typeface="Roboto"/>
-              <a:sym typeface="Roboto"/>
-            </a:endParaRPr>
-          </a:p>
-        </p:txBody>
-      </p:sp>
-      <p:pic>
-        <p:nvPicPr>
-          <p:cNvPr id="654" name="Google Shape;654;p59"/>
-          <p:cNvPicPr preferRelativeResize="0"/>
-          <p:nvPr/>
-        </p:nvPicPr>
-        <p:blipFill>
-          <a:blip r:embed="rId3">
-            <a:alphaModFix/>
-          </a:blip>
-          <a:stretch>
-            <a:fillRect/>
-          </a:stretch>
-        </p:blipFill>
-        <p:spPr>
-          <a:xfrm>
-            <a:off x="69338" y="685800"/>
-            <a:ext cx="2057400" cy="1600200"/>
-          </a:xfrm>
-          <a:prstGeom prst="rect">
-            <a:avLst/>
-          </a:prstGeom>
-          <a:noFill/>
-          <a:ln>
-            <a:noFill/>
-          </a:ln>
-        </p:spPr>
-      </p:pic>
-      <p:pic>
-        <p:nvPicPr>
-          <p:cNvPr id="655" name="Google Shape;655;p59"/>
-          <p:cNvPicPr preferRelativeResize="0"/>
-          <p:nvPr/>
-        </p:nvPicPr>
-        <p:blipFill>
-          <a:blip r:embed="rId4">
-            <a:alphaModFix/>
-          </a:blip>
-          <a:stretch>
-            <a:fillRect/>
-          </a:stretch>
-        </p:blipFill>
-        <p:spPr>
-          <a:xfrm>
-            <a:off x="2307394" y="685800"/>
-            <a:ext cx="2057400" cy="1600200"/>
-          </a:xfrm>
-          <a:prstGeom prst="rect">
-            <a:avLst/>
-          </a:prstGeom>
-          <a:noFill/>
-          <a:ln>
-            <a:noFill/>
-          </a:ln>
-        </p:spPr>
-      </p:pic>
-      <p:pic>
-        <p:nvPicPr>
-          <p:cNvPr id="656" name="Google Shape;656;p59"/>
-          <p:cNvPicPr preferRelativeResize="0"/>
-          <p:nvPr/>
-        </p:nvPicPr>
-        <p:blipFill>
-          <a:blip r:embed="rId5">
-            <a:alphaModFix/>
-          </a:blip>
-          <a:stretch>
-            <a:fillRect/>
-          </a:stretch>
-        </p:blipFill>
-        <p:spPr>
-          <a:xfrm>
-            <a:off x="4540957" y="685800"/>
-            <a:ext cx="2057400" cy="1600200"/>
-          </a:xfrm>
-          <a:prstGeom prst="rect">
-            <a:avLst/>
-          </a:prstGeom>
-          <a:noFill/>
-          <a:ln>
-            <a:noFill/>
-          </a:ln>
-        </p:spPr>
-      </p:pic>
-      <p:pic>
-        <p:nvPicPr>
-          <p:cNvPr id="657" name="Google Shape;657;p59"/>
-          <p:cNvPicPr preferRelativeResize="0"/>
-          <p:nvPr/>
-        </p:nvPicPr>
-        <p:blipFill>
-          <a:blip r:embed="rId6">
-            <a:alphaModFix/>
-          </a:blip>
-          <a:stretch>
-            <a:fillRect/>
-          </a:stretch>
-        </p:blipFill>
-        <p:spPr>
-          <a:xfrm>
-            <a:off x="6809069" y="685800"/>
-            <a:ext cx="2057400" cy="1600200"/>
-          </a:xfrm>
-          <a:prstGeom prst="rect">
-            <a:avLst/>
-          </a:prstGeom>
-          <a:noFill/>
-          <a:ln>
-            <a:noFill/>
-          </a:ln>
-        </p:spPr>
-      </p:pic>
-      <p:sp>
-        <p:nvSpPr>
           <p:cNvPr id="658" name="Google Shape;658;p59"/>
           <p:cNvSpPr txBox="1">
             <a:spLocks noGrp="1"/>
@@ -49702,98 +48113,19 @@
               <a:buNone/>
             </a:pPr>
             <a:r>
-              <a:rPr lang="en" sz="3000"/>
-              <a:t>Preprocessing Analysis</a:t>
+              <a:rPr lang="en" sz="3000" dirty="0"/>
+              <a:t>Preprocessing Analysis </a:t>
             </a:r>
-            <a:endParaRPr sz="3000"/>
+            <a:endParaRPr sz="3000" dirty="0"/>
           </a:p>
         </p:txBody>
       </p:sp>
-      <p:pic>
-        <p:nvPicPr>
-          <p:cNvPr id="659" name="Google Shape;659;p59"/>
-          <p:cNvPicPr preferRelativeResize="0"/>
-          <p:nvPr/>
-        </p:nvPicPr>
-        <p:blipFill>
-          <a:blip r:embed="rId7">
-            <a:alphaModFix/>
-          </a:blip>
-          <a:stretch>
-            <a:fillRect/>
-          </a:stretch>
-        </p:blipFill>
-        <p:spPr>
-          <a:xfrm>
-            <a:off x="69338" y="2716825"/>
-            <a:ext cx="2057400" cy="1600200"/>
-          </a:xfrm>
-          <a:prstGeom prst="rect">
-            <a:avLst/>
-          </a:prstGeom>
-          <a:noFill/>
-          <a:ln>
-            <a:noFill/>
-          </a:ln>
-        </p:spPr>
-      </p:pic>
-      <p:pic>
-        <p:nvPicPr>
-          <p:cNvPr id="660" name="Google Shape;660;p59"/>
-          <p:cNvPicPr preferRelativeResize="0"/>
-          <p:nvPr/>
-        </p:nvPicPr>
-        <p:blipFill>
-          <a:blip r:embed="rId8">
-            <a:alphaModFix/>
-          </a:blip>
-          <a:stretch>
-            <a:fillRect/>
-          </a:stretch>
-        </p:blipFill>
-        <p:spPr>
-          <a:xfrm>
-            <a:off x="2307394" y="2716825"/>
-            <a:ext cx="2057400" cy="1600200"/>
-          </a:xfrm>
-          <a:prstGeom prst="rect">
-            <a:avLst/>
-          </a:prstGeom>
-          <a:noFill/>
-          <a:ln>
-            <a:noFill/>
-          </a:ln>
-        </p:spPr>
-      </p:pic>
-      <p:pic>
-        <p:nvPicPr>
-          <p:cNvPr id="661" name="Google Shape;661;p59"/>
-          <p:cNvPicPr preferRelativeResize="0"/>
-          <p:nvPr/>
-        </p:nvPicPr>
-        <p:blipFill>
-          <a:blip r:embed="rId9">
-            <a:alphaModFix/>
-          </a:blip>
-          <a:stretch>
-            <a:fillRect/>
-          </a:stretch>
-        </p:blipFill>
-        <p:spPr>
-          <a:xfrm>
-            <a:off x="4540957" y="2716825"/>
-            <a:ext cx="2057400" cy="1600200"/>
-          </a:xfrm>
-          <a:prstGeom prst="rect">
-            <a:avLst/>
-          </a:prstGeom>
-          <a:noFill/>
-          <a:ln>
-            <a:noFill/>
-          </a:ln>
-        </p:spPr>
-      </p:pic>
     </p:spTree>
+    <p:extLst>
+      <p:ext uri="{BB962C8B-B14F-4D97-AF65-F5344CB8AC3E}">
+        <p14:creationId xmlns:p14="http://schemas.microsoft.com/office/powerpoint/2010/main" val="2744658361"/>
+      </p:ext>
+    </p:extLst>
   </p:cSld>
   <p:clrMapOvr>
     <a:masterClrMapping/>
@@ -55874,26 +54206,17 @@
               <a:buNone/>
             </a:pPr>
             <a:r>
-              <a:rPr lang="en" dirty="0"/>
+              <a:rPr lang="en" sz="7200" dirty="0"/>
               <a:t>Thank You</a:t>
             </a:r>
-            <a:endParaRPr dirty="0"/>
-          </a:p>
-          <a:p>
-            <a:pPr marL="0" lvl="0" indent="0" algn="ctr" rtl="0">
-              <a:spcBef>
-                <a:spcPts val="0"/>
-              </a:spcBef>
-              <a:spcAft>
-                <a:spcPts val="0"/>
-              </a:spcAft>
-              <a:buNone/>
-            </a:pPr>
+            <a:br>
+              <a:rPr lang="en" sz="7200" dirty="0"/>
+            </a:br>
             <a:r>
-              <a:rPr lang="en" sz="4000" dirty="0"/>
-              <a:t>QUESTIONS?</a:t>
+              <a:rPr lang="en" sz="4400"/>
+              <a:t>Tableau Demo</a:t>
             </a:r>
-            <a:endParaRPr sz="4000" dirty="0"/>
+            <a:endParaRPr sz="4400" dirty="0"/>
           </a:p>
         </p:txBody>
       </p:sp>
@@ -57632,48 +55955,6 @@
       </p:sp>
       <p:sp>
         <p:nvSpPr>
-          <p:cNvPr id="603" name="Google Shape;603;p56"/>
-          <p:cNvSpPr txBox="1">
-            <a:spLocks noGrp="1"/>
-          </p:cNvSpPr>
-          <p:nvPr>
-            <p:ph type="body" idx="6"/>
-          </p:nvPr>
-        </p:nvSpPr>
-        <p:spPr>
-          <a:xfrm>
-            <a:off x="6502450" y="1808835"/>
-            <a:ext cx="2391300" cy="1371600"/>
-          </a:xfrm>
-          <a:prstGeom prst="rect">
-            <a:avLst/>
-          </a:prstGeom>
-        </p:spPr>
-        <p:txBody>
-          <a:bodyPr spcFirstLastPara="1" wrap="square" lIns="91425" tIns="91425" rIns="91425" bIns="91425" anchor="ctr" anchorCtr="0">
-            <a:noAutofit/>
-          </a:bodyPr>
-          <a:lstStyle/>
-          <a:p>
-            <a:pPr marL="0" lvl="0" indent="0" algn="ctr" rtl="0">
-              <a:spcBef>
-                <a:spcPts val="0"/>
-              </a:spcBef>
-              <a:spcAft>
-                <a:spcPts val="0"/>
-              </a:spcAft>
-              <a:buNone/>
-            </a:pPr>
-            <a:r>
-              <a:rPr lang="en"/>
-              <a:t>Conclusions</a:t>
-            </a:r>
-            <a:endParaRPr/>
-          </a:p>
-        </p:txBody>
-      </p:sp>
-      <p:sp>
-        <p:nvSpPr>
           <p:cNvPr id="604" name="Google Shape;604;p56"/>
           <p:cNvSpPr txBox="1">
             <a:spLocks noGrp="1"/>
@@ -57749,10 +56030,10 @@
               <a:buNone/>
             </a:pPr>
             <a:r>
-              <a:rPr lang="en"/>
-              <a:t>Fusce dictum luctus ex lacinia posuere.</a:t>
+              <a:rPr lang="en" dirty="0"/>
+              <a:t>Conclusions</a:t>
             </a:r>
-            <a:endParaRPr/>
+            <a:endParaRPr dirty="0"/>
           </a:p>
         </p:txBody>
       </p:sp>
@@ -57795,6 +56076,37 @@
               <a:t>7</a:t>
             </a:fld>
             <a:endParaRPr/>
+          </a:p>
+        </p:txBody>
+      </p:sp>
+      <p:sp>
+        <p:nvSpPr>
+          <p:cNvPr id="3" name="Text Placeholder 2">
+            <a:extLst>
+              <a:ext uri="{FF2B5EF4-FFF2-40B4-BE49-F238E27FC236}">
+                <a16:creationId xmlns:a16="http://schemas.microsoft.com/office/drawing/2014/main" id="{03222F43-5F4C-860D-E5BF-9D7AE3922BCE}"/>
+              </a:ext>
+            </a:extLst>
+          </p:cNvPr>
+          <p:cNvSpPr>
+            <a:spLocks noGrp="1"/>
+          </p:cNvSpPr>
+          <p:nvPr>
+            <p:ph type="body" idx="6"/>
+          </p:nvPr>
+        </p:nvSpPr>
+        <p:spPr/>
+        <p:txBody>
+          <a:bodyPr/>
+          <a:lstStyle/>
+          <a:p>
+            <a:pPr marL="139700" indent="0">
+              <a:buNone/>
+            </a:pPr>
+            <a:r>
+              <a:rPr lang="en-US" dirty="0"/>
+              <a:t>Feature Changes</a:t>
+            </a:r>
           </a:p>
         </p:txBody>
       </p:sp>
@@ -57807,316 +56119,6 @@
 </file>
 
 <file path=ppt/slides/slide8.xml><?xml version="1.0" encoding="utf-8"?>
-<p:sld xmlns:a="http://schemas.openxmlformats.org/drawingml/2006/main" xmlns:r="http://schemas.openxmlformats.org/officeDocument/2006/relationships" xmlns:p="http://schemas.openxmlformats.org/presentationml/2006/main">
-  <p:cSld>
-    <p:spTree>
-      <p:nvGrpSpPr>
-        <p:cNvPr id="1" name="Shape 610"/>
-        <p:cNvGrpSpPr/>
-        <p:nvPr/>
-      </p:nvGrpSpPr>
-      <p:grpSpPr>
-        <a:xfrm>
-          <a:off x="0" y="0"/>
-          <a:ext cx="0" cy="0"/>
-          <a:chOff x="0" y="0"/>
-          <a:chExt cx="0" cy="0"/>
-        </a:xfrm>
-      </p:grpSpPr>
-      <p:sp>
-        <p:nvSpPr>
-          <p:cNvPr id="611" name="Google Shape;611;p57"/>
-          <p:cNvSpPr txBox="1">
-            <a:spLocks noGrp="1"/>
-          </p:cNvSpPr>
-          <p:nvPr>
-            <p:ph type="title"/>
-          </p:nvPr>
-        </p:nvSpPr>
-        <p:spPr>
-          <a:xfrm>
-            <a:off x="4500950" y="367500"/>
-            <a:ext cx="4254300" cy="1467900"/>
-          </a:xfrm>
-          <a:prstGeom prst="rect">
-            <a:avLst/>
-          </a:prstGeom>
-        </p:spPr>
-        <p:txBody>
-          <a:bodyPr spcFirstLastPara="1" wrap="square" lIns="91425" tIns="91425" rIns="91425" bIns="91425" anchor="t" anchorCtr="0">
-            <a:noAutofit/>
-          </a:bodyPr>
-          <a:lstStyle/>
-          <a:p>
-            <a:pPr marL="0" lvl="0" indent="0" algn="l" rtl="0">
-              <a:spcBef>
-                <a:spcPts val="0"/>
-              </a:spcBef>
-              <a:spcAft>
-                <a:spcPts val="0"/>
-              </a:spcAft>
-              <a:buNone/>
-            </a:pPr>
-            <a:r>
-              <a:rPr lang="en" sz="6000"/>
-              <a:t>Overview</a:t>
-            </a:r>
-            <a:endParaRPr sz="6000"/>
-          </a:p>
-        </p:txBody>
-      </p:sp>
-      <p:sp>
-        <p:nvSpPr>
-          <p:cNvPr id="612" name="Google Shape;612;p57"/>
-          <p:cNvSpPr txBox="1">
-            <a:spLocks noGrp="1"/>
-          </p:cNvSpPr>
-          <p:nvPr>
-            <p:ph type="body" idx="1"/>
-          </p:nvPr>
-        </p:nvSpPr>
-        <p:spPr>
-          <a:xfrm>
-            <a:off x="4543850" y="1752125"/>
-            <a:ext cx="4350000" cy="2692800"/>
-          </a:xfrm>
-          <a:prstGeom prst="rect">
-            <a:avLst/>
-          </a:prstGeom>
-        </p:spPr>
-        <p:txBody>
-          <a:bodyPr spcFirstLastPara="1" wrap="square" lIns="91425" tIns="91425" rIns="91425" bIns="91425" anchor="t" anchorCtr="0">
-            <a:noAutofit/>
-          </a:bodyPr>
-          <a:lstStyle/>
-          <a:p>
-            <a:pPr marL="0" lvl="0" indent="0" algn="l" rtl="0">
-              <a:spcBef>
-                <a:spcPts val="0"/>
-              </a:spcBef>
-              <a:spcAft>
-                <a:spcPts val="0"/>
-              </a:spcAft>
-              <a:buNone/>
-            </a:pPr>
-            <a:r>
-              <a:rPr lang="en" i="1"/>
-              <a:t>1</a:t>
-            </a:r>
-            <a:r>
-              <a:rPr lang="en"/>
-              <a:t> Overview</a:t>
-            </a:r>
-            <a:br>
-              <a:rPr lang="en"/>
-            </a:br>
-            <a:r>
-              <a:rPr lang="en" i="1"/>
-              <a:t>2</a:t>
-            </a:r>
-            <a:r>
-              <a:rPr lang="en"/>
-              <a:t> Ground Rules</a:t>
-            </a:r>
-            <a:endParaRPr/>
-          </a:p>
-          <a:p>
-            <a:pPr marL="0" lvl="0" indent="0" algn="l" rtl="0">
-              <a:spcBef>
-                <a:spcPts val="0"/>
-              </a:spcBef>
-              <a:spcAft>
-                <a:spcPts val="0"/>
-              </a:spcAft>
-              <a:buNone/>
-            </a:pPr>
-            <a:r>
-              <a:rPr lang="en" i="1"/>
-              <a:t>3</a:t>
-            </a:r>
-            <a:r>
-              <a:rPr lang="en"/>
-              <a:t> Project Updates</a:t>
-            </a:r>
-            <a:endParaRPr/>
-          </a:p>
-          <a:p>
-            <a:pPr marL="0" lvl="0" indent="0" algn="l" rtl="0">
-              <a:spcBef>
-                <a:spcPts val="0"/>
-              </a:spcBef>
-              <a:spcAft>
-                <a:spcPts val="0"/>
-              </a:spcAft>
-              <a:buNone/>
-            </a:pPr>
-            <a:r>
-              <a:rPr lang="en" i="1"/>
-              <a:t>4</a:t>
-            </a:r>
-            <a:r>
-              <a:rPr lang="en"/>
-              <a:t> Competitor Analysis</a:t>
-            </a:r>
-            <a:endParaRPr/>
-          </a:p>
-          <a:p>
-            <a:pPr marL="0" lvl="0" indent="0" algn="l" rtl="0">
-              <a:spcBef>
-                <a:spcPts val="0"/>
-              </a:spcBef>
-              <a:spcAft>
-                <a:spcPts val="0"/>
-              </a:spcAft>
-              <a:buNone/>
-            </a:pPr>
-            <a:r>
-              <a:rPr lang="en" i="1"/>
-              <a:t>5</a:t>
-            </a:r>
-            <a:r>
-              <a:rPr lang="en"/>
-              <a:t> Future Roadmap</a:t>
-            </a:r>
-            <a:endParaRPr/>
-          </a:p>
-        </p:txBody>
-      </p:sp>
-      <p:sp>
-        <p:nvSpPr>
-          <p:cNvPr id="613" name="Google Shape;613;p57"/>
-          <p:cNvSpPr txBox="1">
-            <a:spLocks noGrp="1"/>
-          </p:cNvSpPr>
-          <p:nvPr>
-            <p:ph type="subTitle" idx="2"/>
-          </p:nvPr>
-        </p:nvSpPr>
-        <p:spPr>
-          <a:xfrm>
-            <a:off x="251400" y="4827075"/>
-            <a:ext cx="2205900" cy="314100"/>
-          </a:xfrm>
-          <a:prstGeom prst="rect">
-            <a:avLst/>
-          </a:prstGeom>
-        </p:spPr>
-        <p:txBody>
-          <a:bodyPr spcFirstLastPara="1" wrap="square" lIns="91425" tIns="91425" rIns="91425" bIns="91425" anchor="t" anchorCtr="0">
-            <a:noAutofit/>
-          </a:bodyPr>
-          <a:lstStyle/>
-          <a:p>
-            <a:pPr marL="0" lvl="0" indent="0" algn="l" rtl="0">
-              <a:spcBef>
-                <a:spcPts val="0"/>
-              </a:spcBef>
-              <a:spcAft>
-                <a:spcPts val="0"/>
-              </a:spcAft>
-              <a:buNone/>
-            </a:pPr>
-            <a:r>
-              <a:rPr lang="en"/>
-              <a:t>Business Name</a:t>
-            </a:r>
-            <a:endParaRPr/>
-          </a:p>
-        </p:txBody>
-      </p:sp>
-      <p:sp>
-        <p:nvSpPr>
-          <p:cNvPr id="614" name="Google Shape;614;p57"/>
-          <p:cNvSpPr txBox="1">
-            <a:spLocks noGrp="1"/>
-          </p:cNvSpPr>
-          <p:nvPr>
-            <p:ph type="subTitle" idx="3"/>
-          </p:nvPr>
-        </p:nvSpPr>
-        <p:spPr>
-          <a:xfrm>
-            <a:off x="3545100" y="4829700"/>
-            <a:ext cx="2053800" cy="314100"/>
-          </a:xfrm>
-          <a:prstGeom prst="rect">
-            <a:avLst/>
-          </a:prstGeom>
-        </p:spPr>
-        <p:txBody>
-          <a:bodyPr spcFirstLastPara="1" wrap="square" lIns="91425" tIns="91425" rIns="91425" bIns="91425" anchor="t" anchorCtr="0">
-            <a:noAutofit/>
-          </a:bodyPr>
-          <a:lstStyle/>
-          <a:p>
-            <a:pPr marL="0" lvl="0" indent="0" algn="ctr" rtl="0">
-              <a:spcBef>
-                <a:spcPts val="0"/>
-              </a:spcBef>
-              <a:spcAft>
-                <a:spcPts val="0"/>
-              </a:spcAft>
-              <a:buNone/>
-            </a:pPr>
-            <a:r>
-              <a:rPr lang="en"/>
-              <a:t>Section</a:t>
-            </a:r>
-            <a:endParaRPr/>
-          </a:p>
-        </p:txBody>
-      </p:sp>
-      <p:sp>
-        <p:nvSpPr>
-          <p:cNvPr id="615" name="Google Shape;615;p57"/>
-          <p:cNvSpPr txBox="1">
-            <a:spLocks noGrp="1"/>
-          </p:cNvSpPr>
-          <p:nvPr>
-            <p:ph type="sldNum" idx="12"/>
-          </p:nvPr>
-        </p:nvSpPr>
-        <p:spPr>
-          <a:xfrm>
-            <a:off x="8526500" y="4822375"/>
-            <a:ext cx="490500" cy="321000"/>
-          </a:xfrm>
-          <a:prstGeom prst="rect">
-            <a:avLst/>
-          </a:prstGeom>
-        </p:spPr>
-        <p:txBody>
-          <a:bodyPr spcFirstLastPara="1" wrap="square" lIns="91425" tIns="91425" rIns="91425" bIns="91425" anchor="t" anchorCtr="0">
-            <a:noAutofit/>
-          </a:bodyPr>
-          <a:lstStyle/>
-          <a:p>
-            <a:pPr marL="0" lvl="0" indent="0" algn="ctr" rtl="0">
-              <a:spcBef>
-                <a:spcPts val="0"/>
-              </a:spcBef>
-              <a:spcAft>
-                <a:spcPts val="0"/>
-              </a:spcAft>
-              <a:buNone/>
-            </a:pPr>
-            <a:fld id="{00000000-1234-1234-1234-123412341234}" type="slidenum">
-              <a:rPr lang="en"/>
-              <a:t>8</a:t>
-            </a:fld>
-            <a:endParaRPr/>
-          </a:p>
-        </p:txBody>
-      </p:sp>
-    </p:spTree>
-  </p:cSld>
-  <p:clrMapOvr>
-    <a:masterClrMapping/>
-  </p:clrMapOvr>
-</p:sld>
-</file>
-
-<file path=ppt/slides/slide9.xml><?xml version="1.0" encoding="utf-8"?>
 <p:sld xmlns:a="http://schemas.openxmlformats.org/drawingml/2006/main" xmlns:r="http://schemas.openxmlformats.org/officeDocument/2006/relationships" xmlns:p="http://schemas.openxmlformats.org/presentationml/2006/main">
   <p:cSld>
     <p:spTree>
@@ -58265,7 +56267,7 @@
             </a:pPr>
             <a:fld id="{00000000-1234-1234-1234-123412341234}" type="slidenum">
               <a:rPr lang="en"/>
-              <a:t>9</a:t>
+              <a:t>8</a:t>
             </a:fld>
             <a:endParaRPr/>
           </a:p>
@@ -59161,6 +57163,953 @@
           </a:p>
         </p:txBody>
       </p:sp>
+    </p:spTree>
+  </p:cSld>
+  <p:clrMapOvr>
+    <a:masterClrMapping/>
+  </p:clrMapOvr>
+</p:sld>
+</file>
+
+<file path=ppt/slides/slide9.xml><?xml version="1.0" encoding="utf-8"?>
+<p:sld xmlns:a="http://schemas.openxmlformats.org/drawingml/2006/main" xmlns:r="http://schemas.openxmlformats.org/officeDocument/2006/relationships" xmlns:p="http://schemas.openxmlformats.org/presentationml/2006/main">
+  <p:cSld>
+    <p:spTree>
+      <p:nvGrpSpPr>
+        <p:cNvPr id="1" name="Shape 643"/>
+        <p:cNvGrpSpPr/>
+        <p:nvPr/>
+      </p:nvGrpSpPr>
+      <p:grpSpPr>
+        <a:xfrm>
+          <a:off x="0" y="0"/>
+          <a:ext cx="0" cy="0"/>
+          <a:chOff x="0" y="0"/>
+          <a:chExt cx="0" cy="0"/>
+        </a:xfrm>
+      </p:grpSpPr>
+      <p:sp>
+        <p:nvSpPr>
+          <p:cNvPr id="644" name="Google Shape;644;p59"/>
+          <p:cNvSpPr txBox="1">
+            <a:spLocks noGrp="1"/>
+          </p:cNvSpPr>
+          <p:nvPr>
+            <p:ph type="subTitle" idx="3"/>
+          </p:nvPr>
+        </p:nvSpPr>
+        <p:spPr>
+          <a:xfrm>
+            <a:off x="251400" y="4827075"/>
+            <a:ext cx="2205900" cy="314100"/>
+          </a:xfrm>
+          <a:prstGeom prst="rect">
+            <a:avLst/>
+          </a:prstGeom>
+        </p:spPr>
+        <p:txBody>
+          <a:bodyPr spcFirstLastPara="1" wrap="square" lIns="91425" tIns="91425" rIns="91425" bIns="91425" anchor="t" anchorCtr="0">
+            <a:noAutofit/>
+          </a:bodyPr>
+          <a:lstStyle/>
+          <a:p>
+            <a:pPr marL="0" lvl="0" indent="0" algn="l" rtl="0">
+              <a:spcBef>
+                <a:spcPts val="0"/>
+              </a:spcBef>
+              <a:spcAft>
+                <a:spcPts val="0"/>
+              </a:spcAft>
+              <a:buNone/>
+            </a:pPr>
+            <a:r>
+              <a:rPr lang="en"/>
+              <a:t>Business Name</a:t>
+            </a:r>
+            <a:endParaRPr/>
+          </a:p>
+          <a:p>
+            <a:pPr marL="0" lvl="0" indent="0" algn="l" rtl="0">
+              <a:spcBef>
+                <a:spcPts val="0"/>
+              </a:spcBef>
+              <a:spcAft>
+                <a:spcPts val="0"/>
+              </a:spcAft>
+              <a:buNone/>
+            </a:pPr>
+            <a:endParaRPr/>
+          </a:p>
+        </p:txBody>
+      </p:sp>
+      <p:sp>
+        <p:nvSpPr>
+          <p:cNvPr id="645" name="Google Shape;645;p59"/>
+          <p:cNvSpPr txBox="1">
+            <a:spLocks noGrp="1"/>
+          </p:cNvSpPr>
+          <p:nvPr>
+            <p:ph type="subTitle" idx="4"/>
+          </p:nvPr>
+        </p:nvSpPr>
+        <p:spPr>
+          <a:xfrm>
+            <a:off x="3545100" y="4829700"/>
+            <a:ext cx="2053800" cy="314100"/>
+          </a:xfrm>
+          <a:prstGeom prst="rect">
+            <a:avLst/>
+          </a:prstGeom>
+        </p:spPr>
+        <p:txBody>
+          <a:bodyPr spcFirstLastPara="1" wrap="square" lIns="91425" tIns="91425" rIns="91425" bIns="91425" anchor="t" anchorCtr="0">
+            <a:noAutofit/>
+          </a:bodyPr>
+          <a:lstStyle/>
+          <a:p>
+            <a:pPr marL="0" lvl="0" indent="0" algn="ctr" rtl="0">
+              <a:spcBef>
+                <a:spcPts val="0"/>
+              </a:spcBef>
+              <a:spcAft>
+                <a:spcPts val="0"/>
+              </a:spcAft>
+              <a:buNone/>
+            </a:pPr>
+            <a:r>
+              <a:rPr lang="en"/>
+              <a:t>Section</a:t>
+            </a:r>
+            <a:endParaRPr/>
+          </a:p>
+        </p:txBody>
+      </p:sp>
+      <p:sp>
+        <p:nvSpPr>
+          <p:cNvPr id="646" name="Google Shape;646;p59"/>
+          <p:cNvSpPr txBox="1">
+            <a:spLocks noGrp="1"/>
+          </p:cNvSpPr>
+          <p:nvPr>
+            <p:ph type="sldNum" idx="12"/>
+          </p:nvPr>
+        </p:nvSpPr>
+        <p:spPr>
+          <a:xfrm>
+            <a:off x="8526500" y="4822375"/>
+            <a:ext cx="490500" cy="321000"/>
+          </a:xfrm>
+          <a:prstGeom prst="rect">
+            <a:avLst/>
+          </a:prstGeom>
+        </p:spPr>
+        <p:txBody>
+          <a:bodyPr spcFirstLastPara="1" wrap="square" lIns="91425" tIns="91425" rIns="91425" bIns="91425" anchor="t" anchorCtr="0">
+            <a:noAutofit/>
+          </a:bodyPr>
+          <a:lstStyle/>
+          <a:p>
+            <a:pPr marL="0" lvl="0" indent="0" algn="ctr" rtl="0">
+              <a:spcBef>
+                <a:spcPts val="0"/>
+              </a:spcBef>
+              <a:spcAft>
+                <a:spcPts val="0"/>
+              </a:spcAft>
+              <a:buNone/>
+            </a:pPr>
+            <a:fld id="{00000000-1234-1234-1234-123412341234}" type="slidenum">
+              <a:rPr lang="en"/>
+              <a:t>9</a:t>
+            </a:fld>
+            <a:endParaRPr/>
+          </a:p>
+        </p:txBody>
+      </p:sp>
+      <p:sp>
+        <p:nvSpPr>
+          <p:cNvPr id="647" name="Google Shape;647;p59"/>
+          <p:cNvSpPr txBox="1"/>
+          <p:nvPr/>
+        </p:nvSpPr>
+        <p:spPr>
+          <a:xfrm>
+            <a:off x="69338" y="2296925"/>
+            <a:ext cx="2108100" cy="314100"/>
+          </a:xfrm>
+          <a:prstGeom prst="rect">
+            <a:avLst/>
+          </a:prstGeom>
+          <a:noFill/>
+          <a:ln>
+            <a:noFill/>
+          </a:ln>
+        </p:spPr>
+        <p:txBody>
+          <a:bodyPr spcFirstLastPara="1" wrap="square" lIns="91425" tIns="91425" rIns="91425" bIns="91425" anchor="t" anchorCtr="0">
+            <a:noAutofit/>
+          </a:bodyPr>
+          <a:lstStyle/>
+          <a:p>
+            <a:pPr marL="0" lvl="0" indent="0" algn="ctr" rtl="0">
+              <a:spcBef>
+                <a:spcPts val="0"/>
+              </a:spcBef>
+              <a:spcAft>
+                <a:spcPts val="0"/>
+              </a:spcAft>
+              <a:buNone/>
+            </a:pPr>
+            <a:r>
+              <a:rPr lang="en" sz="800" b="1">
+                <a:solidFill>
+                  <a:schemeClr val="dk1"/>
+                </a:solidFill>
+                <a:latin typeface="Roboto"/>
+                <a:ea typeface="Roboto"/>
+                <a:cs typeface="Roboto"/>
+                <a:sym typeface="Roboto"/>
+              </a:rPr>
+              <a:t>income</a:t>
+            </a:r>
+            <a:endParaRPr sz="800" b="1">
+              <a:solidFill>
+                <a:schemeClr val="dk1"/>
+              </a:solidFill>
+              <a:latin typeface="Roboto"/>
+              <a:ea typeface="Roboto"/>
+              <a:cs typeface="Roboto"/>
+              <a:sym typeface="Roboto"/>
+            </a:endParaRPr>
+          </a:p>
+          <a:p>
+            <a:pPr marL="0" lvl="0" indent="0" algn="ctr" rtl="0">
+              <a:spcBef>
+                <a:spcPts val="0"/>
+              </a:spcBef>
+              <a:spcAft>
+                <a:spcPts val="0"/>
+              </a:spcAft>
+              <a:buNone/>
+            </a:pPr>
+            <a:endParaRPr>
+              <a:solidFill>
+                <a:schemeClr val="dk1"/>
+              </a:solidFill>
+              <a:latin typeface="Roboto"/>
+              <a:ea typeface="Roboto"/>
+              <a:cs typeface="Roboto"/>
+              <a:sym typeface="Roboto"/>
+            </a:endParaRPr>
+          </a:p>
+        </p:txBody>
+      </p:sp>
+      <p:sp>
+        <p:nvSpPr>
+          <p:cNvPr id="648" name="Google Shape;648;p59"/>
+          <p:cNvSpPr txBox="1"/>
+          <p:nvPr/>
+        </p:nvSpPr>
+        <p:spPr>
+          <a:xfrm>
+            <a:off x="2307394" y="2296925"/>
+            <a:ext cx="2057400" cy="314100"/>
+          </a:xfrm>
+          <a:prstGeom prst="rect">
+            <a:avLst/>
+          </a:prstGeom>
+          <a:noFill/>
+          <a:ln>
+            <a:noFill/>
+          </a:ln>
+        </p:spPr>
+        <p:txBody>
+          <a:bodyPr spcFirstLastPara="1" wrap="square" lIns="91425" tIns="91425" rIns="91425" bIns="91425" anchor="t" anchorCtr="0">
+            <a:noAutofit/>
+          </a:bodyPr>
+          <a:lstStyle/>
+          <a:p>
+            <a:pPr marL="0" lvl="0" indent="0" algn="ctr" rtl="0">
+              <a:spcBef>
+                <a:spcPts val="0"/>
+              </a:spcBef>
+              <a:spcAft>
+                <a:spcPts val="0"/>
+              </a:spcAft>
+              <a:buNone/>
+            </a:pPr>
+            <a:r>
+              <a:rPr lang="en" sz="800" b="1">
+                <a:solidFill>
+                  <a:schemeClr val="dk1"/>
+                </a:solidFill>
+                <a:latin typeface="Roboto"/>
+                <a:ea typeface="Roboto"/>
+                <a:cs typeface="Roboto"/>
+                <a:sym typeface="Roboto"/>
+              </a:rPr>
+              <a:t>age</a:t>
+            </a:r>
+            <a:endParaRPr sz="800" b="1">
+              <a:solidFill>
+                <a:schemeClr val="dk1"/>
+              </a:solidFill>
+              <a:latin typeface="Roboto"/>
+              <a:ea typeface="Roboto"/>
+              <a:cs typeface="Roboto"/>
+              <a:sym typeface="Roboto"/>
+            </a:endParaRPr>
+          </a:p>
+          <a:p>
+            <a:pPr marL="0" lvl="0" indent="0" algn="ctr" rtl="0">
+              <a:spcBef>
+                <a:spcPts val="0"/>
+              </a:spcBef>
+              <a:spcAft>
+                <a:spcPts val="0"/>
+              </a:spcAft>
+              <a:buNone/>
+            </a:pPr>
+            <a:endParaRPr>
+              <a:solidFill>
+                <a:schemeClr val="dk1"/>
+              </a:solidFill>
+              <a:latin typeface="Roboto"/>
+              <a:ea typeface="Roboto"/>
+              <a:cs typeface="Roboto"/>
+              <a:sym typeface="Roboto"/>
+            </a:endParaRPr>
+          </a:p>
+        </p:txBody>
+      </p:sp>
+      <p:sp>
+        <p:nvSpPr>
+          <p:cNvPr id="649" name="Google Shape;649;p59"/>
+          <p:cNvSpPr txBox="1"/>
+          <p:nvPr/>
+        </p:nvSpPr>
+        <p:spPr>
+          <a:xfrm>
+            <a:off x="4540957" y="2296925"/>
+            <a:ext cx="2057400" cy="314100"/>
+          </a:xfrm>
+          <a:prstGeom prst="rect">
+            <a:avLst/>
+          </a:prstGeom>
+          <a:noFill/>
+          <a:ln>
+            <a:noFill/>
+          </a:ln>
+        </p:spPr>
+        <p:txBody>
+          <a:bodyPr spcFirstLastPara="1" wrap="square" lIns="91425" tIns="91425" rIns="91425" bIns="91425" anchor="t" anchorCtr="0">
+            <a:noAutofit/>
+          </a:bodyPr>
+          <a:lstStyle/>
+          <a:p>
+            <a:pPr marL="0" lvl="0" indent="0" algn="ctr" rtl="0">
+              <a:spcBef>
+                <a:spcPts val="0"/>
+              </a:spcBef>
+              <a:spcAft>
+                <a:spcPts val="0"/>
+              </a:spcAft>
+              <a:buNone/>
+            </a:pPr>
+            <a:r>
+              <a:rPr lang="en" sz="800" b="1">
+                <a:solidFill>
+                  <a:schemeClr val="dk1"/>
+                </a:solidFill>
+                <a:latin typeface="Roboto"/>
+                <a:ea typeface="Roboto"/>
+                <a:cs typeface="Roboto"/>
+                <a:sym typeface="Roboto"/>
+              </a:rPr>
+              <a:t>fnlwgt</a:t>
+            </a:r>
+            <a:endParaRPr sz="800" b="1">
+              <a:solidFill>
+                <a:schemeClr val="dk1"/>
+              </a:solidFill>
+              <a:latin typeface="Roboto"/>
+              <a:ea typeface="Roboto"/>
+              <a:cs typeface="Roboto"/>
+              <a:sym typeface="Roboto"/>
+            </a:endParaRPr>
+          </a:p>
+          <a:p>
+            <a:pPr marL="0" lvl="0" indent="0" algn="ctr" rtl="0">
+              <a:spcBef>
+                <a:spcPts val="0"/>
+              </a:spcBef>
+              <a:spcAft>
+                <a:spcPts val="0"/>
+              </a:spcAft>
+              <a:buNone/>
+            </a:pPr>
+            <a:endParaRPr>
+              <a:solidFill>
+                <a:schemeClr val="dk1"/>
+              </a:solidFill>
+              <a:latin typeface="Roboto"/>
+              <a:ea typeface="Roboto"/>
+              <a:cs typeface="Roboto"/>
+              <a:sym typeface="Roboto"/>
+            </a:endParaRPr>
+          </a:p>
+        </p:txBody>
+      </p:sp>
+      <p:sp>
+        <p:nvSpPr>
+          <p:cNvPr id="650" name="Google Shape;650;p59"/>
+          <p:cNvSpPr txBox="1"/>
+          <p:nvPr/>
+        </p:nvSpPr>
+        <p:spPr>
+          <a:xfrm>
+            <a:off x="6809069" y="2296925"/>
+            <a:ext cx="2057400" cy="314100"/>
+          </a:xfrm>
+          <a:prstGeom prst="rect">
+            <a:avLst/>
+          </a:prstGeom>
+          <a:noFill/>
+          <a:ln>
+            <a:noFill/>
+          </a:ln>
+        </p:spPr>
+        <p:txBody>
+          <a:bodyPr spcFirstLastPara="1" wrap="square" lIns="91425" tIns="91425" rIns="91425" bIns="91425" anchor="t" anchorCtr="0">
+            <a:noAutofit/>
+          </a:bodyPr>
+          <a:lstStyle/>
+          <a:p>
+            <a:pPr marL="0" lvl="0" indent="0" algn="ctr" rtl="0">
+              <a:spcBef>
+                <a:spcPts val="0"/>
+              </a:spcBef>
+              <a:spcAft>
+                <a:spcPts val="0"/>
+              </a:spcAft>
+              <a:buNone/>
+            </a:pPr>
+            <a:r>
+              <a:rPr lang="en" sz="800" b="1">
+                <a:solidFill>
+                  <a:schemeClr val="dk1"/>
+                </a:solidFill>
+                <a:latin typeface="Roboto"/>
+                <a:ea typeface="Roboto"/>
+                <a:cs typeface="Roboto"/>
+                <a:sym typeface="Roboto"/>
+              </a:rPr>
+              <a:t>education_num</a:t>
+            </a:r>
+            <a:endParaRPr sz="800" b="1">
+              <a:solidFill>
+                <a:schemeClr val="dk1"/>
+              </a:solidFill>
+              <a:latin typeface="Roboto"/>
+              <a:ea typeface="Roboto"/>
+              <a:cs typeface="Roboto"/>
+              <a:sym typeface="Roboto"/>
+            </a:endParaRPr>
+          </a:p>
+          <a:p>
+            <a:pPr marL="0" lvl="0" indent="0" algn="ctr" rtl="0">
+              <a:spcBef>
+                <a:spcPts val="0"/>
+              </a:spcBef>
+              <a:spcAft>
+                <a:spcPts val="0"/>
+              </a:spcAft>
+              <a:buNone/>
+            </a:pPr>
+            <a:endParaRPr>
+              <a:solidFill>
+                <a:schemeClr val="dk1"/>
+              </a:solidFill>
+              <a:latin typeface="Roboto"/>
+              <a:ea typeface="Roboto"/>
+              <a:cs typeface="Roboto"/>
+              <a:sym typeface="Roboto"/>
+            </a:endParaRPr>
+          </a:p>
+        </p:txBody>
+      </p:sp>
+      <p:sp>
+        <p:nvSpPr>
+          <p:cNvPr id="651" name="Google Shape;651;p59"/>
+          <p:cNvSpPr txBox="1"/>
+          <p:nvPr/>
+        </p:nvSpPr>
+        <p:spPr>
+          <a:xfrm>
+            <a:off x="69338" y="4422825"/>
+            <a:ext cx="2057400" cy="314100"/>
+          </a:xfrm>
+          <a:prstGeom prst="rect">
+            <a:avLst/>
+          </a:prstGeom>
+          <a:noFill/>
+          <a:ln>
+            <a:noFill/>
+          </a:ln>
+        </p:spPr>
+        <p:txBody>
+          <a:bodyPr spcFirstLastPara="1" wrap="square" lIns="91425" tIns="91425" rIns="91425" bIns="91425" anchor="t" anchorCtr="0">
+            <a:noAutofit/>
+          </a:bodyPr>
+          <a:lstStyle/>
+          <a:p>
+            <a:pPr marL="0" lvl="0" indent="0" algn="ctr" rtl="0">
+              <a:spcBef>
+                <a:spcPts val="0"/>
+              </a:spcBef>
+              <a:spcAft>
+                <a:spcPts val="0"/>
+              </a:spcAft>
+              <a:buNone/>
+            </a:pPr>
+            <a:r>
+              <a:rPr lang="en" sz="800" b="1">
+                <a:solidFill>
+                  <a:schemeClr val="dk1"/>
+                </a:solidFill>
+                <a:latin typeface="Roboto"/>
+                <a:ea typeface="Roboto"/>
+                <a:cs typeface="Roboto"/>
+                <a:sym typeface="Roboto"/>
+              </a:rPr>
+              <a:t>capital_gain</a:t>
+            </a:r>
+            <a:endParaRPr sz="800" b="1">
+              <a:solidFill>
+                <a:schemeClr val="dk1"/>
+              </a:solidFill>
+              <a:latin typeface="Roboto"/>
+              <a:ea typeface="Roboto"/>
+              <a:cs typeface="Roboto"/>
+              <a:sym typeface="Roboto"/>
+            </a:endParaRPr>
+          </a:p>
+          <a:p>
+            <a:pPr marL="0" lvl="0" indent="0" algn="ctr" rtl="0">
+              <a:spcBef>
+                <a:spcPts val="0"/>
+              </a:spcBef>
+              <a:spcAft>
+                <a:spcPts val="0"/>
+              </a:spcAft>
+              <a:buNone/>
+            </a:pPr>
+            <a:endParaRPr>
+              <a:solidFill>
+                <a:schemeClr val="dk1"/>
+              </a:solidFill>
+              <a:latin typeface="Roboto"/>
+              <a:ea typeface="Roboto"/>
+              <a:cs typeface="Roboto"/>
+              <a:sym typeface="Roboto"/>
+            </a:endParaRPr>
+          </a:p>
+        </p:txBody>
+      </p:sp>
+      <p:sp>
+        <p:nvSpPr>
+          <p:cNvPr id="652" name="Google Shape;652;p59"/>
+          <p:cNvSpPr txBox="1"/>
+          <p:nvPr/>
+        </p:nvSpPr>
+        <p:spPr>
+          <a:xfrm>
+            <a:off x="2307394" y="4422825"/>
+            <a:ext cx="2057400" cy="314100"/>
+          </a:xfrm>
+          <a:prstGeom prst="rect">
+            <a:avLst/>
+          </a:prstGeom>
+          <a:noFill/>
+          <a:ln>
+            <a:noFill/>
+          </a:ln>
+        </p:spPr>
+        <p:txBody>
+          <a:bodyPr spcFirstLastPara="1" wrap="square" lIns="91425" tIns="91425" rIns="91425" bIns="91425" anchor="t" anchorCtr="0">
+            <a:noAutofit/>
+          </a:bodyPr>
+          <a:lstStyle/>
+          <a:p>
+            <a:pPr marL="0" lvl="0" indent="0" algn="ctr" rtl="0">
+              <a:spcBef>
+                <a:spcPts val="0"/>
+              </a:spcBef>
+              <a:spcAft>
+                <a:spcPts val="0"/>
+              </a:spcAft>
+              <a:buNone/>
+            </a:pPr>
+            <a:r>
+              <a:rPr lang="en" sz="800" b="1">
+                <a:solidFill>
+                  <a:schemeClr val="dk1"/>
+                </a:solidFill>
+                <a:latin typeface="Roboto"/>
+                <a:ea typeface="Roboto"/>
+                <a:cs typeface="Roboto"/>
+                <a:sym typeface="Roboto"/>
+              </a:rPr>
+              <a:t>capital_loss</a:t>
+            </a:r>
+            <a:endParaRPr sz="800" b="1">
+              <a:solidFill>
+                <a:schemeClr val="dk1"/>
+              </a:solidFill>
+              <a:latin typeface="Roboto"/>
+              <a:ea typeface="Roboto"/>
+              <a:cs typeface="Roboto"/>
+              <a:sym typeface="Roboto"/>
+            </a:endParaRPr>
+          </a:p>
+          <a:p>
+            <a:pPr marL="0" lvl="0" indent="0" algn="ctr" rtl="0">
+              <a:spcBef>
+                <a:spcPts val="0"/>
+              </a:spcBef>
+              <a:spcAft>
+                <a:spcPts val="0"/>
+              </a:spcAft>
+              <a:buNone/>
+            </a:pPr>
+            <a:endParaRPr>
+              <a:solidFill>
+                <a:schemeClr val="dk1"/>
+              </a:solidFill>
+              <a:latin typeface="Roboto"/>
+              <a:ea typeface="Roboto"/>
+              <a:cs typeface="Roboto"/>
+              <a:sym typeface="Roboto"/>
+            </a:endParaRPr>
+          </a:p>
+        </p:txBody>
+      </p:sp>
+      <p:sp>
+        <p:nvSpPr>
+          <p:cNvPr id="653" name="Google Shape;653;p59"/>
+          <p:cNvSpPr txBox="1"/>
+          <p:nvPr/>
+        </p:nvSpPr>
+        <p:spPr>
+          <a:xfrm>
+            <a:off x="4540957" y="4422825"/>
+            <a:ext cx="2057400" cy="314100"/>
+          </a:xfrm>
+          <a:prstGeom prst="rect">
+            <a:avLst/>
+          </a:prstGeom>
+          <a:noFill/>
+          <a:ln>
+            <a:noFill/>
+          </a:ln>
+        </p:spPr>
+        <p:txBody>
+          <a:bodyPr spcFirstLastPara="1" wrap="square" lIns="91425" tIns="91425" rIns="91425" bIns="91425" anchor="t" anchorCtr="0">
+            <a:noAutofit/>
+          </a:bodyPr>
+          <a:lstStyle/>
+          <a:p>
+            <a:pPr marL="0" lvl="0" indent="0" algn="ctr" rtl="0">
+              <a:spcBef>
+                <a:spcPts val="0"/>
+              </a:spcBef>
+              <a:spcAft>
+                <a:spcPts val="0"/>
+              </a:spcAft>
+              <a:buNone/>
+            </a:pPr>
+            <a:r>
+              <a:rPr lang="en" sz="800" b="1">
+                <a:solidFill>
+                  <a:schemeClr val="dk1"/>
+                </a:solidFill>
+                <a:latin typeface="Roboto"/>
+                <a:ea typeface="Roboto"/>
+                <a:cs typeface="Roboto"/>
+                <a:sym typeface="Roboto"/>
+              </a:rPr>
+              <a:t>hours_per_week</a:t>
+            </a:r>
+            <a:endParaRPr sz="800" b="1">
+              <a:solidFill>
+                <a:schemeClr val="dk1"/>
+              </a:solidFill>
+              <a:latin typeface="Roboto"/>
+              <a:ea typeface="Roboto"/>
+              <a:cs typeface="Roboto"/>
+              <a:sym typeface="Roboto"/>
+            </a:endParaRPr>
+          </a:p>
+          <a:p>
+            <a:pPr marL="0" lvl="0" indent="0" algn="ctr" rtl="0">
+              <a:spcBef>
+                <a:spcPts val="0"/>
+              </a:spcBef>
+              <a:spcAft>
+                <a:spcPts val="0"/>
+              </a:spcAft>
+              <a:buNone/>
+            </a:pPr>
+            <a:endParaRPr>
+              <a:solidFill>
+                <a:schemeClr val="dk1"/>
+              </a:solidFill>
+              <a:latin typeface="Roboto"/>
+              <a:ea typeface="Roboto"/>
+              <a:cs typeface="Roboto"/>
+              <a:sym typeface="Roboto"/>
+            </a:endParaRPr>
+          </a:p>
+        </p:txBody>
+      </p:sp>
+      <p:pic>
+        <p:nvPicPr>
+          <p:cNvPr id="654" name="Google Shape;654;p59"/>
+          <p:cNvPicPr preferRelativeResize="0"/>
+          <p:nvPr/>
+        </p:nvPicPr>
+        <p:blipFill>
+          <a:blip r:embed="rId3">
+            <a:alphaModFix/>
+          </a:blip>
+          <a:stretch>
+            <a:fillRect/>
+          </a:stretch>
+        </p:blipFill>
+        <p:spPr>
+          <a:xfrm>
+            <a:off x="69338" y="685800"/>
+            <a:ext cx="2057400" cy="1600200"/>
+          </a:xfrm>
+          <a:prstGeom prst="rect">
+            <a:avLst/>
+          </a:prstGeom>
+          <a:noFill/>
+          <a:ln>
+            <a:noFill/>
+          </a:ln>
+        </p:spPr>
+      </p:pic>
+      <p:pic>
+        <p:nvPicPr>
+          <p:cNvPr id="655" name="Google Shape;655;p59"/>
+          <p:cNvPicPr preferRelativeResize="0"/>
+          <p:nvPr/>
+        </p:nvPicPr>
+        <p:blipFill>
+          <a:blip r:embed="rId4">
+            <a:alphaModFix/>
+          </a:blip>
+          <a:stretch>
+            <a:fillRect/>
+          </a:stretch>
+        </p:blipFill>
+        <p:spPr>
+          <a:xfrm>
+            <a:off x="2307394" y="685800"/>
+            <a:ext cx="2057400" cy="1600200"/>
+          </a:xfrm>
+          <a:prstGeom prst="rect">
+            <a:avLst/>
+          </a:prstGeom>
+          <a:noFill/>
+          <a:ln>
+            <a:noFill/>
+          </a:ln>
+        </p:spPr>
+      </p:pic>
+      <p:pic>
+        <p:nvPicPr>
+          <p:cNvPr id="656" name="Google Shape;656;p59"/>
+          <p:cNvPicPr preferRelativeResize="0"/>
+          <p:nvPr/>
+        </p:nvPicPr>
+        <p:blipFill>
+          <a:blip r:embed="rId5">
+            <a:alphaModFix/>
+          </a:blip>
+          <a:stretch>
+            <a:fillRect/>
+          </a:stretch>
+        </p:blipFill>
+        <p:spPr>
+          <a:xfrm>
+            <a:off x="4540957" y="685800"/>
+            <a:ext cx="2057400" cy="1600200"/>
+          </a:xfrm>
+          <a:prstGeom prst="rect">
+            <a:avLst/>
+          </a:prstGeom>
+          <a:noFill/>
+          <a:ln>
+            <a:noFill/>
+          </a:ln>
+        </p:spPr>
+      </p:pic>
+      <p:pic>
+        <p:nvPicPr>
+          <p:cNvPr id="657" name="Google Shape;657;p59"/>
+          <p:cNvPicPr preferRelativeResize="0"/>
+          <p:nvPr/>
+        </p:nvPicPr>
+        <p:blipFill>
+          <a:blip r:embed="rId6">
+            <a:alphaModFix/>
+          </a:blip>
+          <a:stretch>
+            <a:fillRect/>
+          </a:stretch>
+        </p:blipFill>
+        <p:spPr>
+          <a:xfrm>
+            <a:off x="6809069" y="685800"/>
+            <a:ext cx="2057400" cy="1600200"/>
+          </a:xfrm>
+          <a:prstGeom prst="rect">
+            <a:avLst/>
+          </a:prstGeom>
+          <a:noFill/>
+          <a:ln>
+            <a:noFill/>
+          </a:ln>
+        </p:spPr>
+      </p:pic>
+      <p:sp>
+        <p:nvSpPr>
+          <p:cNvPr id="658" name="Google Shape;658;p59"/>
+          <p:cNvSpPr txBox="1">
+            <a:spLocks noGrp="1"/>
+          </p:cNvSpPr>
+          <p:nvPr>
+            <p:ph type="title"/>
+          </p:nvPr>
+        </p:nvSpPr>
+        <p:spPr>
+          <a:xfrm>
+            <a:off x="49500" y="49400"/>
+            <a:ext cx="8816100" cy="622800"/>
+          </a:xfrm>
+          <a:prstGeom prst="rect">
+            <a:avLst/>
+          </a:prstGeom>
+        </p:spPr>
+        <p:txBody>
+          <a:bodyPr spcFirstLastPara="1" wrap="square" lIns="91425" tIns="91425" rIns="91425" bIns="91425" anchor="t" anchorCtr="0">
+            <a:noAutofit/>
+          </a:bodyPr>
+          <a:lstStyle/>
+          <a:p>
+            <a:pPr marL="0" lvl="0" indent="0" algn="l" rtl="0">
+              <a:spcBef>
+                <a:spcPts val="0"/>
+              </a:spcBef>
+              <a:spcAft>
+                <a:spcPts val="0"/>
+              </a:spcAft>
+              <a:buNone/>
+            </a:pPr>
+            <a:r>
+              <a:rPr lang="en" sz="3000"/>
+              <a:t>Preprocessing Analysis</a:t>
+            </a:r>
+            <a:endParaRPr sz="3000"/>
+          </a:p>
+        </p:txBody>
+      </p:sp>
+      <p:pic>
+        <p:nvPicPr>
+          <p:cNvPr id="659" name="Google Shape;659;p59"/>
+          <p:cNvPicPr preferRelativeResize="0"/>
+          <p:nvPr/>
+        </p:nvPicPr>
+        <p:blipFill>
+          <a:blip r:embed="rId7">
+            <a:alphaModFix/>
+          </a:blip>
+          <a:stretch>
+            <a:fillRect/>
+          </a:stretch>
+        </p:blipFill>
+        <p:spPr>
+          <a:xfrm>
+            <a:off x="69338" y="2716825"/>
+            <a:ext cx="2057400" cy="1600200"/>
+          </a:xfrm>
+          <a:prstGeom prst="rect">
+            <a:avLst/>
+          </a:prstGeom>
+          <a:noFill/>
+          <a:ln>
+            <a:noFill/>
+          </a:ln>
+        </p:spPr>
+      </p:pic>
+      <p:pic>
+        <p:nvPicPr>
+          <p:cNvPr id="660" name="Google Shape;660;p59"/>
+          <p:cNvPicPr preferRelativeResize="0"/>
+          <p:nvPr/>
+        </p:nvPicPr>
+        <p:blipFill>
+          <a:blip r:embed="rId8">
+            <a:alphaModFix/>
+          </a:blip>
+          <a:stretch>
+            <a:fillRect/>
+          </a:stretch>
+        </p:blipFill>
+        <p:spPr>
+          <a:xfrm>
+            <a:off x="2307394" y="2716825"/>
+            <a:ext cx="2057400" cy="1600200"/>
+          </a:xfrm>
+          <a:prstGeom prst="rect">
+            <a:avLst/>
+          </a:prstGeom>
+          <a:noFill/>
+          <a:ln>
+            <a:noFill/>
+          </a:ln>
+        </p:spPr>
+      </p:pic>
+      <p:pic>
+        <p:nvPicPr>
+          <p:cNvPr id="661" name="Google Shape;661;p59"/>
+          <p:cNvPicPr preferRelativeResize="0"/>
+          <p:nvPr/>
+        </p:nvPicPr>
+        <p:blipFill>
+          <a:blip r:embed="rId9">
+            <a:alphaModFix/>
+          </a:blip>
+          <a:stretch>
+            <a:fillRect/>
+          </a:stretch>
+        </p:blipFill>
+        <p:spPr>
+          <a:xfrm>
+            <a:off x="4540957" y="2716825"/>
+            <a:ext cx="2057400" cy="1600200"/>
+          </a:xfrm>
+          <a:prstGeom prst="rect">
+            <a:avLst/>
+          </a:prstGeom>
+          <a:noFill/>
+          <a:ln>
+            <a:noFill/>
+          </a:ln>
+        </p:spPr>
+      </p:pic>
     </p:spTree>
   </p:cSld>
   <p:clrMapOvr>
